--- a/Scala.pptx
+++ b/Scala.pptx
@@ -64,20 +64,32 @@
     <p:sldId id="307" r:id="rId58"/>
     <p:sldId id="281" r:id="rId59"/>
     <p:sldId id="282" r:id="rId60"/>
-    <p:sldId id="283" r:id="rId61"/>
-    <p:sldId id="284" r:id="rId62"/>
-    <p:sldId id="285" r:id="rId63"/>
-    <p:sldId id="263" r:id="rId64"/>
-    <p:sldId id="266" r:id="rId65"/>
-    <p:sldId id="267" r:id="rId66"/>
-    <p:sldId id="268" r:id="rId67"/>
-    <p:sldId id="269" r:id="rId68"/>
-    <p:sldId id="270" r:id="rId69"/>
-    <p:sldId id="271" r:id="rId70"/>
-    <p:sldId id="272" r:id="rId71"/>
-    <p:sldId id="273" r:id="rId72"/>
-    <p:sldId id="274" r:id="rId73"/>
-    <p:sldId id="275" r:id="rId74"/>
+    <p:sldId id="330" r:id="rId61"/>
+    <p:sldId id="329" r:id="rId62"/>
+    <p:sldId id="283" r:id="rId63"/>
+    <p:sldId id="284" r:id="rId64"/>
+    <p:sldId id="285" r:id="rId65"/>
+    <p:sldId id="263" r:id="rId66"/>
+    <p:sldId id="266" r:id="rId67"/>
+    <p:sldId id="267" r:id="rId68"/>
+    <p:sldId id="268" r:id="rId69"/>
+    <p:sldId id="269" r:id="rId70"/>
+    <p:sldId id="270" r:id="rId71"/>
+    <p:sldId id="271" r:id="rId72"/>
+    <p:sldId id="272" r:id="rId73"/>
+    <p:sldId id="273" r:id="rId74"/>
+    <p:sldId id="274" r:id="rId75"/>
+    <p:sldId id="275" r:id="rId76"/>
+    <p:sldId id="331" r:id="rId77"/>
+    <p:sldId id="332" r:id="rId78"/>
+    <p:sldId id="333" r:id="rId79"/>
+    <p:sldId id="334" r:id="rId80"/>
+    <p:sldId id="335" r:id="rId81"/>
+    <p:sldId id="336" r:id="rId82"/>
+    <p:sldId id="337" r:id="rId83"/>
+    <p:sldId id="338" r:id="rId84"/>
+    <p:sldId id="339" r:id="rId85"/>
+    <p:sldId id="340" r:id="rId86"/>
   </p:sldIdLst>
   <p:sldSz cx="9144000" cy="6858000" type="screen4x3"/>
   <p:notesSz cx="6858000" cy="9144000"/>
@@ -315,7 +327,7 @@
           <a:p>
             <a:fld id="{39864F90-5D3F-40B5-82AF-56546CCBA1CD}" type="datetimeFigureOut">
               <a:rPr lang="en-IN" smtClean="0"/>
-              <a:t>07-04-2022</a:t>
+              <a:t>22-04-2022</a:t>
             </a:fld>
             <a:endParaRPr lang="en-IN"/>
           </a:p>
@@ -485,7 +497,7 @@
           <a:p>
             <a:fld id="{39864F90-5D3F-40B5-82AF-56546CCBA1CD}" type="datetimeFigureOut">
               <a:rPr lang="en-IN" smtClean="0"/>
-              <a:t>07-04-2022</a:t>
+              <a:t>22-04-2022</a:t>
             </a:fld>
             <a:endParaRPr lang="en-IN"/>
           </a:p>
@@ -665,7 +677,7 @@
           <a:p>
             <a:fld id="{39864F90-5D3F-40B5-82AF-56546CCBA1CD}" type="datetimeFigureOut">
               <a:rPr lang="en-IN" smtClean="0"/>
-              <a:t>07-04-2022</a:t>
+              <a:t>22-04-2022</a:t>
             </a:fld>
             <a:endParaRPr lang="en-IN"/>
           </a:p>
@@ -835,7 +847,7 @@
           <a:p>
             <a:fld id="{39864F90-5D3F-40B5-82AF-56546CCBA1CD}" type="datetimeFigureOut">
               <a:rPr lang="en-IN" smtClean="0"/>
-              <a:t>07-04-2022</a:t>
+              <a:t>22-04-2022</a:t>
             </a:fld>
             <a:endParaRPr lang="en-IN"/>
           </a:p>
@@ -1079,7 +1091,7 @@
           <a:p>
             <a:fld id="{39864F90-5D3F-40B5-82AF-56546CCBA1CD}" type="datetimeFigureOut">
               <a:rPr lang="en-IN" smtClean="0"/>
-              <a:t>07-04-2022</a:t>
+              <a:t>22-04-2022</a:t>
             </a:fld>
             <a:endParaRPr lang="en-IN"/>
           </a:p>
@@ -1311,7 +1323,7 @@
           <a:p>
             <a:fld id="{39864F90-5D3F-40B5-82AF-56546CCBA1CD}" type="datetimeFigureOut">
               <a:rPr lang="en-IN" smtClean="0"/>
-              <a:t>07-04-2022</a:t>
+              <a:t>22-04-2022</a:t>
             </a:fld>
             <a:endParaRPr lang="en-IN"/>
           </a:p>
@@ -1678,7 +1690,7 @@
           <a:p>
             <a:fld id="{39864F90-5D3F-40B5-82AF-56546CCBA1CD}" type="datetimeFigureOut">
               <a:rPr lang="en-IN" smtClean="0"/>
-              <a:t>07-04-2022</a:t>
+              <a:t>22-04-2022</a:t>
             </a:fld>
             <a:endParaRPr lang="en-IN"/>
           </a:p>
@@ -1796,7 +1808,7 @@
           <a:p>
             <a:fld id="{39864F90-5D3F-40B5-82AF-56546CCBA1CD}" type="datetimeFigureOut">
               <a:rPr lang="en-IN" smtClean="0"/>
-              <a:t>07-04-2022</a:t>
+              <a:t>22-04-2022</a:t>
             </a:fld>
             <a:endParaRPr lang="en-IN"/>
           </a:p>
@@ -1891,7 +1903,7 @@
           <a:p>
             <a:fld id="{39864F90-5D3F-40B5-82AF-56546CCBA1CD}" type="datetimeFigureOut">
               <a:rPr lang="en-IN" smtClean="0"/>
-              <a:t>07-04-2022</a:t>
+              <a:t>22-04-2022</a:t>
             </a:fld>
             <a:endParaRPr lang="en-IN"/>
           </a:p>
@@ -2168,7 +2180,7 @@
           <a:p>
             <a:fld id="{39864F90-5D3F-40B5-82AF-56546CCBA1CD}" type="datetimeFigureOut">
               <a:rPr lang="en-IN" smtClean="0"/>
-              <a:t>07-04-2022</a:t>
+              <a:t>22-04-2022</a:t>
             </a:fld>
             <a:endParaRPr lang="en-IN"/>
           </a:p>
@@ -2425,7 +2437,7 @@
           <a:p>
             <a:fld id="{39864F90-5D3F-40B5-82AF-56546CCBA1CD}" type="datetimeFigureOut">
               <a:rPr lang="en-IN" smtClean="0"/>
-              <a:t>07-04-2022</a:t>
+              <a:t>22-04-2022</a:t>
             </a:fld>
             <a:endParaRPr lang="en-IN"/>
           </a:p>
@@ -2638,7 +2650,7 @@
           <a:p>
             <a:fld id="{39864F90-5D3F-40B5-82AF-56546CCBA1CD}" type="datetimeFigureOut">
               <a:rPr lang="en-IN" smtClean="0"/>
-              <a:t>07-04-2022</a:t>
+              <a:t>22-04-2022</a:t>
             </a:fld>
             <a:endParaRPr lang="en-IN"/>
           </a:p>
@@ -28929,10 +28941,81 @@
           <a:chExt cx="0" cy="0"/>
         </a:xfrm>
       </p:grpSpPr>
+      <p:sp>
+        <p:nvSpPr>
+          <p:cNvPr id="3" name="TextBox 2">
+            <a:extLst>
+              <a:ext uri="{FF2B5EF4-FFF2-40B4-BE49-F238E27FC236}">
+                <a16:creationId xmlns:a16="http://schemas.microsoft.com/office/drawing/2014/main" id="{BA2FE79F-A75D-4921-9E06-3A8E55946317}"/>
+              </a:ext>
+            </a:extLst>
+          </p:cNvPr>
+          <p:cNvSpPr txBox="1"/>
+          <p:nvPr/>
+        </p:nvSpPr>
+        <p:spPr>
+          <a:xfrm>
+            <a:off x="386179" y="237023"/>
+            <a:ext cx="4572000" cy="369332"/>
+          </a:xfrm>
+          <a:prstGeom prst="rect">
+            <a:avLst/>
+          </a:prstGeom>
+          <a:noFill/>
+        </p:spPr>
+        <p:txBody>
+          <a:bodyPr wrap="square">
+            <a:spAutoFit/>
+          </a:bodyPr>
+          <a:lstStyle/>
+          <a:p>
+            <a:r>
+              <a:rPr lang="en-IN" dirty="0"/>
+              <a:t>Introduction to OOPS</a:t>
+            </a:r>
+          </a:p>
+        </p:txBody>
+      </p:sp>
+      <p:pic>
+        <p:nvPicPr>
+          <p:cNvPr id="5" name="Picture 4" descr="A picture containing text, melon&#10;&#10;Description automatically generated">
+            <a:extLst>
+              <a:ext uri="{FF2B5EF4-FFF2-40B4-BE49-F238E27FC236}">
+                <a16:creationId xmlns:a16="http://schemas.microsoft.com/office/drawing/2014/main" id="{D970C8D8-EF57-43A6-BDF5-B9703C416418}"/>
+              </a:ext>
+            </a:extLst>
+          </p:cNvPr>
+          <p:cNvPicPr>
+            <a:picLocks noChangeAspect="1"/>
+          </p:cNvPicPr>
+          <p:nvPr/>
+        </p:nvPicPr>
+        <p:blipFill>
+          <a:blip r:embed="rId2">
+            <a:extLst>
+              <a:ext uri="{28A0092B-C50C-407E-A947-70E740481C1C}">
+                <a14:useLocalDpi xmlns:a14="http://schemas.microsoft.com/office/drawing/2010/main" val="0"/>
+              </a:ext>
+            </a:extLst>
+          </a:blip>
+          <a:stretch>
+            <a:fillRect/>
+          </a:stretch>
+        </p:blipFill>
+        <p:spPr>
+          <a:xfrm>
+            <a:off x="1143000" y="1083076"/>
+            <a:ext cx="5763827" cy="4853552"/>
+          </a:xfrm>
+          <a:prstGeom prst="rect">
+            <a:avLst/>
+          </a:prstGeom>
+        </p:spPr>
+      </p:pic>
     </p:spTree>
     <p:extLst>
       <p:ext uri="{BB962C8B-B14F-4D97-AF65-F5344CB8AC3E}">
-        <p14:creationId xmlns:p14="http://schemas.microsoft.com/office/powerpoint/2010/main" val="2699240552"/>
+        <p14:creationId xmlns:p14="http://schemas.microsoft.com/office/powerpoint/2010/main" val="1213515951"/>
       </p:ext>
     </p:extLst>
   </p:cSld>
@@ -28959,10 +29042,141 @@
           <a:chExt cx="0" cy="0"/>
         </a:xfrm>
       </p:grpSpPr>
+      <p:sp>
+        <p:nvSpPr>
+          <p:cNvPr id="3" name="TextBox 2">
+            <a:extLst>
+              <a:ext uri="{FF2B5EF4-FFF2-40B4-BE49-F238E27FC236}">
+                <a16:creationId xmlns:a16="http://schemas.microsoft.com/office/drawing/2014/main" id="{A4BEA97E-1855-4BD6-8B47-0E6C4F339C99}"/>
+              </a:ext>
+            </a:extLst>
+          </p:cNvPr>
+          <p:cNvSpPr txBox="1"/>
+          <p:nvPr/>
+        </p:nvSpPr>
+        <p:spPr>
+          <a:xfrm>
+            <a:off x="483832" y="309797"/>
+            <a:ext cx="8447103" cy="646331"/>
+          </a:xfrm>
+          <a:prstGeom prst="rect">
+            <a:avLst/>
+          </a:prstGeom>
+          <a:noFill/>
+        </p:spPr>
+        <p:txBody>
+          <a:bodyPr wrap="square">
+            <a:spAutoFit/>
+          </a:bodyPr>
+          <a:lstStyle/>
+          <a:p>
+            <a:r>
+              <a:rPr lang="en-US" dirty="0"/>
+              <a:t>In general, Object-Oriented Programming (OOP) consists of classes and objects and aims to implement real-world entities like polymorphism, inheritance.</a:t>
+            </a:r>
+            <a:endParaRPr lang="en-IN" dirty="0"/>
+          </a:p>
+        </p:txBody>
+      </p:sp>
+      <p:sp>
+        <p:nvSpPr>
+          <p:cNvPr id="5" name="TextBox 4">
+            <a:extLst>
+              <a:ext uri="{FF2B5EF4-FFF2-40B4-BE49-F238E27FC236}">
+                <a16:creationId xmlns:a16="http://schemas.microsoft.com/office/drawing/2014/main" id="{8D94DB99-B87A-4642-BF73-5308A63FAF1B}"/>
+              </a:ext>
+            </a:extLst>
+          </p:cNvPr>
+          <p:cNvSpPr txBox="1"/>
+          <p:nvPr/>
+        </p:nvSpPr>
+        <p:spPr>
+          <a:xfrm>
+            <a:off x="253013" y="1099830"/>
+            <a:ext cx="8269550" cy="2031325"/>
+          </a:xfrm>
+          <a:prstGeom prst="rect">
+            <a:avLst/>
+          </a:prstGeom>
+          <a:noFill/>
+        </p:spPr>
+        <p:txBody>
+          <a:bodyPr wrap="square">
+            <a:spAutoFit/>
+          </a:bodyPr>
+          <a:lstStyle/>
+          <a:p>
+            <a:pPr algn="l"/>
+            <a:r>
+              <a:rPr lang="en-US" b="0" i="0" dirty="0">
+                <a:solidFill>
+                  <a:srgbClr val="3D4251"/>
+                </a:solidFill>
+                <a:effectLst/>
+                <a:latin typeface="Lora" pitchFamily="2" charset="0"/>
+              </a:rPr>
+              <a:t>The class can be thought of as a representation or a design for objects. Classes will usually have their own </a:t>
+            </a:r>
+            <a:r>
+              <a:rPr lang="en-US" b="1" i="0" dirty="0">
+                <a:solidFill>
+                  <a:srgbClr val="3D4251"/>
+                </a:solidFill>
+                <a:effectLst/>
+                <a:latin typeface="Lora" pitchFamily="2" charset="0"/>
+              </a:rPr>
+              <a:t>methods</a:t>
+            </a:r>
+            <a:r>
+              <a:rPr lang="en-US" b="0" i="0" dirty="0">
+                <a:solidFill>
+                  <a:srgbClr val="3D4251"/>
+                </a:solidFill>
+                <a:effectLst/>
+                <a:latin typeface="Lora" pitchFamily="2" charset="0"/>
+              </a:rPr>
+              <a:t> (behavior) and </a:t>
+            </a:r>
+            <a:r>
+              <a:rPr lang="en-US" b="1" i="0" dirty="0">
+                <a:solidFill>
+                  <a:srgbClr val="3D4251"/>
+                </a:solidFill>
+                <a:effectLst/>
+                <a:latin typeface="Lora" pitchFamily="2" charset="0"/>
+              </a:rPr>
+              <a:t>attributes</a:t>
+            </a:r>
+            <a:r>
+              <a:rPr lang="en-US" b="0" i="0" dirty="0">
+                <a:solidFill>
+                  <a:srgbClr val="3D4251"/>
+                </a:solidFill>
+                <a:effectLst/>
+                <a:latin typeface="Lora" pitchFamily="2" charset="0"/>
+              </a:rPr>
+              <a:t>.</a:t>
+            </a:r>
+          </a:p>
+          <a:p>
+            <a:pPr algn="l"/>
+            <a:r>
+              <a:rPr lang="en-US" b="0" i="0" dirty="0">
+                <a:solidFill>
+                  <a:srgbClr val="3D4251"/>
+                </a:solidFill>
+                <a:effectLst/>
+                <a:latin typeface="Lora" pitchFamily="2" charset="0"/>
+              </a:rPr>
+              <a:t>Attributes are individual entities that differentiate each object from the other and determine various qualities of an object. Methods, on the other hand, are more like how a function usually operates in programming. They determine how the instance of the class works. It's mostly because of methods (behavior); objects have the power to be done something to them.</a:t>
+            </a:r>
+          </a:p>
+        </p:txBody>
+      </p:sp>
     </p:spTree>
     <p:extLst>
       <p:ext uri="{BB962C8B-B14F-4D97-AF65-F5344CB8AC3E}">
-        <p14:creationId xmlns:p14="http://schemas.microsoft.com/office/powerpoint/2010/main" val="3573772690"/>
+        <p14:creationId xmlns:p14="http://schemas.microsoft.com/office/powerpoint/2010/main" val="3588080481"/>
       </p:ext>
     </p:extLst>
   </p:cSld>
@@ -28989,6 +29203,552 @@
           <a:chExt cx="0" cy="0"/>
         </a:xfrm>
       </p:grpSpPr>
+      <p:pic>
+        <p:nvPicPr>
+          <p:cNvPr id="3" name="Picture 2" descr="Diagram&#10;&#10;Description automatically generated">
+            <a:extLst>
+              <a:ext uri="{FF2B5EF4-FFF2-40B4-BE49-F238E27FC236}">
+                <a16:creationId xmlns:a16="http://schemas.microsoft.com/office/drawing/2014/main" id="{C82DF1F3-CF7F-4BA4-9DF4-43B8580F7F10}"/>
+              </a:ext>
+            </a:extLst>
+          </p:cNvPr>
+          <p:cNvPicPr>
+            <a:picLocks noChangeAspect="1"/>
+          </p:cNvPicPr>
+          <p:nvPr/>
+        </p:nvPicPr>
+        <p:blipFill>
+          <a:blip r:embed="rId2">
+            <a:extLst>
+              <a:ext uri="{28A0092B-C50C-407E-A947-70E740481C1C}">
+                <a14:useLocalDpi xmlns:a14="http://schemas.microsoft.com/office/drawing/2010/main" val="0"/>
+              </a:ext>
+            </a:extLst>
+          </a:blip>
+          <a:stretch>
+            <a:fillRect/>
+          </a:stretch>
+        </p:blipFill>
+        <p:spPr>
+          <a:xfrm>
+            <a:off x="5122416" y="96779"/>
+            <a:ext cx="3855196" cy="4253279"/>
+          </a:xfrm>
+          <a:prstGeom prst="rect">
+            <a:avLst/>
+          </a:prstGeom>
+        </p:spPr>
+      </p:pic>
+      <p:sp>
+        <p:nvSpPr>
+          <p:cNvPr id="4" name="TextBox 3">
+            <a:extLst>
+              <a:ext uri="{FF2B5EF4-FFF2-40B4-BE49-F238E27FC236}">
+                <a16:creationId xmlns:a16="http://schemas.microsoft.com/office/drawing/2014/main" id="{9F4643AA-FFC7-4AFF-BE39-7F3697F7597E}"/>
+              </a:ext>
+            </a:extLst>
+          </p:cNvPr>
+          <p:cNvSpPr txBox="1"/>
+          <p:nvPr/>
+        </p:nvSpPr>
+        <p:spPr>
+          <a:xfrm>
+            <a:off x="361697" y="606882"/>
+            <a:ext cx="4572000" cy="2862322"/>
+          </a:xfrm>
+          <a:prstGeom prst="rect">
+            <a:avLst/>
+          </a:prstGeom>
+          <a:noFill/>
+        </p:spPr>
+        <p:txBody>
+          <a:bodyPr wrap="square">
+            <a:spAutoFit/>
+          </a:bodyPr>
+          <a:lstStyle/>
+          <a:p>
+            <a:r>
+              <a:rPr lang="en-US" dirty="0"/>
+              <a:t>The above figure gives you more intuition about the flow of object-oriented programming or, to be more specific, what a class looks like. In the above picture, there is a class car which has attributes: fuel, max speed, and can have more attributes like the model, make, etc. It has different sets of methods like refuel(), </a:t>
+            </a:r>
+            <a:r>
+              <a:rPr lang="en-US" dirty="0" err="1"/>
+              <a:t>getFuel</a:t>
+            </a:r>
+            <a:r>
+              <a:rPr lang="en-US" dirty="0"/>
+              <a:t>(), </a:t>
+            </a:r>
+            <a:r>
+              <a:rPr lang="en-US" dirty="0" err="1"/>
+              <a:t>setSpeed</a:t>
+            </a:r>
+            <a:r>
+              <a:rPr lang="en-US" dirty="0"/>
+              <a:t>(), and some additional methods can be change gear, start the engine, stop the engine, etc.</a:t>
+            </a:r>
+            <a:endParaRPr lang="en-IN" dirty="0"/>
+          </a:p>
+        </p:txBody>
+      </p:sp>
+    </p:spTree>
+    <p:extLst>
+      <p:ext uri="{BB962C8B-B14F-4D97-AF65-F5344CB8AC3E}">
+        <p14:creationId xmlns:p14="http://schemas.microsoft.com/office/powerpoint/2010/main" val="2699240552"/>
+      </p:ext>
+    </p:extLst>
+  </p:cSld>
+  <p:clrMapOvr>
+    <a:masterClrMapping/>
+  </p:clrMapOvr>
+</p:sld>
+</file>
+
+<file path=ppt/slides/slide63.xml><?xml version="1.0" encoding="utf-8"?>
+<p:sld xmlns:a="http://schemas.openxmlformats.org/drawingml/2006/main" xmlns:r="http://schemas.openxmlformats.org/officeDocument/2006/relationships" xmlns:p="http://schemas.openxmlformats.org/presentationml/2006/main">
+  <p:cSld>
+    <p:spTree>
+      <p:nvGrpSpPr>
+        <p:cNvPr id="1" name=""/>
+        <p:cNvGrpSpPr/>
+        <p:nvPr/>
+      </p:nvGrpSpPr>
+      <p:grpSpPr>
+        <a:xfrm>
+          <a:off x="0" y="0"/>
+          <a:ext cx="0" cy="0"/>
+          <a:chOff x="0" y="0"/>
+          <a:chExt cx="0" cy="0"/>
+        </a:xfrm>
+      </p:grpSpPr>
+      <p:sp>
+        <p:nvSpPr>
+          <p:cNvPr id="7" name="TextBox 6">
+            <a:extLst>
+              <a:ext uri="{FF2B5EF4-FFF2-40B4-BE49-F238E27FC236}">
+                <a16:creationId xmlns:a16="http://schemas.microsoft.com/office/drawing/2014/main" id="{6DBCA95F-9723-42E2-8117-3B7EEB1E36FC}"/>
+              </a:ext>
+            </a:extLst>
+          </p:cNvPr>
+          <p:cNvSpPr txBox="1"/>
+          <p:nvPr/>
+        </p:nvSpPr>
+        <p:spPr>
+          <a:xfrm>
+            <a:off x="368423" y="174373"/>
+            <a:ext cx="8473735" cy="1754326"/>
+          </a:xfrm>
+          <a:prstGeom prst="rect">
+            <a:avLst/>
+          </a:prstGeom>
+          <a:noFill/>
+        </p:spPr>
+        <p:txBody>
+          <a:bodyPr wrap="square">
+            <a:spAutoFit/>
+          </a:bodyPr>
+          <a:lstStyle/>
+          <a:p>
+            <a:r>
+              <a:rPr lang="en-US" b="1" dirty="0"/>
+              <a:t>Classes and Objects in Scala</a:t>
+            </a:r>
+          </a:p>
+          <a:p>
+            <a:r>
+              <a:rPr lang="en-US" dirty="0"/>
+              <a:t>Much like </a:t>
+            </a:r>
+            <a:r>
+              <a:rPr lang="en-US" dirty="0" err="1"/>
+              <a:t>c++</a:t>
+            </a:r>
+            <a:r>
+              <a:rPr lang="en-US" dirty="0"/>
+              <a:t> and java, object-oriented programming in Scala follows pretty much the same conventions. It has the concept of defining classes and objects and within class constructors, and that is all there is to object-oriented programming in Scala.</a:t>
+            </a:r>
+          </a:p>
+          <a:p>
+            <a:endParaRPr lang="en-US" dirty="0"/>
+          </a:p>
+          <a:p>
+            <a:r>
+              <a:rPr lang="en-US" dirty="0"/>
+              <a:t>Class Declaration</a:t>
+            </a:r>
+            <a:endParaRPr lang="en-IN" dirty="0"/>
+          </a:p>
+        </p:txBody>
+      </p:sp>
+      <p:sp>
+        <p:nvSpPr>
+          <p:cNvPr id="9" name="TextBox 8">
+            <a:extLst>
+              <a:ext uri="{FF2B5EF4-FFF2-40B4-BE49-F238E27FC236}">
+                <a16:creationId xmlns:a16="http://schemas.microsoft.com/office/drawing/2014/main" id="{6DF47A47-7A5B-47ED-BE99-4927A8365F46}"/>
+              </a:ext>
+            </a:extLst>
+          </p:cNvPr>
+          <p:cNvSpPr txBox="1"/>
+          <p:nvPr/>
+        </p:nvSpPr>
+        <p:spPr>
+          <a:xfrm>
+            <a:off x="3262544" y="1602393"/>
+            <a:ext cx="4572000" cy="923330"/>
+          </a:xfrm>
+          <a:prstGeom prst="rect">
+            <a:avLst/>
+          </a:prstGeom>
+          <a:noFill/>
+        </p:spPr>
+        <p:txBody>
+          <a:bodyPr wrap="square">
+            <a:spAutoFit/>
+          </a:bodyPr>
+          <a:lstStyle/>
+          <a:p>
+            <a:r>
+              <a:rPr lang="en-US" dirty="0"/>
+              <a:t>class </a:t>
+            </a:r>
+            <a:r>
+              <a:rPr lang="en-US" dirty="0" err="1"/>
+              <a:t>Class_name</a:t>
+            </a:r>
+            <a:r>
+              <a:rPr lang="en-US" dirty="0"/>
+              <a:t>{</a:t>
+            </a:r>
+          </a:p>
+          <a:p>
+            <a:r>
+              <a:rPr lang="en-US" dirty="0"/>
+              <a:t>// methods and attributes</a:t>
+            </a:r>
+          </a:p>
+          <a:p>
+            <a:r>
+              <a:rPr lang="en-US" dirty="0"/>
+              <a:t>}</a:t>
+            </a:r>
+            <a:endParaRPr lang="en-IN" dirty="0"/>
+          </a:p>
+        </p:txBody>
+      </p:sp>
+      <p:sp>
+        <p:nvSpPr>
+          <p:cNvPr id="11" name="TextBox 10">
+            <a:extLst>
+              <a:ext uri="{FF2B5EF4-FFF2-40B4-BE49-F238E27FC236}">
+                <a16:creationId xmlns:a16="http://schemas.microsoft.com/office/drawing/2014/main" id="{1392A4B2-096F-48B9-A632-F70E0B6EA0F9}"/>
+              </a:ext>
+            </a:extLst>
+          </p:cNvPr>
+          <p:cNvSpPr txBox="1"/>
+          <p:nvPr/>
+        </p:nvSpPr>
+        <p:spPr>
+          <a:xfrm>
+            <a:off x="84337" y="3190510"/>
+            <a:ext cx="8580268" cy="2862322"/>
+          </a:xfrm>
+          <a:prstGeom prst="rect">
+            <a:avLst/>
+          </a:prstGeom>
+          <a:noFill/>
+        </p:spPr>
+        <p:txBody>
+          <a:bodyPr wrap="square">
+            <a:spAutoFit/>
+          </a:bodyPr>
+          <a:lstStyle/>
+          <a:p>
+            <a:r>
+              <a:rPr lang="en-US" dirty="0"/>
+              <a:t>Class in Scala is defined by the keyword class followed by the name of the class, and generally, the class name starts with a capital letter. There are few keywords which are optional but can be used in Scala class declaration like: class-name, it should begin with a capital letter: superclass, the parent class name preceded by extend keyword: traits, it is a comma-separated list implemented by the class preceded by extend keyword.</a:t>
+            </a:r>
+          </a:p>
+          <a:p>
+            <a:endParaRPr lang="en-US" dirty="0"/>
+          </a:p>
+          <a:p>
+            <a:r>
+              <a:rPr lang="en-US" dirty="0"/>
+              <a:t>A class can in Scala inherits only one parent class, which means Scala does not support multiple inheritances. However, it can be achieved with the use of Traits.</a:t>
+            </a:r>
+          </a:p>
+          <a:p>
+            <a:endParaRPr lang="en-US" dirty="0"/>
+          </a:p>
+          <a:p>
+            <a:r>
+              <a:rPr lang="en-US" dirty="0"/>
+              <a:t>Finally, the body of a class in Scala is surrounded by curly braces {}</a:t>
+            </a:r>
+            <a:endParaRPr lang="en-IN" dirty="0"/>
+          </a:p>
+        </p:txBody>
+      </p:sp>
+    </p:spTree>
+    <p:extLst>
+      <p:ext uri="{BB962C8B-B14F-4D97-AF65-F5344CB8AC3E}">
+        <p14:creationId xmlns:p14="http://schemas.microsoft.com/office/powerpoint/2010/main" val="3573772690"/>
+      </p:ext>
+    </p:extLst>
+  </p:cSld>
+  <p:clrMapOvr>
+    <a:masterClrMapping/>
+  </p:clrMapOvr>
+</p:sld>
+</file>
+
+<file path=ppt/slides/slide64.xml><?xml version="1.0" encoding="utf-8"?>
+<p:sld xmlns:a="http://schemas.openxmlformats.org/drawingml/2006/main" xmlns:r="http://schemas.openxmlformats.org/officeDocument/2006/relationships" xmlns:p="http://schemas.openxmlformats.org/presentationml/2006/main">
+  <p:cSld>
+    <p:spTree>
+      <p:nvGrpSpPr>
+        <p:cNvPr id="1" name=""/>
+        <p:cNvGrpSpPr/>
+        <p:nvPr/>
+      </p:nvGrpSpPr>
+      <p:grpSpPr>
+        <a:xfrm>
+          <a:off x="0" y="0"/>
+          <a:ext cx="0" cy="0"/>
+          <a:chOff x="0" y="0"/>
+          <a:chExt cx="0" cy="0"/>
+        </a:xfrm>
+      </p:grpSpPr>
+      <p:sp>
+        <p:nvSpPr>
+          <p:cNvPr id="3" name="TextBox 2">
+            <a:extLst>
+              <a:ext uri="{FF2B5EF4-FFF2-40B4-BE49-F238E27FC236}">
+                <a16:creationId xmlns:a16="http://schemas.microsoft.com/office/drawing/2014/main" id="{1387B757-698D-4F68-8F0F-95E7409ACEC2}"/>
+              </a:ext>
+            </a:extLst>
+          </p:cNvPr>
+          <p:cNvSpPr txBox="1"/>
+          <p:nvPr/>
+        </p:nvSpPr>
+        <p:spPr>
+          <a:xfrm>
+            <a:off x="4345619" y="458769"/>
+            <a:ext cx="4572000" cy="4985980"/>
+          </a:xfrm>
+          <a:prstGeom prst="rect">
+            <a:avLst/>
+          </a:prstGeom>
+          <a:noFill/>
+        </p:spPr>
+        <p:txBody>
+          <a:bodyPr wrap="square">
+            <a:spAutoFit/>
+          </a:bodyPr>
+          <a:lstStyle/>
+          <a:p>
+            <a:r>
+              <a:rPr lang="en-IN" sz="1200" dirty="0"/>
+              <a:t>class Car {</a:t>
+            </a:r>
+          </a:p>
+          <a:p>
+            <a:r>
+              <a:rPr lang="en-IN" sz="1200" dirty="0"/>
+              <a:t>  // Class variables</a:t>
+            </a:r>
+          </a:p>
+          <a:p>
+            <a:r>
+              <a:rPr lang="en-IN" sz="1200" dirty="0"/>
+              <a:t>  var make: String = "BMW"</a:t>
+            </a:r>
+          </a:p>
+          <a:p>
+            <a:r>
+              <a:rPr lang="en-IN" sz="1200" dirty="0"/>
+              <a:t>  var model: String = "X7"</a:t>
+            </a:r>
+          </a:p>
+          <a:p>
+            <a:r>
+              <a:rPr lang="en-IN" sz="1200" dirty="0"/>
+              <a:t>  var fuel: Int = 40</a:t>
+            </a:r>
+          </a:p>
+          <a:p>
+            <a:endParaRPr lang="en-IN" sz="1200" dirty="0"/>
+          </a:p>
+          <a:p>
+            <a:r>
+              <a:rPr lang="en-IN" sz="1200" dirty="0"/>
+              <a:t>  // Class method</a:t>
+            </a:r>
+          </a:p>
+          <a:p>
+            <a:r>
+              <a:rPr lang="en-IN" sz="1200" dirty="0"/>
+              <a:t>  def Display()</a:t>
+            </a:r>
+          </a:p>
+          <a:p>
+            <a:r>
+              <a:rPr lang="en-IN" sz="1200" dirty="0"/>
+              <a:t>  {</a:t>
+            </a:r>
+          </a:p>
+          <a:p>
+            <a:r>
+              <a:rPr lang="en-IN" sz="1200" dirty="0"/>
+              <a:t>    </a:t>
+            </a:r>
+            <a:r>
+              <a:rPr lang="en-IN" sz="1200" dirty="0" err="1"/>
+              <a:t>println</a:t>
+            </a:r>
+            <a:r>
+              <a:rPr lang="en-IN" sz="1200" dirty="0"/>
+              <a:t>("Make of the Car : " + make);</a:t>
+            </a:r>
+          </a:p>
+          <a:p>
+            <a:r>
+              <a:rPr lang="en-IN" sz="1200" dirty="0"/>
+              <a:t>    </a:t>
+            </a:r>
+            <a:r>
+              <a:rPr lang="en-IN" sz="1200" dirty="0" err="1"/>
+              <a:t>println</a:t>
+            </a:r>
+            <a:r>
+              <a:rPr lang="en-IN" sz="1200" dirty="0"/>
+              <a:t>("Model of the Car : " + model);</a:t>
+            </a:r>
+          </a:p>
+          <a:p>
+            <a:r>
+              <a:rPr lang="en-IN" sz="1200" dirty="0"/>
+              <a:t>    </a:t>
+            </a:r>
+            <a:r>
+              <a:rPr lang="en-IN" sz="1200" dirty="0" err="1"/>
+              <a:t>println</a:t>
+            </a:r>
+            <a:r>
+              <a:rPr lang="en-IN" sz="1200" dirty="0"/>
+              <a:t>("Fuel capacity of the Car : " + fuel);</a:t>
+            </a:r>
+          </a:p>
+          <a:p>
+            <a:r>
+              <a:rPr lang="en-IN" sz="1200" dirty="0"/>
+              <a:t>  }</a:t>
+            </a:r>
+          </a:p>
+          <a:p>
+            <a:r>
+              <a:rPr lang="en-IN" sz="1200" dirty="0"/>
+              <a:t>}</a:t>
+            </a:r>
+          </a:p>
+          <a:p>
+            <a:r>
+              <a:rPr lang="en-IN" sz="1200" dirty="0"/>
+              <a:t>object </a:t>
+            </a:r>
+            <a:r>
+              <a:rPr lang="en-IN" sz="1200" dirty="0" err="1"/>
+              <a:t>Main_Car_calss</a:t>
+            </a:r>
+            <a:endParaRPr lang="en-IN" sz="1200" dirty="0"/>
+          </a:p>
+          <a:p>
+            <a:r>
+              <a:rPr lang="en-IN" sz="1200" dirty="0"/>
+              <a:t>{</a:t>
+            </a:r>
+          </a:p>
+          <a:p>
+            <a:endParaRPr lang="en-IN" sz="1200" dirty="0"/>
+          </a:p>
+          <a:p>
+            <a:r>
+              <a:rPr lang="en-IN" sz="1200" dirty="0"/>
+              <a:t>  // Main method</a:t>
+            </a:r>
+          </a:p>
+          <a:p>
+            <a:r>
+              <a:rPr lang="en-IN" sz="1200" dirty="0"/>
+              <a:t>  def main(</a:t>
+            </a:r>
+            <a:r>
+              <a:rPr lang="en-IN" sz="1200" dirty="0" err="1"/>
+              <a:t>args</a:t>
+            </a:r>
+            <a:r>
+              <a:rPr lang="en-IN" sz="1200" dirty="0"/>
+              <a:t>: Array[String])</a:t>
+            </a:r>
+          </a:p>
+          <a:p>
+            <a:r>
+              <a:rPr lang="en-IN" sz="1200" dirty="0"/>
+              <a:t>  {</a:t>
+            </a:r>
+          </a:p>
+          <a:p>
+            <a:endParaRPr lang="en-IN" sz="1200" dirty="0"/>
+          </a:p>
+          <a:p>
+            <a:r>
+              <a:rPr lang="en-IN" sz="1200" dirty="0"/>
+              <a:t>    // Class object</a:t>
+            </a:r>
+          </a:p>
+          <a:p>
+            <a:r>
+              <a:rPr lang="en-IN" sz="1200" dirty="0"/>
+              <a:t>    var </a:t>
+            </a:r>
+            <a:r>
+              <a:rPr lang="en-IN" sz="1200" dirty="0" err="1"/>
+              <a:t>obj</a:t>
+            </a:r>
+            <a:r>
+              <a:rPr lang="en-IN" sz="1200" dirty="0"/>
+              <a:t> = new Car();</a:t>
+            </a:r>
+          </a:p>
+          <a:p>
+            <a:r>
+              <a:rPr lang="en-IN" sz="1200" dirty="0"/>
+              <a:t>    </a:t>
+            </a:r>
+            <a:r>
+              <a:rPr lang="en-IN" sz="1200" dirty="0" err="1"/>
+              <a:t>obj.Display</a:t>
+            </a:r>
+            <a:r>
+              <a:rPr lang="en-IN" sz="1200" dirty="0"/>
+              <a:t>();</a:t>
+            </a:r>
+          </a:p>
+          <a:p>
+            <a:r>
+              <a:rPr lang="en-IN" sz="1200" dirty="0"/>
+              <a:t>  }</a:t>
+            </a:r>
+          </a:p>
+          <a:p>
+            <a:r>
+              <a:rPr lang="en-IN" dirty="0"/>
+              <a:t>}</a:t>
+            </a:r>
+          </a:p>
+        </p:txBody>
+      </p:sp>
     </p:spTree>
     <p:extLst>
       <p:ext uri="{BB962C8B-B14F-4D97-AF65-F5344CB8AC3E}">
@@ -29002,7 +29762,7 @@
 </p:sld>
 </file>
 
-<file path=ppt/slides/slide63.xml><?xml version="1.0" encoding="utf-8"?>
+<file path=ppt/slides/slide65.xml><?xml version="1.0" encoding="utf-8"?>
 <p:sld xmlns:a="http://schemas.openxmlformats.org/drawingml/2006/main" xmlns:r="http://schemas.openxmlformats.org/officeDocument/2006/relationships" xmlns:p="http://schemas.openxmlformats.org/presentationml/2006/main">
   <p:cSld>
     <p:spTree>
@@ -29184,7 +29944,7 @@
 </p:sld>
 </file>
 
-<file path=ppt/slides/slide64.xml><?xml version="1.0" encoding="utf-8"?>
+<file path=ppt/slides/slide66.xml><?xml version="1.0" encoding="utf-8"?>
 <p:sld xmlns:a="http://schemas.openxmlformats.org/drawingml/2006/main" xmlns:r="http://schemas.openxmlformats.org/officeDocument/2006/relationships" xmlns:p="http://schemas.openxmlformats.org/presentationml/2006/main">
   <p:cSld>
     <p:spTree>
@@ -29214,7 +29974,7 @@
 </p:sld>
 </file>
 
-<file path=ppt/slides/slide65.xml><?xml version="1.0" encoding="utf-8"?>
+<file path=ppt/slides/slide67.xml><?xml version="1.0" encoding="utf-8"?>
 <p:sld xmlns:a="http://schemas.openxmlformats.org/drawingml/2006/main" xmlns:r="http://schemas.openxmlformats.org/officeDocument/2006/relationships" xmlns:p="http://schemas.openxmlformats.org/presentationml/2006/main">
   <p:cSld>
     <p:spTree>
@@ -29244,7 +30004,7 @@
 </p:sld>
 </file>
 
-<file path=ppt/slides/slide66.xml><?xml version="1.0" encoding="utf-8"?>
+<file path=ppt/slides/slide68.xml><?xml version="1.0" encoding="utf-8"?>
 <p:sld xmlns:a="http://schemas.openxmlformats.org/drawingml/2006/main" xmlns:r="http://schemas.openxmlformats.org/officeDocument/2006/relationships" xmlns:p="http://schemas.openxmlformats.org/presentationml/2006/main">
   <p:cSld>
     <p:spTree>
@@ -29274,7 +30034,7 @@
 </p:sld>
 </file>
 
-<file path=ppt/slides/slide67.xml><?xml version="1.0" encoding="utf-8"?>
+<file path=ppt/slides/slide69.xml><?xml version="1.0" encoding="utf-8"?>
 <p:sld xmlns:a="http://schemas.openxmlformats.org/drawingml/2006/main" xmlns:r="http://schemas.openxmlformats.org/officeDocument/2006/relationships" xmlns:p="http://schemas.openxmlformats.org/presentationml/2006/main">
   <p:cSld>
     <p:spTree>
@@ -29516,1731 +30276,6 @@
 </p:sld>
 </file>
 
-<file path=ppt/slides/slide68.xml><?xml version="1.0" encoding="utf-8"?>
-<p:sld xmlns:a="http://schemas.openxmlformats.org/drawingml/2006/main" xmlns:r="http://schemas.openxmlformats.org/officeDocument/2006/relationships" xmlns:p="http://schemas.openxmlformats.org/presentationml/2006/main">
-  <p:cSld>
-    <p:spTree>
-      <p:nvGrpSpPr>
-        <p:cNvPr id="1" name=""/>
-        <p:cNvGrpSpPr/>
-        <p:nvPr/>
-      </p:nvGrpSpPr>
-      <p:grpSpPr>
-        <a:xfrm>
-          <a:off x="0" y="0"/>
-          <a:ext cx="0" cy="0"/>
-          <a:chOff x="0" y="0"/>
-          <a:chExt cx="0" cy="0"/>
-        </a:xfrm>
-      </p:grpSpPr>
-      <p:sp>
-        <p:nvSpPr>
-          <p:cNvPr id="2" name="TextBox 1">
-            <a:extLst>
-              <a:ext uri="{FF2B5EF4-FFF2-40B4-BE49-F238E27FC236}">
-                <a16:creationId xmlns:a16="http://schemas.microsoft.com/office/drawing/2014/main" id="{C49E8E47-86D0-459D-A7FF-5B74A0024D37}"/>
-              </a:ext>
-            </a:extLst>
-          </p:cNvPr>
-          <p:cNvSpPr txBox="1"/>
-          <p:nvPr/>
-        </p:nvSpPr>
-        <p:spPr>
-          <a:xfrm>
-            <a:off x="133165" y="214544"/>
-            <a:ext cx="3071674" cy="369332"/>
-          </a:xfrm>
-          <a:prstGeom prst="rect">
-            <a:avLst/>
-          </a:prstGeom>
-          <a:noFill/>
-        </p:spPr>
-        <p:txBody>
-          <a:bodyPr wrap="square" rtlCol="0">
-            <a:spAutoFit/>
-          </a:bodyPr>
-          <a:lstStyle/>
-          <a:p>
-            <a:r>
-              <a:rPr lang="en-US" b="1" dirty="0">
-                <a:solidFill>
-                  <a:srgbClr val="FF0000"/>
-                </a:solidFill>
-              </a:rPr>
-              <a:t>Case Class</a:t>
-            </a:r>
-            <a:endParaRPr lang="en-IN" b="1" dirty="0">
-              <a:solidFill>
-                <a:srgbClr val="FF0000"/>
-              </a:solidFill>
-            </a:endParaRPr>
-          </a:p>
-        </p:txBody>
-      </p:sp>
-      <p:sp>
-        <p:nvSpPr>
-          <p:cNvPr id="4" name="TextBox 3">
-            <a:extLst>
-              <a:ext uri="{FF2B5EF4-FFF2-40B4-BE49-F238E27FC236}">
-                <a16:creationId xmlns:a16="http://schemas.microsoft.com/office/drawing/2014/main" id="{0BB2F4A8-11D0-42A1-AB51-5BD74DECBBAF}"/>
-              </a:ext>
-            </a:extLst>
-          </p:cNvPr>
-          <p:cNvSpPr txBox="1"/>
-          <p:nvPr/>
-        </p:nvSpPr>
-        <p:spPr>
-          <a:xfrm>
-            <a:off x="838938" y="583876"/>
-            <a:ext cx="7825667" cy="3139321"/>
-          </a:xfrm>
-          <a:prstGeom prst="rect">
-            <a:avLst/>
-          </a:prstGeom>
-          <a:noFill/>
-        </p:spPr>
-        <p:txBody>
-          <a:bodyPr wrap="square">
-            <a:spAutoFit/>
-          </a:bodyPr>
-          <a:lstStyle/>
-          <a:p>
-            <a:pPr algn="l"/>
-            <a:r>
-              <a:rPr lang="en-US" b="0" i="0" dirty="0">
-                <a:solidFill>
-                  <a:srgbClr val="373E3F"/>
-                </a:solidFill>
-                <a:effectLst/>
-                <a:latin typeface="-apple-system"/>
-              </a:rPr>
-              <a:t>Scala case classes are like regular classes except for the fact that they are good for modeling immutable data and serve as useful in pattern matching. Case classes include public and immutable parameters by default. These classes support pattern matching, which makes it easier to write logical code.  </a:t>
-            </a:r>
-            <a:r>
-              <a:rPr lang="en-US" b="1" i="0" dirty="0">
-                <a:solidFill>
-                  <a:srgbClr val="373E3F"/>
-                </a:solidFill>
-                <a:effectLst/>
-                <a:latin typeface="-apple-system"/>
-              </a:rPr>
-              <a:t>The following are some of the characteristics of a Scala case class: </a:t>
-            </a:r>
-          </a:p>
-          <a:p>
-            <a:pPr algn="l">
-              <a:buFont typeface="Arial" panose="020B0604020202020204" pitchFamily="34" charset="0"/>
-              <a:buChar char="•"/>
-            </a:pPr>
-            <a:r>
-              <a:rPr lang="en-US" b="0" i="0" dirty="0">
-                <a:solidFill>
-                  <a:srgbClr val="1A3D3C"/>
-                </a:solidFill>
-                <a:effectLst/>
-                <a:latin typeface="-apple-system"/>
-              </a:rPr>
-              <a:t>Instances of the class can be created without the new keyword.</a:t>
-            </a:r>
-          </a:p>
-          <a:p>
-            <a:pPr algn="l">
-              <a:buFont typeface="Arial" panose="020B0604020202020204" pitchFamily="34" charset="0"/>
-              <a:buChar char="•"/>
-            </a:pPr>
-            <a:r>
-              <a:rPr lang="en-US" b="0" i="0" dirty="0">
-                <a:solidFill>
-                  <a:srgbClr val="1A3D3C"/>
-                </a:solidFill>
-                <a:effectLst/>
-                <a:latin typeface="-apple-system"/>
-              </a:rPr>
-              <a:t>As part of the case classes, Scala automatically generates methods such as equals(), </a:t>
-            </a:r>
-            <a:r>
-              <a:rPr lang="en-US" b="0" i="0" dirty="0" err="1">
-                <a:solidFill>
-                  <a:srgbClr val="1A3D3C"/>
-                </a:solidFill>
-                <a:effectLst/>
-                <a:latin typeface="-apple-system"/>
-              </a:rPr>
-              <a:t>hashcode</a:t>
-            </a:r>
-            <a:r>
-              <a:rPr lang="en-US" b="0" i="0" dirty="0">
-                <a:solidFill>
-                  <a:srgbClr val="1A3D3C"/>
-                </a:solidFill>
-                <a:effectLst/>
-                <a:latin typeface="-apple-system"/>
-              </a:rPr>
-              <a:t>(), and </a:t>
-            </a:r>
-            <a:r>
-              <a:rPr lang="en-US" b="0" i="0" dirty="0" err="1">
-                <a:solidFill>
-                  <a:srgbClr val="1A3D3C"/>
-                </a:solidFill>
-                <a:effectLst/>
-                <a:latin typeface="-apple-system"/>
-              </a:rPr>
-              <a:t>toString</a:t>
-            </a:r>
-            <a:r>
-              <a:rPr lang="en-US" b="0" i="0" dirty="0">
-                <a:solidFill>
-                  <a:srgbClr val="1A3D3C"/>
-                </a:solidFill>
-                <a:effectLst/>
-                <a:latin typeface="-apple-system"/>
-              </a:rPr>
-              <a:t>().</a:t>
-            </a:r>
-          </a:p>
-          <a:p>
-            <a:pPr algn="l">
-              <a:buFont typeface="Arial" panose="020B0604020202020204" pitchFamily="34" charset="0"/>
-              <a:buChar char="•"/>
-            </a:pPr>
-            <a:r>
-              <a:rPr lang="en-US" b="0" i="0" dirty="0">
-                <a:solidFill>
-                  <a:srgbClr val="1A3D3C"/>
-                </a:solidFill>
-                <a:effectLst/>
-                <a:latin typeface="-apple-system"/>
-              </a:rPr>
-              <a:t>Scala generates accessor methods for all constructor arguments for a case class.</a:t>
-            </a:r>
-          </a:p>
-          <a:p>
-            <a:br>
-              <a:rPr lang="en-US" dirty="0"/>
-            </a:br>
-            <a:endParaRPr lang="en-IN" dirty="0"/>
-          </a:p>
-        </p:txBody>
-      </p:sp>
-      <p:sp>
-        <p:nvSpPr>
-          <p:cNvPr id="5" name="Rectangle 1">
-            <a:extLst>
-              <a:ext uri="{FF2B5EF4-FFF2-40B4-BE49-F238E27FC236}">
-                <a16:creationId xmlns:a16="http://schemas.microsoft.com/office/drawing/2014/main" id="{BF620B0C-5BE0-41CD-93AC-DD78110468A2}"/>
-              </a:ext>
-            </a:extLst>
-          </p:cNvPr>
-          <p:cNvSpPr>
-            <a:spLocks noChangeArrowheads="1"/>
-          </p:cNvSpPr>
-          <p:nvPr/>
-        </p:nvSpPr>
-        <p:spPr bwMode="auto">
-          <a:xfrm>
-            <a:off x="346228" y="3352626"/>
-            <a:ext cx="4048218" cy="3077766"/>
-          </a:xfrm>
-          <a:prstGeom prst="rect">
-            <a:avLst/>
-          </a:prstGeom>
-          <a:solidFill>
-            <a:schemeClr val="bg1"/>
-          </a:solidFill>
-          <a:ln>
-            <a:noFill/>
-          </a:ln>
-          <a:effectLst/>
-        </p:spPr>
-        <p:txBody>
-          <a:bodyPr vert="horz" wrap="square" lIns="91440" tIns="45720" rIns="91440" bIns="45720" numCol="1" anchor="ctr" anchorCtr="0" compatLnSpc="1">
-            <a:prstTxWarp prst="textNoShape">
-              <a:avLst/>
-            </a:prstTxWarp>
-            <a:spAutoFit/>
-          </a:bodyPr>
-          <a:lstStyle/>
-          <a:p>
-            <a:pPr marL="0" marR="0" lvl="0" indent="0" algn="l" defTabSz="914400" rtl="0" eaLnBrk="0" fontAlgn="base" latinLnBrk="0" hangingPunct="0">
-              <a:lnSpc>
-                <a:spcPct val="100000"/>
-              </a:lnSpc>
-              <a:spcBef>
-                <a:spcPct val="0"/>
-              </a:spcBef>
-              <a:spcAft>
-                <a:spcPct val="0"/>
-              </a:spcAft>
-              <a:buClrTx/>
-              <a:buSzTx/>
-              <a:buFontTx/>
-              <a:buNone/>
-              <a:tabLst/>
-            </a:pPr>
-            <a:endParaRPr kumimoji="0" lang="en-US" altLang="en-US" sz="900" b="0" i="0" u="none" strike="noStrike" cap="none" normalizeH="0" baseline="0" dirty="0">
-              <a:ln>
-                <a:noFill/>
-              </a:ln>
-              <a:effectLst/>
-              <a:latin typeface="JetBrains Mono"/>
-            </a:endParaRPr>
-          </a:p>
-          <a:p>
-            <a:pPr marL="0" marR="0" lvl="0" indent="0" algn="l" defTabSz="914400" rtl="0" eaLnBrk="0" fontAlgn="base" latinLnBrk="0" hangingPunct="0">
-              <a:lnSpc>
-                <a:spcPct val="100000"/>
-              </a:lnSpc>
-              <a:spcBef>
-                <a:spcPct val="0"/>
-              </a:spcBef>
-              <a:spcAft>
-                <a:spcPct val="0"/>
-              </a:spcAft>
-              <a:buClrTx/>
-              <a:buSzTx/>
-              <a:buFontTx/>
-              <a:buNone/>
-              <a:tabLst/>
-            </a:pPr>
-            <a:endParaRPr lang="en-US" altLang="en-US" sz="900" dirty="0">
-              <a:latin typeface="JetBrains Mono"/>
-            </a:endParaRPr>
-          </a:p>
-          <a:p>
-            <a:pPr marL="0" marR="0" lvl="0" indent="0" algn="l" defTabSz="914400" rtl="0" eaLnBrk="0" fontAlgn="base" latinLnBrk="0" hangingPunct="0">
-              <a:lnSpc>
-                <a:spcPct val="100000"/>
-              </a:lnSpc>
-              <a:spcBef>
-                <a:spcPct val="0"/>
-              </a:spcBef>
-              <a:spcAft>
-                <a:spcPct val="0"/>
-              </a:spcAft>
-              <a:buClrTx/>
-              <a:buSzTx/>
-              <a:buFontTx/>
-              <a:buNone/>
-              <a:tabLst/>
-            </a:pPr>
-            <a:r>
-              <a:rPr kumimoji="0" lang="en-US" altLang="en-US" sz="1600" b="1" i="0" u="none" strike="noStrike" cap="none" normalizeH="0" baseline="0" dirty="0">
-                <a:ln>
-                  <a:noFill/>
-                </a:ln>
-                <a:effectLst/>
-                <a:latin typeface="JetBrains Mono"/>
-              </a:rPr>
-              <a:t>case class </a:t>
-            </a:r>
-            <a:r>
-              <a:rPr kumimoji="0" lang="en-US" altLang="en-US" sz="1600" b="1" i="0" u="none" strike="noStrike" cap="none" normalizeH="0" baseline="0" dirty="0" err="1">
-                <a:ln>
-                  <a:noFill/>
-                </a:ln>
-                <a:effectLst/>
-                <a:latin typeface="JetBrains Mono"/>
-              </a:rPr>
-              <a:t>Case_Class</a:t>
-            </a:r>
-            <a:r>
-              <a:rPr kumimoji="0" lang="en-US" altLang="en-US" sz="1600" b="1" i="0" u="none" strike="noStrike" cap="none" normalizeH="0" baseline="0" dirty="0">
-                <a:ln>
-                  <a:noFill/>
-                </a:ln>
-                <a:effectLst/>
-                <a:latin typeface="JetBrains Mono"/>
-              </a:rPr>
-              <a:t>(</a:t>
-            </a:r>
-            <a:r>
-              <a:rPr kumimoji="0" lang="en-US" altLang="en-US" sz="1600" b="1" i="0" u="none" strike="noStrike" cap="none" normalizeH="0" baseline="0" dirty="0" err="1">
-                <a:ln>
-                  <a:noFill/>
-                </a:ln>
-                <a:effectLst/>
-                <a:latin typeface="JetBrains Mono"/>
-              </a:rPr>
-              <a:t>name:String</a:t>
-            </a:r>
-            <a:r>
-              <a:rPr kumimoji="0" lang="en-US" altLang="en-US" sz="1600" b="1" i="0" u="none" strike="noStrike" cap="none" normalizeH="0" baseline="0" dirty="0">
-                <a:ln>
-                  <a:noFill/>
-                </a:ln>
-                <a:effectLst/>
-                <a:latin typeface="JetBrains Mono"/>
-              </a:rPr>
-              <a:t>, </a:t>
-            </a:r>
-            <a:r>
-              <a:rPr kumimoji="0" lang="en-US" altLang="en-US" sz="1600" b="1" i="0" u="none" strike="noStrike" cap="none" normalizeH="0" baseline="0" dirty="0" err="1">
-                <a:ln>
-                  <a:noFill/>
-                </a:ln>
-                <a:effectLst/>
-                <a:latin typeface="JetBrains Mono"/>
-              </a:rPr>
-              <a:t>age:Int</a:t>
-            </a:r>
-            <a:r>
-              <a:rPr kumimoji="0" lang="en-US" altLang="en-US" sz="1600" b="1" i="0" u="none" strike="noStrike" cap="none" normalizeH="0" baseline="0" dirty="0">
-                <a:ln>
-                  <a:noFill/>
-                </a:ln>
-                <a:effectLst/>
-                <a:latin typeface="JetBrains Mono"/>
-              </a:rPr>
-              <a:t>)</a:t>
-            </a:r>
-            <a:br>
-              <a:rPr kumimoji="0" lang="en-US" altLang="en-US" sz="1600" b="1" i="0" u="none" strike="noStrike" cap="none" normalizeH="0" baseline="0" dirty="0">
-                <a:ln>
-                  <a:noFill/>
-                </a:ln>
-                <a:effectLst/>
-                <a:latin typeface="JetBrains Mono"/>
-              </a:rPr>
-            </a:br>
-            <a:r>
-              <a:rPr kumimoji="0" lang="en-US" altLang="en-US" sz="1600" b="1" i="0" u="none" strike="noStrike" cap="none" normalizeH="0" baseline="0" dirty="0">
-                <a:ln>
-                  <a:noFill/>
-                </a:ln>
-                <a:effectLst/>
-                <a:latin typeface="JetBrains Mono"/>
-              </a:rPr>
-              <a:t>object </a:t>
-            </a:r>
-            <a:r>
-              <a:rPr kumimoji="0" lang="en-US" altLang="en-US" sz="1600" b="1" i="0" u="none" strike="noStrike" cap="none" normalizeH="0" baseline="0" dirty="0" err="1">
-                <a:ln>
-                  <a:noFill/>
-                </a:ln>
-                <a:effectLst/>
-                <a:latin typeface="JetBrains Mono"/>
-              </a:rPr>
-              <a:t>MainObject</a:t>
-            </a:r>
-            <a:br>
-              <a:rPr kumimoji="0" lang="en-US" altLang="en-US" sz="1600" b="1" i="0" u="none" strike="noStrike" cap="none" normalizeH="0" baseline="0" dirty="0">
-                <a:ln>
-                  <a:noFill/>
-                </a:ln>
-                <a:effectLst/>
-                <a:latin typeface="JetBrains Mono"/>
-              </a:rPr>
-            </a:br>
-            <a:r>
-              <a:rPr kumimoji="0" lang="en-US" altLang="en-US" sz="1600" b="1" i="0" u="none" strike="noStrike" cap="none" normalizeH="0" baseline="0" dirty="0">
-                <a:ln>
-                  <a:noFill/>
-                </a:ln>
-                <a:effectLst/>
-                <a:latin typeface="JetBrains Mono"/>
-              </a:rPr>
-              <a:t>{</a:t>
-            </a:r>
-            <a:br>
-              <a:rPr kumimoji="0" lang="en-US" altLang="en-US" sz="1600" b="1" i="0" u="none" strike="noStrike" cap="none" normalizeH="0" baseline="0" dirty="0">
-                <a:ln>
-                  <a:noFill/>
-                </a:ln>
-                <a:effectLst/>
-                <a:latin typeface="JetBrains Mono"/>
-              </a:rPr>
-            </a:br>
-            <a:r>
-              <a:rPr kumimoji="0" lang="en-US" altLang="en-US" sz="1600" b="1" i="0" u="none" strike="noStrike" cap="none" normalizeH="0" baseline="0" dirty="0">
-                <a:ln>
-                  <a:noFill/>
-                </a:ln>
-                <a:effectLst/>
-                <a:latin typeface="JetBrains Mono"/>
-              </a:rPr>
-              <a:t>  def main(</a:t>
-            </a:r>
-            <a:r>
-              <a:rPr kumimoji="0" lang="en-US" altLang="en-US" sz="1600" b="1" i="0" u="none" strike="noStrike" cap="none" normalizeH="0" baseline="0" dirty="0" err="1">
-                <a:ln>
-                  <a:noFill/>
-                </a:ln>
-                <a:effectLst/>
-                <a:latin typeface="JetBrains Mono"/>
-              </a:rPr>
-              <a:t>args:Array</a:t>
-            </a:r>
-            <a:r>
-              <a:rPr kumimoji="0" lang="en-US" altLang="en-US" sz="1600" b="1" i="0" u="none" strike="noStrike" cap="none" normalizeH="0" baseline="0" dirty="0">
-                <a:ln>
-                  <a:noFill/>
-                </a:ln>
-                <a:effectLst/>
-                <a:latin typeface="JetBrains Mono"/>
-              </a:rPr>
-              <a:t>[String])</a:t>
-            </a:r>
-            <a:br>
-              <a:rPr kumimoji="0" lang="en-US" altLang="en-US" sz="1600" b="1" i="0" u="none" strike="noStrike" cap="none" normalizeH="0" baseline="0" dirty="0">
-                <a:ln>
-                  <a:noFill/>
-                </a:ln>
-                <a:effectLst/>
-                <a:latin typeface="JetBrains Mono"/>
-              </a:rPr>
-            </a:br>
-            <a:r>
-              <a:rPr kumimoji="0" lang="en-US" altLang="en-US" sz="1600" b="1" i="0" u="none" strike="noStrike" cap="none" normalizeH="0" baseline="0" dirty="0">
-                <a:ln>
-                  <a:noFill/>
-                </a:ln>
-                <a:effectLst/>
-                <a:latin typeface="JetBrains Mono"/>
-              </a:rPr>
-              <a:t>  {</a:t>
-            </a:r>
-            <a:br>
-              <a:rPr kumimoji="0" lang="en-US" altLang="en-US" sz="1600" b="1" i="0" u="none" strike="noStrike" cap="none" normalizeH="0" baseline="0" dirty="0">
-                <a:ln>
-                  <a:noFill/>
-                </a:ln>
-                <a:effectLst/>
-                <a:latin typeface="JetBrains Mono"/>
-              </a:rPr>
-            </a:br>
-            <a:r>
-              <a:rPr kumimoji="0" lang="en-US" altLang="en-US" sz="1600" b="1" i="0" u="none" strike="noStrike" cap="none" normalizeH="0" baseline="0" dirty="0">
-                <a:ln>
-                  <a:noFill/>
-                </a:ln>
-                <a:effectLst/>
-                <a:latin typeface="JetBrains Mono"/>
-              </a:rPr>
-              <a:t>    var c = </a:t>
-            </a:r>
-            <a:r>
-              <a:rPr kumimoji="0" lang="en-US" altLang="en-US" sz="1600" b="1" i="0" u="none" strike="noStrike" cap="none" normalizeH="0" baseline="0" dirty="0" err="1">
-                <a:ln>
-                  <a:noFill/>
-                </a:ln>
-                <a:effectLst/>
-                <a:latin typeface="JetBrains Mono"/>
-              </a:rPr>
-              <a:t>Case_Class</a:t>
-            </a:r>
-            <a:r>
-              <a:rPr kumimoji="0" lang="en-US" altLang="en-US" sz="1600" b="1" i="0" u="none" strike="noStrike" cap="none" normalizeH="0" baseline="0" dirty="0">
-                <a:ln>
-                  <a:noFill/>
-                </a:ln>
-                <a:effectLst/>
-                <a:latin typeface="JetBrains Mono"/>
-              </a:rPr>
-              <a:t>("</a:t>
-            </a:r>
-            <a:r>
-              <a:rPr kumimoji="0" lang="en-US" altLang="en-US" sz="1600" b="1" i="0" u="none" strike="noStrike" cap="none" normalizeH="0" baseline="0" dirty="0" err="1">
-                <a:ln>
-                  <a:noFill/>
-                </a:ln>
-                <a:effectLst/>
-                <a:latin typeface="JetBrains Mono"/>
-              </a:rPr>
-              <a:t>Xyz</a:t>
-            </a:r>
-            <a:r>
-              <a:rPr kumimoji="0" lang="en-US" altLang="en-US" sz="1600" b="1" i="0" u="none" strike="noStrike" cap="none" normalizeH="0" baseline="0" dirty="0">
-                <a:ln>
-                  <a:noFill/>
-                </a:ln>
-                <a:effectLst/>
-                <a:latin typeface="JetBrains Mono"/>
-              </a:rPr>
-              <a:t>", 23)</a:t>
-            </a:r>
-            <a:br>
-              <a:rPr kumimoji="0" lang="en-US" altLang="en-US" sz="1600" b="1" i="0" u="none" strike="noStrike" cap="none" normalizeH="0" baseline="0" dirty="0">
-                <a:ln>
-                  <a:noFill/>
-                </a:ln>
-                <a:effectLst/>
-                <a:latin typeface="JetBrains Mono"/>
-              </a:rPr>
-            </a:br>
-            <a:r>
-              <a:rPr kumimoji="0" lang="en-US" altLang="en-US" sz="1600" b="1" i="0" u="none" strike="noStrike" cap="none" normalizeH="0" baseline="0" dirty="0">
-                <a:ln>
-                  <a:noFill/>
-                </a:ln>
-                <a:effectLst/>
-                <a:latin typeface="JetBrains Mono"/>
-              </a:rPr>
-              <a:t>    </a:t>
-            </a:r>
-            <a:r>
-              <a:rPr kumimoji="0" lang="en-US" altLang="en-US" sz="1600" b="1" i="1" u="none" strike="noStrike" cap="none" normalizeH="0" baseline="0" dirty="0" err="1">
-                <a:ln>
-                  <a:noFill/>
-                </a:ln>
-                <a:effectLst/>
-                <a:latin typeface="JetBrains Mono"/>
-              </a:rPr>
-              <a:t>println</a:t>
-            </a:r>
-            <a:r>
-              <a:rPr kumimoji="0" lang="en-US" altLang="en-US" sz="1600" b="1" i="0" u="none" strike="noStrike" cap="none" normalizeH="0" baseline="0" dirty="0">
-                <a:ln>
-                  <a:noFill/>
-                </a:ln>
-                <a:effectLst/>
-                <a:latin typeface="JetBrains Mono"/>
-              </a:rPr>
-              <a:t>("Student name:" + c.name);    </a:t>
-            </a:r>
-            <a:r>
-              <a:rPr kumimoji="0" lang="en-US" altLang="en-US" sz="1600" b="1" i="1" u="none" strike="noStrike" cap="none" normalizeH="0" baseline="0" dirty="0" err="1">
-                <a:ln>
-                  <a:noFill/>
-                </a:ln>
-                <a:effectLst/>
-                <a:latin typeface="JetBrains Mono"/>
-              </a:rPr>
-              <a:t>println</a:t>
-            </a:r>
-            <a:r>
-              <a:rPr kumimoji="0" lang="en-US" altLang="en-US" sz="1600" b="1" i="0" u="none" strike="noStrike" cap="none" normalizeH="0" baseline="0" dirty="0">
-                <a:ln>
-                  <a:noFill/>
-                </a:ln>
-                <a:effectLst/>
-                <a:latin typeface="JetBrains Mono"/>
-              </a:rPr>
-              <a:t>("Student age: " + </a:t>
-            </a:r>
-            <a:r>
-              <a:rPr kumimoji="0" lang="en-US" altLang="en-US" sz="1600" b="1" i="0" u="none" strike="noStrike" cap="none" normalizeH="0" baseline="0" dirty="0" err="1">
-                <a:ln>
-                  <a:noFill/>
-                </a:ln>
-                <a:effectLst/>
-                <a:latin typeface="JetBrains Mono"/>
-              </a:rPr>
-              <a:t>c.age</a:t>
-            </a:r>
-            <a:r>
-              <a:rPr kumimoji="0" lang="en-US" altLang="en-US" sz="1600" b="1" i="0" u="none" strike="noStrike" cap="none" normalizeH="0" baseline="0" dirty="0">
-                <a:ln>
-                  <a:noFill/>
-                </a:ln>
-                <a:effectLst/>
-                <a:latin typeface="JetBrains Mono"/>
-              </a:rPr>
-              <a:t>);</a:t>
-            </a:r>
-            <a:br>
-              <a:rPr kumimoji="0" lang="en-US" altLang="en-US" sz="1600" b="1" i="0" u="none" strike="noStrike" cap="none" normalizeH="0" baseline="0" dirty="0">
-                <a:ln>
-                  <a:noFill/>
-                </a:ln>
-                <a:effectLst/>
-                <a:latin typeface="JetBrains Mono"/>
-              </a:rPr>
-            </a:br>
-            <a:r>
-              <a:rPr kumimoji="0" lang="en-US" altLang="en-US" sz="1600" b="1" i="0" u="none" strike="noStrike" cap="none" normalizeH="0" baseline="0" dirty="0">
-                <a:ln>
-                  <a:noFill/>
-                </a:ln>
-                <a:effectLst/>
-                <a:latin typeface="JetBrains Mono"/>
-              </a:rPr>
-              <a:t>  }</a:t>
-            </a:r>
-            <a:br>
-              <a:rPr kumimoji="0" lang="en-US" altLang="en-US" sz="1600" b="1" i="0" u="none" strike="noStrike" cap="none" normalizeH="0" baseline="0" dirty="0">
-                <a:ln>
-                  <a:noFill/>
-                </a:ln>
-                <a:effectLst/>
-                <a:latin typeface="JetBrains Mono"/>
-              </a:rPr>
-            </a:br>
-            <a:r>
-              <a:rPr kumimoji="0" lang="en-US" altLang="en-US" sz="1600" b="1" i="0" u="none" strike="noStrike" cap="none" normalizeH="0" baseline="0" dirty="0">
-                <a:ln>
-                  <a:noFill/>
-                </a:ln>
-                <a:effectLst/>
-                <a:latin typeface="JetBrains Mono"/>
-              </a:rPr>
-              <a:t>}</a:t>
-            </a:r>
-            <a:br>
-              <a:rPr kumimoji="0" lang="en-US" altLang="en-US" sz="1600" b="0" i="0" u="none" strike="noStrike" cap="none" normalizeH="0" baseline="0" dirty="0">
-                <a:ln>
-                  <a:noFill/>
-                </a:ln>
-                <a:effectLst/>
-                <a:latin typeface="JetBrains Mono"/>
-              </a:rPr>
-            </a:br>
-            <a:endParaRPr kumimoji="0" lang="en-US" altLang="en-US" sz="1600" b="0" i="0" u="none" strike="noStrike" cap="none" normalizeH="0" baseline="0" dirty="0">
-              <a:ln>
-                <a:noFill/>
-              </a:ln>
-              <a:effectLst/>
-              <a:latin typeface="Arial" panose="020B0604020202020204" pitchFamily="34" charset="0"/>
-            </a:endParaRPr>
-          </a:p>
-        </p:txBody>
-      </p:sp>
-    </p:spTree>
-    <p:extLst>
-      <p:ext uri="{BB962C8B-B14F-4D97-AF65-F5344CB8AC3E}">
-        <p14:creationId xmlns:p14="http://schemas.microsoft.com/office/powerpoint/2010/main" val="1931756242"/>
-      </p:ext>
-    </p:extLst>
-  </p:cSld>
-  <p:clrMapOvr>
-    <a:masterClrMapping/>
-  </p:clrMapOvr>
-</p:sld>
-</file>
-
-<file path=ppt/slides/slide69.xml><?xml version="1.0" encoding="utf-8"?>
-<p:sld xmlns:a="http://schemas.openxmlformats.org/drawingml/2006/main" xmlns:r="http://schemas.openxmlformats.org/officeDocument/2006/relationships" xmlns:p="http://schemas.openxmlformats.org/presentationml/2006/main">
-  <p:cSld>
-    <p:spTree>
-      <p:nvGrpSpPr>
-        <p:cNvPr id="1" name=""/>
-        <p:cNvGrpSpPr/>
-        <p:nvPr/>
-      </p:nvGrpSpPr>
-      <p:grpSpPr>
-        <a:xfrm>
-          <a:off x="0" y="0"/>
-          <a:ext cx="0" cy="0"/>
-          <a:chOff x="0" y="0"/>
-          <a:chExt cx="0" cy="0"/>
-        </a:xfrm>
-      </p:grpSpPr>
-      <p:sp>
-        <p:nvSpPr>
-          <p:cNvPr id="3" name="TextBox 2">
-            <a:extLst>
-              <a:ext uri="{FF2B5EF4-FFF2-40B4-BE49-F238E27FC236}">
-                <a16:creationId xmlns:a16="http://schemas.microsoft.com/office/drawing/2014/main" id="{12C6E2C6-C711-4C22-A0A7-4D0C94025965}"/>
-              </a:ext>
-            </a:extLst>
-          </p:cNvPr>
-          <p:cNvSpPr txBox="1"/>
-          <p:nvPr/>
-        </p:nvSpPr>
-        <p:spPr>
-          <a:xfrm>
-            <a:off x="350668" y="157123"/>
-            <a:ext cx="4572000" cy="369332"/>
-          </a:xfrm>
-          <a:prstGeom prst="rect">
-            <a:avLst/>
-          </a:prstGeom>
-          <a:noFill/>
-        </p:spPr>
-        <p:txBody>
-          <a:bodyPr wrap="square">
-            <a:spAutoFit/>
-          </a:bodyPr>
-          <a:lstStyle/>
-          <a:p>
-            <a:pPr algn="l"/>
-            <a:r>
-              <a:rPr lang="en-IN" b="1" i="0" dirty="0">
-                <a:solidFill>
-                  <a:srgbClr val="FF0000"/>
-                </a:solidFill>
-                <a:effectLst/>
-                <a:latin typeface="-apple-system"/>
-              </a:rPr>
-              <a:t>Closure in Scala</a:t>
-            </a:r>
-          </a:p>
-        </p:txBody>
-      </p:sp>
-      <p:sp>
-        <p:nvSpPr>
-          <p:cNvPr id="5" name="Rectangle 2">
-            <a:extLst>
-              <a:ext uri="{FF2B5EF4-FFF2-40B4-BE49-F238E27FC236}">
-                <a16:creationId xmlns:a16="http://schemas.microsoft.com/office/drawing/2014/main" id="{DEA4610D-2FCF-4198-8D6A-9254AD0F48D2}"/>
-              </a:ext>
-            </a:extLst>
-          </p:cNvPr>
-          <p:cNvSpPr>
-            <a:spLocks noChangeArrowheads="1"/>
-          </p:cNvSpPr>
-          <p:nvPr/>
-        </p:nvSpPr>
-        <p:spPr bwMode="auto">
-          <a:xfrm>
-            <a:off x="168677" y="993594"/>
-            <a:ext cx="3781886" cy="4031873"/>
-          </a:xfrm>
-          <a:prstGeom prst="rect">
-            <a:avLst/>
-          </a:prstGeom>
-          <a:solidFill>
-            <a:srgbClr val="2B2B2B"/>
-          </a:solidFill>
-          <a:ln>
-            <a:noFill/>
-          </a:ln>
-          <a:effectLst/>
-          <a:extLst>
-            <a:ext uri="{91240B29-F687-4F45-9708-019B960494DF}">
-              <a14:hiddenLine xmlns:a14="http://schemas.microsoft.com/office/drawing/2010/main" w="9525">
-                <a:solidFill>
-                  <a:schemeClr val="tx1"/>
-                </a:solidFill>
-                <a:miter lim="800000"/>
-                <a:headEnd/>
-                <a:tailEnd/>
-              </a14:hiddenLine>
-            </a:ext>
-            <a:ext uri="{AF507438-7753-43E0-B8FC-AC1667EBCBE1}">
-              <a14:hiddenEffects xmlns:a14="http://schemas.microsoft.com/office/drawing/2010/main">
-                <a:effectLst>
-                  <a:outerShdw dist="35921" dir="2700000" algn="ctr" rotWithShape="0">
-                    <a:schemeClr val="bg2"/>
-                  </a:outerShdw>
-                </a:effectLst>
-              </a14:hiddenEffects>
-            </a:ext>
-          </a:extLst>
-        </p:spPr>
-        <p:txBody>
-          <a:bodyPr vert="horz" wrap="square" lIns="91440" tIns="45720" rIns="91440" bIns="45720" numCol="1" anchor="ctr" anchorCtr="0" compatLnSpc="1">
-            <a:prstTxWarp prst="textNoShape">
-              <a:avLst/>
-            </a:prstTxWarp>
-            <a:spAutoFit/>
-          </a:bodyPr>
-          <a:lstStyle/>
-          <a:p>
-            <a:pPr marL="0" marR="0" lvl="0" indent="0" algn="l" defTabSz="914400" rtl="0" eaLnBrk="0" fontAlgn="base" latinLnBrk="0" hangingPunct="0">
-              <a:lnSpc>
-                <a:spcPct val="100000"/>
-              </a:lnSpc>
-              <a:spcBef>
-                <a:spcPct val="0"/>
-              </a:spcBef>
-              <a:spcAft>
-                <a:spcPct val="0"/>
-              </a:spcAft>
-              <a:buClrTx/>
-              <a:buSzTx/>
-              <a:buFontTx/>
-              <a:buNone/>
-              <a:tabLst/>
-            </a:pPr>
-            <a:r>
-              <a:rPr kumimoji="0" lang="en-US" altLang="en-US" sz="1600" b="0" i="0" u="none" strike="noStrike" cap="none" normalizeH="0" baseline="0" dirty="0">
-                <a:ln>
-                  <a:noFill/>
-                </a:ln>
-                <a:solidFill>
-                  <a:srgbClr val="CC7832"/>
-                </a:solidFill>
-                <a:effectLst/>
-                <a:latin typeface="JetBrains Mono"/>
-              </a:rPr>
-              <a:t>class </a:t>
-            </a:r>
-            <a:r>
-              <a:rPr kumimoji="0" lang="en-US" altLang="en-US" sz="1600" b="0" i="0" u="none" strike="noStrike" cap="none" normalizeH="0" baseline="0" dirty="0" err="1">
-                <a:ln>
-                  <a:noFill/>
-                </a:ln>
-                <a:solidFill>
-                  <a:srgbClr val="A9B7C6"/>
-                </a:solidFill>
-                <a:effectLst/>
-                <a:latin typeface="JetBrains Mono"/>
-              </a:rPr>
-              <a:t>Clousre_feature</a:t>
-            </a:r>
-            <a:r>
-              <a:rPr kumimoji="0" lang="en-US" altLang="en-US" sz="1600" b="0" i="0" u="none" strike="noStrike" cap="none" normalizeH="0" baseline="0" dirty="0">
-                <a:ln>
-                  <a:noFill/>
-                </a:ln>
-                <a:solidFill>
-                  <a:srgbClr val="A9B7C6"/>
-                </a:solidFill>
-                <a:effectLst/>
-                <a:latin typeface="JetBrains Mono"/>
-              </a:rPr>
-              <a:t> {</a:t>
-            </a:r>
-            <a:br>
-              <a:rPr kumimoji="0" lang="en-US" altLang="en-US" sz="1600" b="0" i="0" u="none" strike="noStrike" cap="none" normalizeH="0" baseline="0" dirty="0">
-                <a:ln>
-                  <a:noFill/>
-                </a:ln>
-                <a:solidFill>
-                  <a:srgbClr val="A9B7C6"/>
-                </a:solidFill>
-                <a:effectLst/>
-                <a:latin typeface="JetBrains Mono"/>
-              </a:rPr>
-            </a:br>
-            <a:r>
-              <a:rPr kumimoji="0" lang="en-US" altLang="en-US" sz="1600" b="0" i="0" u="none" strike="noStrike" cap="none" normalizeH="0" baseline="0" dirty="0">
-                <a:ln>
-                  <a:noFill/>
-                </a:ln>
-                <a:solidFill>
-                  <a:srgbClr val="A9B7C6"/>
-                </a:solidFill>
-                <a:effectLst/>
-                <a:latin typeface="JetBrains Mono"/>
-              </a:rPr>
-              <a:t>  </a:t>
-            </a:r>
-            <a:r>
-              <a:rPr kumimoji="0" lang="en-US" altLang="en-US" sz="1600" b="0" i="0" u="none" strike="noStrike" cap="none" normalizeH="0" baseline="0" dirty="0">
-                <a:ln>
-                  <a:noFill/>
-                </a:ln>
-                <a:solidFill>
-                  <a:srgbClr val="CC7832"/>
-                </a:solidFill>
-                <a:effectLst/>
-                <a:latin typeface="JetBrains Mono"/>
-              </a:rPr>
-              <a:t>var </a:t>
-            </a:r>
-            <a:r>
-              <a:rPr kumimoji="0" lang="en-US" altLang="en-US" sz="1600" b="0" i="1" u="none" strike="noStrike" cap="none" normalizeH="0" baseline="0" dirty="0">
-                <a:ln>
-                  <a:noFill/>
-                </a:ln>
-                <a:solidFill>
-                  <a:srgbClr val="9876AA"/>
-                </a:solidFill>
-                <a:effectLst/>
-                <a:latin typeface="JetBrains Mono"/>
-              </a:rPr>
-              <a:t>x </a:t>
-            </a:r>
-            <a:r>
-              <a:rPr kumimoji="0" lang="en-US" altLang="en-US" sz="1600" b="0" i="0" u="none" strike="noStrike" cap="none" normalizeH="0" baseline="0" dirty="0">
-                <a:ln>
-                  <a:noFill/>
-                </a:ln>
-                <a:solidFill>
-                  <a:srgbClr val="A9B7C6"/>
-                </a:solidFill>
-                <a:effectLst/>
-                <a:latin typeface="JetBrains Mono"/>
-              </a:rPr>
-              <a:t>= </a:t>
-            </a:r>
-            <a:r>
-              <a:rPr kumimoji="0" lang="en-US" altLang="en-US" sz="1600" b="0" i="0" u="none" strike="noStrike" cap="none" normalizeH="0" baseline="0" dirty="0">
-                <a:ln>
-                  <a:noFill/>
-                </a:ln>
-                <a:solidFill>
-                  <a:srgbClr val="6897BB"/>
-                </a:solidFill>
-                <a:effectLst/>
-                <a:latin typeface="JetBrains Mono"/>
-              </a:rPr>
-              <a:t>20</a:t>
-            </a:r>
-            <a:br>
-              <a:rPr kumimoji="0" lang="en-US" altLang="en-US" sz="1600" b="0" i="0" u="none" strike="noStrike" cap="none" normalizeH="0" baseline="0" dirty="0">
-                <a:ln>
-                  <a:noFill/>
-                </a:ln>
-                <a:solidFill>
-                  <a:srgbClr val="6897BB"/>
-                </a:solidFill>
-                <a:effectLst/>
-                <a:latin typeface="JetBrains Mono"/>
-              </a:rPr>
-            </a:br>
-            <a:r>
-              <a:rPr kumimoji="0" lang="en-US" altLang="en-US" sz="1600" b="0" i="0" u="none" strike="noStrike" cap="none" normalizeH="0" baseline="0" dirty="0">
-                <a:ln>
-                  <a:noFill/>
-                </a:ln>
-                <a:solidFill>
-                  <a:srgbClr val="6897BB"/>
-                </a:solidFill>
-                <a:effectLst/>
-                <a:latin typeface="JetBrains Mono"/>
-              </a:rPr>
-              <a:t>  </a:t>
-            </a:r>
-            <a:r>
-              <a:rPr kumimoji="0" lang="en-US" altLang="en-US" sz="1600" b="0" i="0" u="none" strike="noStrike" cap="none" normalizeH="0" baseline="0" dirty="0">
-                <a:ln>
-                  <a:noFill/>
-                </a:ln>
-                <a:solidFill>
-                  <a:srgbClr val="CC7832"/>
-                </a:solidFill>
-                <a:effectLst/>
-                <a:latin typeface="JetBrains Mono"/>
-              </a:rPr>
-              <a:t>def </a:t>
-            </a:r>
-            <a:r>
-              <a:rPr kumimoji="0" lang="en-US" altLang="en-US" sz="1600" b="0" i="0" u="none" strike="noStrike" cap="none" normalizeH="0" baseline="0" dirty="0" err="1">
-                <a:ln>
-                  <a:noFill/>
-                </a:ln>
-                <a:solidFill>
-                  <a:srgbClr val="FFC66D"/>
-                </a:solidFill>
-                <a:effectLst/>
-                <a:latin typeface="JetBrains Mono"/>
-              </a:rPr>
-              <a:t>function_name</a:t>
-            </a:r>
-            <a:r>
-              <a:rPr kumimoji="0" lang="en-US" altLang="en-US" sz="1600" b="0" i="0" u="none" strike="noStrike" cap="none" normalizeH="0" baseline="0" dirty="0">
-                <a:ln>
-                  <a:noFill/>
-                </a:ln>
-                <a:solidFill>
-                  <a:srgbClr val="A9B7C6"/>
-                </a:solidFill>
-                <a:effectLst/>
-                <a:latin typeface="JetBrains Mono"/>
-              </a:rPr>
-              <a:t>(</a:t>
-            </a:r>
-            <a:r>
-              <a:rPr kumimoji="0" lang="en-US" altLang="en-US" sz="1600" b="0" i="0" u="none" strike="noStrike" cap="none" normalizeH="0" baseline="0" dirty="0" err="1">
-                <a:ln>
-                  <a:noFill/>
-                </a:ln>
-                <a:solidFill>
-                  <a:srgbClr val="A9B7C6"/>
-                </a:solidFill>
-                <a:effectLst/>
-                <a:latin typeface="JetBrains Mono"/>
-              </a:rPr>
-              <a:t>y:</a:t>
-            </a:r>
-            <a:r>
-              <a:rPr kumimoji="0" lang="en-US" altLang="en-US" sz="1600" b="0" i="0" u="none" strike="noStrike" cap="none" normalizeH="0" baseline="0" dirty="0" err="1">
-                <a:ln>
-                  <a:noFill/>
-                </a:ln>
-                <a:solidFill>
-                  <a:srgbClr val="CC7832"/>
-                </a:solidFill>
-                <a:effectLst/>
-                <a:latin typeface="JetBrains Mono"/>
-              </a:rPr>
-              <a:t>Int</a:t>
-            </a:r>
-            <a:r>
-              <a:rPr kumimoji="0" lang="en-US" altLang="en-US" sz="1600" b="0" i="0" u="none" strike="noStrike" cap="none" normalizeH="0" baseline="0" dirty="0">
-                <a:ln>
-                  <a:noFill/>
-                </a:ln>
-                <a:solidFill>
-                  <a:srgbClr val="A9B7C6"/>
-                </a:solidFill>
-                <a:effectLst/>
-                <a:latin typeface="JetBrains Mono"/>
-              </a:rPr>
-              <a:t>)</a:t>
-            </a:r>
-            <a:br>
-              <a:rPr kumimoji="0" lang="en-US" altLang="en-US" sz="1600" b="0" i="0" u="none" strike="noStrike" cap="none" normalizeH="0" baseline="0" dirty="0">
-                <a:ln>
-                  <a:noFill/>
-                </a:ln>
-                <a:solidFill>
-                  <a:srgbClr val="A9B7C6"/>
-                </a:solidFill>
-                <a:effectLst/>
-                <a:latin typeface="JetBrains Mono"/>
-              </a:rPr>
-            </a:br>
-            <a:r>
-              <a:rPr kumimoji="0" lang="en-US" altLang="en-US" sz="1600" b="0" i="0" u="none" strike="noStrike" cap="none" normalizeH="0" baseline="0" dirty="0">
-                <a:ln>
-                  <a:noFill/>
-                </a:ln>
-                <a:solidFill>
-                  <a:srgbClr val="A9B7C6"/>
-                </a:solidFill>
-                <a:effectLst/>
-                <a:latin typeface="JetBrains Mono"/>
-              </a:rPr>
-              <a:t>  {</a:t>
-            </a:r>
-            <a:br>
-              <a:rPr kumimoji="0" lang="en-US" altLang="en-US" sz="1600" b="0" i="0" u="none" strike="noStrike" cap="none" normalizeH="0" baseline="0" dirty="0">
-                <a:ln>
-                  <a:noFill/>
-                </a:ln>
-                <a:solidFill>
-                  <a:srgbClr val="A9B7C6"/>
-                </a:solidFill>
-                <a:effectLst/>
-                <a:latin typeface="JetBrains Mono"/>
-              </a:rPr>
-            </a:br>
-            <a:r>
-              <a:rPr kumimoji="0" lang="en-US" altLang="en-US" sz="1600" b="0" i="0" u="none" strike="noStrike" cap="none" normalizeH="0" baseline="0" dirty="0">
-                <a:ln>
-                  <a:noFill/>
-                </a:ln>
-                <a:solidFill>
-                  <a:srgbClr val="A9B7C6"/>
-                </a:solidFill>
-                <a:effectLst/>
-                <a:latin typeface="JetBrains Mono"/>
-              </a:rPr>
-              <a:t>    </a:t>
-            </a:r>
-            <a:r>
-              <a:rPr kumimoji="0" lang="en-US" altLang="en-US" sz="1600" b="0" i="1" u="none" strike="noStrike" cap="none" normalizeH="0" baseline="0" dirty="0" err="1">
-                <a:ln>
-                  <a:noFill/>
-                </a:ln>
-                <a:solidFill>
-                  <a:srgbClr val="A9B7C6"/>
-                </a:solidFill>
-                <a:effectLst/>
-                <a:latin typeface="JetBrains Mono"/>
-              </a:rPr>
-              <a:t>println</a:t>
-            </a:r>
-            <a:r>
-              <a:rPr kumimoji="0" lang="en-US" altLang="en-US" sz="1600" b="0" i="0" u="none" strike="noStrike" cap="none" normalizeH="0" baseline="0" dirty="0">
-                <a:ln>
-                  <a:noFill/>
-                </a:ln>
-                <a:solidFill>
-                  <a:srgbClr val="A9B7C6"/>
-                </a:solidFill>
-                <a:effectLst/>
-                <a:latin typeface="JetBrains Mono"/>
-              </a:rPr>
-              <a:t>(</a:t>
-            </a:r>
-            <a:r>
-              <a:rPr kumimoji="0" lang="en-US" altLang="en-US" sz="1600" b="0" i="1" u="none" strike="noStrike" cap="none" normalizeH="0" baseline="0" dirty="0" err="1">
-                <a:ln>
-                  <a:noFill/>
-                </a:ln>
-                <a:solidFill>
-                  <a:srgbClr val="9876AA"/>
-                </a:solidFill>
-                <a:effectLst/>
-                <a:latin typeface="JetBrains Mono"/>
-              </a:rPr>
-              <a:t>x</a:t>
-            </a:r>
-            <a:r>
-              <a:rPr kumimoji="0" lang="en-US" altLang="en-US" sz="1600" b="0" i="0" u="none" strike="noStrike" cap="none" normalizeH="0" baseline="0" dirty="0" err="1">
-                <a:ln>
-                  <a:noFill/>
-                </a:ln>
-                <a:solidFill>
-                  <a:srgbClr val="A9B7C6"/>
-                </a:solidFill>
-                <a:effectLst/>
-                <a:latin typeface="JetBrains Mono"/>
-              </a:rPr>
-              <a:t>+y</a:t>
-            </a:r>
-            <a:r>
-              <a:rPr kumimoji="0" lang="en-US" altLang="en-US" sz="1600" b="0" i="0" u="none" strike="noStrike" cap="none" normalizeH="0" baseline="0" dirty="0">
-                <a:ln>
-                  <a:noFill/>
-                </a:ln>
-                <a:solidFill>
-                  <a:srgbClr val="A9B7C6"/>
-                </a:solidFill>
-                <a:effectLst/>
-                <a:latin typeface="JetBrains Mono"/>
-              </a:rPr>
-              <a:t>)</a:t>
-            </a:r>
-            <a:br>
-              <a:rPr kumimoji="0" lang="en-US" altLang="en-US" sz="1600" b="0" i="0" u="none" strike="noStrike" cap="none" normalizeH="0" baseline="0" dirty="0">
-                <a:ln>
-                  <a:noFill/>
-                </a:ln>
-                <a:solidFill>
-                  <a:srgbClr val="A9B7C6"/>
-                </a:solidFill>
-                <a:effectLst/>
-                <a:latin typeface="JetBrains Mono"/>
-              </a:rPr>
-            </a:br>
-            <a:r>
-              <a:rPr kumimoji="0" lang="en-US" altLang="en-US" sz="1600" b="0" i="0" u="none" strike="noStrike" cap="none" normalizeH="0" baseline="0" dirty="0">
-                <a:ln>
-                  <a:noFill/>
-                </a:ln>
-                <a:solidFill>
-                  <a:srgbClr val="A9B7C6"/>
-                </a:solidFill>
-                <a:effectLst/>
-                <a:latin typeface="JetBrains Mono"/>
-              </a:rPr>
-              <a:t>  }</a:t>
-            </a:r>
-            <a:br>
-              <a:rPr kumimoji="0" lang="en-US" altLang="en-US" sz="1600" b="0" i="0" u="none" strike="noStrike" cap="none" normalizeH="0" baseline="0" dirty="0">
-                <a:ln>
-                  <a:noFill/>
-                </a:ln>
-                <a:solidFill>
-                  <a:srgbClr val="A9B7C6"/>
-                </a:solidFill>
-                <a:effectLst/>
-                <a:latin typeface="JetBrains Mono"/>
-              </a:rPr>
-            </a:br>
-            <a:br>
-              <a:rPr kumimoji="0" lang="en-US" altLang="en-US" sz="1600" b="0" i="0" u="none" strike="noStrike" cap="none" normalizeH="0" baseline="0" dirty="0">
-                <a:ln>
-                  <a:noFill/>
-                </a:ln>
-                <a:solidFill>
-                  <a:srgbClr val="A9B7C6"/>
-                </a:solidFill>
-                <a:effectLst/>
-                <a:latin typeface="JetBrains Mono"/>
-              </a:rPr>
-            </a:br>
-            <a:r>
-              <a:rPr kumimoji="0" lang="en-US" altLang="en-US" sz="1600" b="0" i="0" u="none" strike="noStrike" cap="none" normalizeH="0" baseline="0" dirty="0">
-                <a:ln>
-                  <a:noFill/>
-                </a:ln>
-                <a:solidFill>
-                  <a:srgbClr val="A9B7C6"/>
-                </a:solidFill>
-                <a:effectLst/>
-                <a:latin typeface="JetBrains Mono"/>
-              </a:rPr>
-              <a:t>}</a:t>
-            </a:r>
-            <a:br>
-              <a:rPr kumimoji="0" lang="en-US" altLang="en-US" sz="1600" b="0" i="0" u="none" strike="noStrike" cap="none" normalizeH="0" baseline="0" dirty="0">
-                <a:ln>
-                  <a:noFill/>
-                </a:ln>
-                <a:solidFill>
-                  <a:srgbClr val="A9B7C6"/>
-                </a:solidFill>
-                <a:effectLst/>
-                <a:latin typeface="JetBrains Mono"/>
-              </a:rPr>
-            </a:br>
-            <a:r>
-              <a:rPr kumimoji="0" lang="en-US" altLang="en-US" sz="1600" b="0" i="0" u="none" strike="noStrike" cap="none" normalizeH="0" baseline="0" dirty="0">
-                <a:ln>
-                  <a:noFill/>
-                </a:ln>
-                <a:solidFill>
-                  <a:srgbClr val="CC7832"/>
-                </a:solidFill>
-                <a:effectLst/>
-                <a:latin typeface="JetBrains Mono"/>
-              </a:rPr>
-              <a:t>object  </a:t>
-            </a:r>
-            <a:r>
-              <a:rPr kumimoji="0" lang="en-US" altLang="en-US" sz="1600" b="0" i="0" u="none" strike="noStrike" cap="none" normalizeH="0" baseline="0" dirty="0">
-                <a:ln>
-                  <a:noFill/>
-                </a:ln>
-                <a:solidFill>
-                  <a:srgbClr val="A9B7C6"/>
-                </a:solidFill>
-                <a:effectLst/>
-                <a:latin typeface="JetBrains Mono"/>
-              </a:rPr>
-              <a:t>main</a:t>
-            </a:r>
-            <a:br>
-              <a:rPr kumimoji="0" lang="en-US" altLang="en-US" sz="1600" b="0" i="0" u="none" strike="noStrike" cap="none" normalizeH="0" baseline="0" dirty="0">
-                <a:ln>
-                  <a:noFill/>
-                </a:ln>
-                <a:solidFill>
-                  <a:srgbClr val="A9B7C6"/>
-                </a:solidFill>
-                <a:effectLst/>
-                <a:latin typeface="JetBrains Mono"/>
-              </a:rPr>
-            </a:br>
-            <a:r>
-              <a:rPr kumimoji="0" lang="en-US" altLang="en-US" sz="1600" b="0" i="0" u="none" strike="noStrike" cap="none" normalizeH="0" baseline="0" dirty="0">
-                <a:ln>
-                  <a:noFill/>
-                </a:ln>
-                <a:solidFill>
-                  <a:srgbClr val="A9B7C6"/>
-                </a:solidFill>
-                <a:effectLst/>
-                <a:latin typeface="JetBrains Mono"/>
-              </a:rPr>
-              <a:t>{</a:t>
-            </a:r>
-            <a:br>
-              <a:rPr kumimoji="0" lang="en-US" altLang="en-US" sz="1600" b="0" i="0" u="none" strike="noStrike" cap="none" normalizeH="0" baseline="0" dirty="0">
-                <a:ln>
-                  <a:noFill/>
-                </a:ln>
-                <a:solidFill>
-                  <a:srgbClr val="A9B7C6"/>
-                </a:solidFill>
-                <a:effectLst/>
-                <a:latin typeface="JetBrains Mono"/>
-              </a:rPr>
-            </a:br>
-            <a:r>
-              <a:rPr kumimoji="0" lang="en-US" altLang="en-US" sz="1600" b="0" i="0" u="none" strike="noStrike" cap="none" normalizeH="0" baseline="0" dirty="0">
-                <a:ln>
-                  <a:noFill/>
-                </a:ln>
-                <a:solidFill>
-                  <a:srgbClr val="A9B7C6"/>
-                </a:solidFill>
-                <a:effectLst/>
-                <a:latin typeface="JetBrains Mono"/>
-              </a:rPr>
-              <a:t>  </a:t>
-            </a:r>
-            <a:r>
-              <a:rPr kumimoji="0" lang="en-US" altLang="en-US" sz="1600" b="0" i="0" u="none" strike="noStrike" cap="none" normalizeH="0" baseline="0" dirty="0">
-                <a:ln>
-                  <a:noFill/>
-                </a:ln>
-                <a:solidFill>
-                  <a:srgbClr val="CC7832"/>
-                </a:solidFill>
-                <a:effectLst/>
-                <a:latin typeface="JetBrains Mono"/>
-              </a:rPr>
-              <a:t>def </a:t>
-            </a:r>
-            <a:r>
-              <a:rPr kumimoji="0" lang="en-US" altLang="en-US" sz="1600" b="0" i="0" u="none" strike="noStrike" cap="none" normalizeH="0" baseline="0" dirty="0">
-                <a:ln>
-                  <a:noFill/>
-                </a:ln>
-                <a:solidFill>
-                  <a:srgbClr val="FFC66D"/>
-                </a:solidFill>
-                <a:effectLst/>
-                <a:latin typeface="JetBrains Mono"/>
-              </a:rPr>
-              <a:t>main</a:t>
-            </a:r>
-            <a:r>
-              <a:rPr kumimoji="0" lang="en-US" altLang="en-US" sz="1600" b="0" i="0" u="none" strike="noStrike" cap="none" normalizeH="0" baseline="0" dirty="0">
-                <a:ln>
-                  <a:noFill/>
-                </a:ln>
-                <a:solidFill>
-                  <a:srgbClr val="A9B7C6"/>
-                </a:solidFill>
-                <a:effectLst/>
-                <a:latin typeface="JetBrains Mono"/>
-              </a:rPr>
-              <a:t>(</a:t>
-            </a:r>
-            <a:r>
-              <a:rPr kumimoji="0" lang="en-US" altLang="en-US" sz="1600" b="0" i="0" u="none" strike="noStrike" cap="none" normalizeH="0" baseline="0" dirty="0" err="1">
-                <a:ln>
-                  <a:noFill/>
-                </a:ln>
-                <a:solidFill>
-                  <a:srgbClr val="A9B7C6"/>
-                </a:solidFill>
-                <a:effectLst/>
-                <a:latin typeface="JetBrains Mono"/>
-              </a:rPr>
-              <a:t>args</a:t>
-            </a:r>
-            <a:r>
-              <a:rPr kumimoji="0" lang="en-US" altLang="en-US" sz="1600" b="0" i="0" u="none" strike="noStrike" cap="none" normalizeH="0" baseline="0" dirty="0">
-                <a:ln>
-                  <a:noFill/>
-                </a:ln>
-                <a:solidFill>
-                  <a:srgbClr val="A9B7C6"/>
-                </a:solidFill>
-                <a:effectLst/>
-                <a:latin typeface="JetBrains Mono"/>
-              </a:rPr>
-              <a:t>: Array[</a:t>
-            </a:r>
-            <a:r>
-              <a:rPr kumimoji="0" lang="en-US" altLang="en-US" sz="1600" b="0" i="0" u="none" strike="noStrike" cap="none" normalizeH="0" baseline="0" dirty="0">
-                <a:ln>
-                  <a:noFill/>
-                </a:ln>
-                <a:solidFill>
-                  <a:srgbClr val="4E807D"/>
-                </a:solidFill>
-                <a:effectLst/>
-                <a:latin typeface="JetBrains Mono"/>
-              </a:rPr>
-              <a:t>String</a:t>
-            </a:r>
-            <a:r>
-              <a:rPr kumimoji="0" lang="en-US" altLang="en-US" sz="1600" b="0" i="0" u="none" strike="noStrike" cap="none" normalizeH="0" baseline="0" dirty="0">
-                <a:ln>
-                  <a:noFill/>
-                </a:ln>
-                <a:solidFill>
-                  <a:srgbClr val="A9B7C6"/>
-                </a:solidFill>
-                <a:effectLst/>
-                <a:latin typeface="JetBrains Mono"/>
-              </a:rPr>
-              <a:t>]): </a:t>
-            </a:r>
-            <a:r>
-              <a:rPr kumimoji="0" lang="en-US" altLang="en-US" sz="1600" b="0" i="0" u="none" strike="noStrike" cap="none" normalizeH="0" baseline="0" dirty="0">
-                <a:ln>
-                  <a:noFill/>
-                </a:ln>
-                <a:solidFill>
-                  <a:srgbClr val="CC7832"/>
-                </a:solidFill>
-                <a:effectLst/>
-                <a:latin typeface="JetBrains Mono"/>
-              </a:rPr>
-              <a:t>Unit </a:t>
-            </a:r>
-            <a:r>
-              <a:rPr kumimoji="0" lang="en-US" altLang="en-US" sz="1600" b="0" i="0" u="none" strike="noStrike" cap="none" normalizeH="0" baseline="0" dirty="0">
-                <a:ln>
-                  <a:noFill/>
-                </a:ln>
-                <a:solidFill>
-                  <a:srgbClr val="A9B7C6"/>
-                </a:solidFill>
-                <a:effectLst/>
-                <a:latin typeface="JetBrains Mono"/>
-              </a:rPr>
-              <a:t>= {</a:t>
-            </a:r>
-            <a:br>
-              <a:rPr kumimoji="0" lang="en-US" altLang="en-US" sz="1600" b="0" i="0" u="none" strike="noStrike" cap="none" normalizeH="0" baseline="0" dirty="0">
-                <a:ln>
-                  <a:noFill/>
-                </a:ln>
-                <a:solidFill>
-                  <a:srgbClr val="A9B7C6"/>
-                </a:solidFill>
-                <a:effectLst/>
-                <a:latin typeface="JetBrains Mono"/>
-              </a:rPr>
-            </a:br>
-            <a:r>
-              <a:rPr kumimoji="0" lang="en-US" altLang="en-US" sz="1600" b="0" i="0" u="none" strike="noStrike" cap="none" normalizeH="0" baseline="0" dirty="0">
-                <a:ln>
-                  <a:noFill/>
-                </a:ln>
-                <a:solidFill>
-                  <a:srgbClr val="A9B7C6"/>
-                </a:solidFill>
-                <a:effectLst/>
-                <a:latin typeface="JetBrains Mono"/>
-              </a:rPr>
-              <a:t>    </a:t>
-            </a:r>
-            <a:r>
-              <a:rPr kumimoji="0" lang="en-US" altLang="en-US" sz="1600" b="0" i="0" u="none" strike="noStrike" cap="none" normalizeH="0" baseline="0" dirty="0">
-                <a:ln>
-                  <a:noFill/>
-                </a:ln>
-                <a:solidFill>
-                  <a:srgbClr val="CC7832"/>
-                </a:solidFill>
-                <a:effectLst/>
-                <a:latin typeface="JetBrains Mono"/>
-              </a:rPr>
-              <a:t>var </a:t>
-            </a:r>
-            <a:r>
-              <a:rPr kumimoji="0" lang="en-US" altLang="en-US" sz="1600" b="0" i="0" u="none" strike="noStrike" cap="none" normalizeH="0" baseline="0" dirty="0">
-                <a:ln>
-                  <a:noFill/>
-                </a:ln>
-                <a:solidFill>
-                  <a:srgbClr val="A9B7C6"/>
-                </a:solidFill>
-                <a:effectLst/>
-                <a:latin typeface="JetBrains Mono"/>
-              </a:rPr>
-              <a:t>obj = </a:t>
-            </a:r>
-            <a:r>
-              <a:rPr kumimoji="0" lang="en-US" altLang="en-US" sz="1600" b="0" i="0" u="none" strike="noStrike" cap="none" normalizeH="0" baseline="0" dirty="0">
-                <a:ln>
-                  <a:noFill/>
-                </a:ln>
-                <a:solidFill>
-                  <a:srgbClr val="CC7832"/>
-                </a:solidFill>
-                <a:effectLst/>
-                <a:latin typeface="JetBrains Mono"/>
-              </a:rPr>
-              <a:t>new </a:t>
-            </a:r>
-            <a:r>
-              <a:rPr kumimoji="0" lang="en-US" altLang="en-US" sz="1600" b="0" i="0" u="none" strike="noStrike" cap="none" normalizeH="0" baseline="0" dirty="0" err="1">
-                <a:ln>
-                  <a:noFill/>
-                </a:ln>
-                <a:solidFill>
-                  <a:srgbClr val="A9B7C6"/>
-                </a:solidFill>
-                <a:effectLst/>
-                <a:latin typeface="JetBrains Mono"/>
-              </a:rPr>
-              <a:t>Clousre_feature</a:t>
-            </a:r>
-            <a:r>
-              <a:rPr kumimoji="0" lang="en-US" altLang="en-US" sz="1600" b="0" i="0" u="none" strike="noStrike" cap="none" normalizeH="0" baseline="0" dirty="0">
-                <a:ln>
-                  <a:noFill/>
-                </a:ln>
-                <a:solidFill>
-                  <a:srgbClr val="A9B7C6"/>
-                </a:solidFill>
-                <a:effectLst/>
-                <a:latin typeface="JetBrains Mono"/>
-              </a:rPr>
-              <a:t>()</a:t>
-            </a:r>
-            <a:br>
-              <a:rPr kumimoji="0" lang="en-US" altLang="en-US" sz="1600" b="0" i="0" u="none" strike="noStrike" cap="none" normalizeH="0" baseline="0" dirty="0">
-                <a:ln>
-                  <a:noFill/>
-                </a:ln>
-                <a:solidFill>
-                  <a:srgbClr val="A9B7C6"/>
-                </a:solidFill>
-                <a:effectLst/>
-                <a:latin typeface="JetBrains Mono"/>
-              </a:rPr>
-            </a:br>
-            <a:r>
-              <a:rPr kumimoji="0" lang="en-US" altLang="en-US" sz="1600" b="0" i="0" u="none" strike="noStrike" cap="none" normalizeH="0" baseline="0" dirty="0">
-                <a:ln>
-                  <a:noFill/>
-                </a:ln>
-                <a:solidFill>
-                  <a:srgbClr val="A9B7C6"/>
-                </a:solidFill>
-                <a:effectLst/>
-                <a:latin typeface="JetBrains Mono"/>
-              </a:rPr>
-              <a:t>    </a:t>
-            </a:r>
-            <a:r>
-              <a:rPr kumimoji="0" lang="en-US" altLang="en-US" sz="1600" b="0" i="0" u="none" strike="noStrike" cap="none" normalizeH="0" baseline="0" dirty="0" err="1">
-                <a:ln>
-                  <a:noFill/>
-                </a:ln>
-                <a:solidFill>
-                  <a:srgbClr val="A9B7C6"/>
-                </a:solidFill>
-                <a:effectLst/>
-                <a:latin typeface="JetBrains Mono"/>
-              </a:rPr>
-              <a:t>obj.function_name</a:t>
-            </a:r>
-            <a:r>
-              <a:rPr kumimoji="0" lang="en-US" altLang="en-US" sz="1600" b="0" i="0" u="none" strike="noStrike" cap="none" normalizeH="0" baseline="0" dirty="0">
-                <a:ln>
-                  <a:noFill/>
-                </a:ln>
-                <a:solidFill>
-                  <a:srgbClr val="A9B7C6"/>
-                </a:solidFill>
-                <a:effectLst/>
-                <a:latin typeface="JetBrains Mono"/>
-              </a:rPr>
-              <a:t>(</a:t>
-            </a:r>
-            <a:r>
-              <a:rPr kumimoji="0" lang="en-US" altLang="en-US" sz="1600" b="0" i="0" u="none" strike="noStrike" cap="none" normalizeH="0" baseline="0" dirty="0">
-                <a:ln>
-                  <a:noFill/>
-                </a:ln>
-                <a:solidFill>
-                  <a:srgbClr val="6897BB"/>
-                </a:solidFill>
-                <a:effectLst/>
-                <a:latin typeface="JetBrains Mono"/>
-              </a:rPr>
-              <a:t>3</a:t>
-            </a:r>
-            <a:r>
-              <a:rPr kumimoji="0" lang="en-US" altLang="en-US" sz="1600" b="0" i="0" u="none" strike="noStrike" cap="none" normalizeH="0" baseline="0" dirty="0">
-                <a:ln>
-                  <a:noFill/>
-                </a:ln>
-                <a:solidFill>
-                  <a:srgbClr val="A9B7C6"/>
-                </a:solidFill>
-                <a:effectLst/>
-                <a:latin typeface="JetBrains Mono"/>
-              </a:rPr>
-              <a:t>)</a:t>
-            </a:r>
-            <a:br>
-              <a:rPr kumimoji="0" lang="en-US" altLang="en-US" sz="1600" b="0" i="0" u="none" strike="noStrike" cap="none" normalizeH="0" baseline="0" dirty="0">
-                <a:ln>
-                  <a:noFill/>
-                </a:ln>
-                <a:solidFill>
-                  <a:srgbClr val="A9B7C6"/>
-                </a:solidFill>
-                <a:effectLst/>
-                <a:latin typeface="JetBrains Mono"/>
-              </a:rPr>
-            </a:br>
-            <a:r>
-              <a:rPr kumimoji="0" lang="en-US" altLang="en-US" sz="1600" b="0" i="0" u="none" strike="noStrike" cap="none" normalizeH="0" baseline="0" dirty="0">
-                <a:ln>
-                  <a:noFill/>
-                </a:ln>
-                <a:solidFill>
-                  <a:srgbClr val="A9B7C6"/>
-                </a:solidFill>
-                <a:effectLst/>
-                <a:latin typeface="JetBrains Mono"/>
-              </a:rPr>
-              <a:t>  }</a:t>
-            </a:r>
-            <a:br>
-              <a:rPr kumimoji="0" lang="en-US" altLang="en-US" sz="1600" b="0" i="0" u="none" strike="noStrike" cap="none" normalizeH="0" baseline="0" dirty="0">
-                <a:ln>
-                  <a:noFill/>
-                </a:ln>
-                <a:solidFill>
-                  <a:srgbClr val="A9B7C6"/>
-                </a:solidFill>
-                <a:effectLst/>
-                <a:latin typeface="JetBrains Mono"/>
-              </a:rPr>
-            </a:br>
-            <a:br>
-              <a:rPr kumimoji="0" lang="en-US" altLang="en-US" sz="1600" b="0" i="0" u="none" strike="noStrike" cap="none" normalizeH="0" baseline="0" dirty="0">
-                <a:ln>
-                  <a:noFill/>
-                </a:ln>
-                <a:solidFill>
-                  <a:srgbClr val="A9B7C6"/>
-                </a:solidFill>
-                <a:effectLst/>
-                <a:latin typeface="JetBrains Mono"/>
-              </a:rPr>
-            </a:br>
-            <a:r>
-              <a:rPr kumimoji="0" lang="en-US" altLang="en-US" sz="1600" b="0" i="0" u="none" strike="noStrike" cap="none" normalizeH="0" baseline="0" dirty="0">
-                <a:ln>
-                  <a:noFill/>
-                </a:ln>
-                <a:solidFill>
-                  <a:srgbClr val="A9B7C6"/>
-                </a:solidFill>
-                <a:effectLst/>
-                <a:latin typeface="JetBrains Mono"/>
-              </a:rPr>
-              <a:t>}</a:t>
-            </a:r>
-            <a:endParaRPr kumimoji="0" lang="en-US" altLang="en-US" sz="1600" b="0" i="0" u="none" strike="noStrike" cap="none" normalizeH="0" baseline="0" dirty="0">
-              <a:ln>
-                <a:noFill/>
-              </a:ln>
-              <a:solidFill>
-                <a:schemeClr val="tx1"/>
-              </a:solidFill>
-              <a:effectLst/>
-              <a:latin typeface="Arial" panose="020B0604020202020204" pitchFamily="34" charset="0"/>
-            </a:endParaRPr>
-          </a:p>
-        </p:txBody>
-      </p:sp>
-      <p:sp>
-        <p:nvSpPr>
-          <p:cNvPr id="7" name="TextBox 6">
-            <a:extLst>
-              <a:ext uri="{FF2B5EF4-FFF2-40B4-BE49-F238E27FC236}">
-                <a16:creationId xmlns:a16="http://schemas.microsoft.com/office/drawing/2014/main" id="{BC324EF2-0CEF-4313-8FAB-F41CA2F3CB3A}"/>
-              </a:ext>
-            </a:extLst>
-          </p:cNvPr>
-          <p:cNvSpPr txBox="1"/>
-          <p:nvPr/>
-        </p:nvSpPr>
-        <p:spPr>
-          <a:xfrm>
-            <a:off x="4012708" y="1090993"/>
-            <a:ext cx="4962616" cy="2031325"/>
-          </a:xfrm>
-          <a:prstGeom prst="rect">
-            <a:avLst/>
-          </a:prstGeom>
-          <a:noFill/>
-        </p:spPr>
-        <p:txBody>
-          <a:bodyPr wrap="square">
-            <a:spAutoFit/>
-          </a:bodyPr>
-          <a:lstStyle/>
-          <a:p>
-            <a:r>
-              <a:rPr lang="en-US" b="0" i="0" dirty="0">
-                <a:solidFill>
-                  <a:srgbClr val="373E3F"/>
-                </a:solidFill>
-                <a:effectLst/>
-                <a:latin typeface="-apple-system"/>
-              </a:rPr>
-              <a:t>Scala closures are functions whose return value is dependent on one or more free variables declared outside the closure function. Neither of these free variables is defined in the function nor is it used as a parameter, nor is it bound to a function with valid values. Based on the values of the most recent free variables, the closing function is evaluated. </a:t>
-            </a:r>
-            <a:endParaRPr lang="en-IN" dirty="0"/>
-          </a:p>
-        </p:txBody>
-      </p:sp>
-    </p:spTree>
-    <p:extLst>
-      <p:ext uri="{BB962C8B-B14F-4D97-AF65-F5344CB8AC3E}">
-        <p14:creationId xmlns:p14="http://schemas.microsoft.com/office/powerpoint/2010/main" val="3597410506"/>
-      </p:ext>
-    </p:extLst>
-  </p:cSld>
-  <p:clrMapOvr>
-    <a:masterClrMapping/>
-  </p:clrMapOvr>
-</p:sld>
-</file>
-
 <file path=ppt/slides/slide7.xml><?xml version="1.0" encoding="utf-8"?>
 <p:sld xmlns:a="http://schemas.openxmlformats.org/drawingml/2006/main" xmlns:r="http://schemas.openxmlformats.org/officeDocument/2006/relationships" xmlns:p="http://schemas.openxmlformats.org/presentationml/2006/main">
   <p:cSld>
@@ -31326,6 +30361,1731 @@
       </p:grpSpPr>
       <p:sp>
         <p:nvSpPr>
+          <p:cNvPr id="2" name="TextBox 1">
+            <a:extLst>
+              <a:ext uri="{FF2B5EF4-FFF2-40B4-BE49-F238E27FC236}">
+                <a16:creationId xmlns:a16="http://schemas.microsoft.com/office/drawing/2014/main" id="{C49E8E47-86D0-459D-A7FF-5B74A0024D37}"/>
+              </a:ext>
+            </a:extLst>
+          </p:cNvPr>
+          <p:cNvSpPr txBox="1"/>
+          <p:nvPr/>
+        </p:nvSpPr>
+        <p:spPr>
+          <a:xfrm>
+            <a:off x="133165" y="214544"/>
+            <a:ext cx="3071674" cy="369332"/>
+          </a:xfrm>
+          <a:prstGeom prst="rect">
+            <a:avLst/>
+          </a:prstGeom>
+          <a:noFill/>
+        </p:spPr>
+        <p:txBody>
+          <a:bodyPr wrap="square" rtlCol="0">
+            <a:spAutoFit/>
+          </a:bodyPr>
+          <a:lstStyle/>
+          <a:p>
+            <a:r>
+              <a:rPr lang="en-US" b="1" dirty="0">
+                <a:solidFill>
+                  <a:srgbClr val="FF0000"/>
+                </a:solidFill>
+              </a:rPr>
+              <a:t>Case Class</a:t>
+            </a:r>
+            <a:endParaRPr lang="en-IN" b="1" dirty="0">
+              <a:solidFill>
+                <a:srgbClr val="FF0000"/>
+              </a:solidFill>
+            </a:endParaRPr>
+          </a:p>
+        </p:txBody>
+      </p:sp>
+      <p:sp>
+        <p:nvSpPr>
+          <p:cNvPr id="4" name="TextBox 3">
+            <a:extLst>
+              <a:ext uri="{FF2B5EF4-FFF2-40B4-BE49-F238E27FC236}">
+                <a16:creationId xmlns:a16="http://schemas.microsoft.com/office/drawing/2014/main" id="{0BB2F4A8-11D0-42A1-AB51-5BD74DECBBAF}"/>
+              </a:ext>
+            </a:extLst>
+          </p:cNvPr>
+          <p:cNvSpPr txBox="1"/>
+          <p:nvPr/>
+        </p:nvSpPr>
+        <p:spPr>
+          <a:xfrm>
+            <a:off x="838938" y="583876"/>
+            <a:ext cx="7825667" cy="3139321"/>
+          </a:xfrm>
+          <a:prstGeom prst="rect">
+            <a:avLst/>
+          </a:prstGeom>
+          <a:noFill/>
+        </p:spPr>
+        <p:txBody>
+          <a:bodyPr wrap="square">
+            <a:spAutoFit/>
+          </a:bodyPr>
+          <a:lstStyle/>
+          <a:p>
+            <a:pPr algn="l"/>
+            <a:r>
+              <a:rPr lang="en-US" b="0" i="0" dirty="0">
+                <a:solidFill>
+                  <a:srgbClr val="373E3F"/>
+                </a:solidFill>
+                <a:effectLst/>
+                <a:latin typeface="-apple-system"/>
+              </a:rPr>
+              <a:t>Scala case classes are like regular classes except for the fact that they are good for modeling immutable data and serve as useful in pattern matching. Case classes include public and immutable parameters by default. These classes support pattern matching, which makes it easier to write logical code.  </a:t>
+            </a:r>
+            <a:r>
+              <a:rPr lang="en-US" b="1" i="0" dirty="0">
+                <a:solidFill>
+                  <a:srgbClr val="373E3F"/>
+                </a:solidFill>
+                <a:effectLst/>
+                <a:latin typeface="-apple-system"/>
+              </a:rPr>
+              <a:t>The following are some of the characteristics of a Scala case class: </a:t>
+            </a:r>
+          </a:p>
+          <a:p>
+            <a:pPr algn="l">
+              <a:buFont typeface="Arial" panose="020B0604020202020204" pitchFamily="34" charset="0"/>
+              <a:buChar char="•"/>
+            </a:pPr>
+            <a:r>
+              <a:rPr lang="en-US" b="0" i="0" dirty="0">
+                <a:solidFill>
+                  <a:srgbClr val="1A3D3C"/>
+                </a:solidFill>
+                <a:effectLst/>
+                <a:latin typeface="-apple-system"/>
+              </a:rPr>
+              <a:t>Instances of the class can be created without the new keyword.</a:t>
+            </a:r>
+          </a:p>
+          <a:p>
+            <a:pPr algn="l">
+              <a:buFont typeface="Arial" panose="020B0604020202020204" pitchFamily="34" charset="0"/>
+              <a:buChar char="•"/>
+            </a:pPr>
+            <a:r>
+              <a:rPr lang="en-US" b="0" i="0" dirty="0">
+                <a:solidFill>
+                  <a:srgbClr val="1A3D3C"/>
+                </a:solidFill>
+                <a:effectLst/>
+                <a:latin typeface="-apple-system"/>
+              </a:rPr>
+              <a:t>As part of the case classes, Scala automatically generates methods such as equals(), </a:t>
+            </a:r>
+            <a:r>
+              <a:rPr lang="en-US" b="0" i="0" dirty="0" err="1">
+                <a:solidFill>
+                  <a:srgbClr val="1A3D3C"/>
+                </a:solidFill>
+                <a:effectLst/>
+                <a:latin typeface="-apple-system"/>
+              </a:rPr>
+              <a:t>hashcode</a:t>
+            </a:r>
+            <a:r>
+              <a:rPr lang="en-US" b="0" i="0" dirty="0">
+                <a:solidFill>
+                  <a:srgbClr val="1A3D3C"/>
+                </a:solidFill>
+                <a:effectLst/>
+                <a:latin typeface="-apple-system"/>
+              </a:rPr>
+              <a:t>(), and </a:t>
+            </a:r>
+            <a:r>
+              <a:rPr lang="en-US" b="0" i="0" dirty="0" err="1">
+                <a:solidFill>
+                  <a:srgbClr val="1A3D3C"/>
+                </a:solidFill>
+                <a:effectLst/>
+                <a:latin typeface="-apple-system"/>
+              </a:rPr>
+              <a:t>toString</a:t>
+            </a:r>
+            <a:r>
+              <a:rPr lang="en-US" b="0" i="0" dirty="0">
+                <a:solidFill>
+                  <a:srgbClr val="1A3D3C"/>
+                </a:solidFill>
+                <a:effectLst/>
+                <a:latin typeface="-apple-system"/>
+              </a:rPr>
+              <a:t>().</a:t>
+            </a:r>
+          </a:p>
+          <a:p>
+            <a:pPr algn="l">
+              <a:buFont typeface="Arial" panose="020B0604020202020204" pitchFamily="34" charset="0"/>
+              <a:buChar char="•"/>
+            </a:pPr>
+            <a:r>
+              <a:rPr lang="en-US" b="0" i="0" dirty="0">
+                <a:solidFill>
+                  <a:srgbClr val="1A3D3C"/>
+                </a:solidFill>
+                <a:effectLst/>
+                <a:latin typeface="-apple-system"/>
+              </a:rPr>
+              <a:t>Scala generates accessor methods for all constructor arguments for a case class.</a:t>
+            </a:r>
+          </a:p>
+          <a:p>
+            <a:br>
+              <a:rPr lang="en-US" dirty="0"/>
+            </a:br>
+            <a:endParaRPr lang="en-IN" dirty="0"/>
+          </a:p>
+        </p:txBody>
+      </p:sp>
+      <p:sp>
+        <p:nvSpPr>
+          <p:cNvPr id="5" name="Rectangle 1">
+            <a:extLst>
+              <a:ext uri="{FF2B5EF4-FFF2-40B4-BE49-F238E27FC236}">
+                <a16:creationId xmlns:a16="http://schemas.microsoft.com/office/drawing/2014/main" id="{BF620B0C-5BE0-41CD-93AC-DD78110468A2}"/>
+              </a:ext>
+            </a:extLst>
+          </p:cNvPr>
+          <p:cNvSpPr>
+            <a:spLocks noChangeArrowheads="1"/>
+          </p:cNvSpPr>
+          <p:nvPr/>
+        </p:nvSpPr>
+        <p:spPr bwMode="auto">
+          <a:xfrm>
+            <a:off x="346228" y="3352626"/>
+            <a:ext cx="4048218" cy="3077766"/>
+          </a:xfrm>
+          <a:prstGeom prst="rect">
+            <a:avLst/>
+          </a:prstGeom>
+          <a:solidFill>
+            <a:schemeClr val="bg1"/>
+          </a:solidFill>
+          <a:ln>
+            <a:noFill/>
+          </a:ln>
+          <a:effectLst/>
+        </p:spPr>
+        <p:txBody>
+          <a:bodyPr vert="horz" wrap="square" lIns="91440" tIns="45720" rIns="91440" bIns="45720" numCol="1" anchor="ctr" anchorCtr="0" compatLnSpc="1">
+            <a:prstTxWarp prst="textNoShape">
+              <a:avLst/>
+            </a:prstTxWarp>
+            <a:spAutoFit/>
+          </a:bodyPr>
+          <a:lstStyle/>
+          <a:p>
+            <a:pPr marL="0" marR="0" lvl="0" indent="0" algn="l" defTabSz="914400" rtl="0" eaLnBrk="0" fontAlgn="base" latinLnBrk="0" hangingPunct="0">
+              <a:lnSpc>
+                <a:spcPct val="100000"/>
+              </a:lnSpc>
+              <a:spcBef>
+                <a:spcPct val="0"/>
+              </a:spcBef>
+              <a:spcAft>
+                <a:spcPct val="0"/>
+              </a:spcAft>
+              <a:buClrTx/>
+              <a:buSzTx/>
+              <a:buFontTx/>
+              <a:buNone/>
+              <a:tabLst/>
+            </a:pPr>
+            <a:endParaRPr kumimoji="0" lang="en-US" altLang="en-US" sz="900" b="0" i="0" u="none" strike="noStrike" cap="none" normalizeH="0" baseline="0" dirty="0">
+              <a:ln>
+                <a:noFill/>
+              </a:ln>
+              <a:effectLst/>
+              <a:latin typeface="JetBrains Mono"/>
+            </a:endParaRPr>
+          </a:p>
+          <a:p>
+            <a:pPr marL="0" marR="0" lvl="0" indent="0" algn="l" defTabSz="914400" rtl="0" eaLnBrk="0" fontAlgn="base" latinLnBrk="0" hangingPunct="0">
+              <a:lnSpc>
+                <a:spcPct val="100000"/>
+              </a:lnSpc>
+              <a:spcBef>
+                <a:spcPct val="0"/>
+              </a:spcBef>
+              <a:spcAft>
+                <a:spcPct val="0"/>
+              </a:spcAft>
+              <a:buClrTx/>
+              <a:buSzTx/>
+              <a:buFontTx/>
+              <a:buNone/>
+              <a:tabLst/>
+            </a:pPr>
+            <a:endParaRPr lang="en-US" altLang="en-US" sz="900" dirty="0">
+              <a:latin typeface="JetBrains Mono"/>
+            </a:endParaRPr>
+          </a:p>
+          <a:p>
+            <a:pPr marL="0" marR="0" lvl="0" indent="0" algn="l" defTabSz="914400" rtl="0" eaLnBrk="0" fontAlgn="base" latinLnBrk="0" hangingPunct="0">
+              <a:lnSpc>
+                <a:spcPct val="100000"/>
+              </a:lnSpc>
+              <a:spcBef>
+                <a:spcPct val="0"/>
+              </a:spcBef>
+              <a:spcAft>
+                <a:spcPct val="0"/>
+              </a:spcAft>
+              <a:buClrTx/>
+              <a:buSzTx/>
+              <a:buFontTx/>
+              <a:buNone/>
+              <a:tabLst/>
+            </a:pPr>
+            <a:r>
+              <a:rPr kumimoji="0" lang="en-US" altLang="en-US" sz="1600" b="1" i="0" u="none" strike="noStrike" cap="none" normalizeH="0" baseline="0" dirty="0">
+                <a:ln>
+                  <a:noFill/>
+                </a:ln>
+                <a:effectLst/>
+                <a:latin typeface="JetBrains Mono"/>
+              </a:rPr>
+              <a:t>case class </a:t>
+            </a:r>
+            <a:r>
+              <a:rPr kumimoji="0" lang="en-US" altLang="en-US" sz="1600" b="1" i="0" u="none" strike="noStrike" cap="none" normalizeH="0" baseline="0" dirty="0" err="1">
+                <a:ln>
+                  <a:noFill/>
+                </a:ln>
+                <a:effectLst/>
+                <a:latin typeface="JetBrains Mono"/>
+              </a:rPr>
+              <a:t>Case_Class</a:t>
+            </a:r>
+            <a:r>
+              <a:rPr kumimoji="0" lang="en-US" altLang="en-US" sz="1600" b="1" i="0" u="none" strike="noStrike" cap="none" normalizeH="0" baseline="0" dirty="0">
+                <a:ln>
+                  <a:noFill/>
+                </a:ln>
+                <a:effectLst/>
+                <a:latin typeface="JetBrains Mono"/>
+              </a:rPr>
+              <a:t>(</a:t>
+            </a:r>
+            <a:r>
+              <a:rPr kumimoji="0" lang="en-US" altLang="en-US" sz="1600" b="1" i="0" u="none" strike="noStrike" cap="none" normalizeH="0" baseline="0" dirty="0" err="1">
+                <a:ln>
+                  <a:noFill/>
+                </a:ln>
+                <a:effectLst/>
+                <a:latin typeface="JetBrains Mono"/>
+              </a:rPr>
+              <a:t>name:String</a:t>
+            </a:r>
+            <a:r>
+              <a:rPr kumimoji="0" lang="en-US" altLang="en-US" sz="1600" b="1" i="0" u="none" strike="noStrike" cap="none" normalizeH="0" baseline="0" dirty="0">
+                <a:ln>
+                  <a:noFill/>
+                </a:ln>
+                <a:effectLst/>
+                <a:latin typeface="JetBrains Mono"/>
+              </a:rPr>
+              <a:t>, </a:t>
+            </a:r>
+            <a:r>
+              <a:rPr kumimoji="0" lang="en-US" altLang="en-US" sz="1600" b="1" i="0" u="none" strike="noStrike" cap="none" normalizeH="0" baseline="0" dirty="0" err="1">
+                <a:ln>
+                  <a:noFill/>
+                </a:ln>
+                <a:effectLst/>
+                <a:latin typeface="JetBrains Mono"/>
+              </a:rPr>
+              <a:t>age:Int</a:t>
+            </a:r>
+            <a:r>
+              <a:rPr kumimoji="0" lang="en-US" altLang="en-US" sz="1600" b="1" i="0" u="none" strike="noStrike" cap="none" normalizeH="0" baseline="0" dirty="0">
+                <a:ln>
+                  <a:noFill/>
+                </a:ln>
+                <a:effectLst/>
+                <a:latin typeface="JetBrains Mono"/>
+              </a:rPr>
+              <a:t>)</a:t>
+            </a:r>
+            <a:br>
+              <a:rPr kumimoji="0" lang="en-US" altLang="en-US" sz="1600" b="1" i="0" u="none" strike="noStrike" cap="none" normalizeH="0" baseline="0" dirty="0">
+                <a:ln>
+                  <a:noFill/>
+                </a:ln>
+                <a:effectLst/>
+                <a:latin typeface="JetBrains Mono"/>
+              </a:rPr>
+            </a:br>
+            <a:r>
+              <a:rPr kumimoji="0" lang="en-US" altLang="en-US" sz="1600" b="1" i="0" u="none" strike="noStrike" cap="none" normalizeH="0" baseline="0" dirty="0">
+                <a:ln>
+                  <a:noFill/>
+                </a:ln>
+                <a:effectLst/>
+                <a:latin typeface="JetBrains Mono"/>
+              </a:rPr>
+              <a:t>object </a:t>
+            </a:r>
+            <a:r>
+              <a:rPr kumimoji="0" lang="en-US" altLang="en-US" sz="1600" b="1" i="0" u="none" strike="noStrike" cap="none" normalizeH="0" baseline="0" dirty="0" err="1">
+                <a:ln>
+                  <a:noFill/>
+                </a:ln>
+                <a:effectLst/>
+                <a:latin typeface="JetBrains Mono"/>
+              </a:rPr>
+              <a:t>MainObject</a:t>
+            </a:r>
+            <a:br>
+              <a:rPr kumimoji="0" lang="en-US" altLang="en-US" sz="1600" b="1" i="0" u="none" strike="noStrike" cap="none" normalizeH="0" baseline="0" dirty="0">
+                <a:ln>
+                  <a:noFill/>
+                </a:ln>
+                <a:effectLst/>
+                <a:latin typeface="JetBrains Mono"/>
+              </a:rPr>
+            </a:br>
+            <a:r>
+              <a:rPr kumimoji="0" lang="en-US" altLang="en-US" sz="1600" b="1" i="0" u="none" strike="noStrike" cap="none" normalizeH="0" baseline="0" dirty="0">
+                <a:ln>
+                  <a:noFill/>
+                </a:ln>
+                <a:effectLst/>
+                <a:latin typeface="JetBrains Mono"/>
+              </a:rPr>
+              <a:t>{</a:t>
+            </a:r>
+            <a:br>
+              <a:rPr kumimoji="0" lang="en-US" altLang="en-US" sz="1600" b="1" i="0" u="none" strike="noStrike" cap="none" normalizeH="0" baseline="0" dirty="0">
+                <a:ln>
+                  <a:noFill/>
+                </a:ln>
+                <a:effectLst/>
+                <a:latin typeface="JetBrains Mono"/>
+              </a:rPr>
+            </a:br>
+            <a:r>
+              <a:rPr kumimoji="0" lang="en-US" altLang="en-US" sz="1600" b="1" i="0" u="none" strike="noStrike" cap="none" normalizeH="0" baseline="0" dirty="0">
+                <a:ln>
+                  <a:noFill/>
+                </a:ln>
+                <a:effectLst/>
+                <a:latin typeface="JetBrains Mono"/>
+              </a:rPr>
+              <a:t>  def main(</a:t>
+            </a:r>
+            <a:r>
+              <a:rPr kumimoji="0" lang="en-US" altLang="en-US" sz="1600" b="1" i="0" u="none" strike="noStrike" cap="none" normalizeH="0" baseline="0" dirty="0" err="1">
+                <a:ln>
+                  <a:noFill/>
+                </a:ln>
+                <a:effectLst/>
+                <a:latin typeface="JetBrains Mono"/>
+              </a:rPr>
+              <a:t>args:Array</a:t>
+            </a:r>
+            <a:r>
+              <a:rPr kumimoji="0" lang="en-US" altLang="en-US" sz="1600" b="1" i="0" u="none" strike="noStrike" cap="none" normalizeH="0" baseline="0" dirty="0">
+                <a:ln>
+                  <a:noFill/>
+                </a:ln>
+                <a:effectLst/>
+                <a:latin typeface="JetBrains Mono"/>
+              </a:rPr>
+              <a:t>[String])</a:t>
+            </a:r>
+            <a:br>
+              <a:rPr kumimoji="0" lang="en-US" altLang="en-US" sz="1600" b="1" i="0" u="none" strike="noStrike" cap="none" normalizeH="0" baseline="0" dirty="0">
+                <a:ln>
+                  <a:noFill/>
+                </a:ln>
+                <a:effectLst/>
+                <a:latin typeface="JetBrains Mono"/>
+              </a:rPr>
+            </a:br>
+            <a:r>
+              <a:rPr kumimoji="0" lang="en-US" altLang="en-US" sz="1600" b="1" i="0" u="none" strike="noStrike" cap="none" normalizeH="0" baseline="0" dirty="0">
+                <a:ln>
+                  <a:noFill/>
+                </a:ln>
+                <a:effectLst/>
+                <a:latin typeface="JetBrains Mono"/>
+              </a:rPr>
+              <a:t>  {</a:t>
+            </a:r>
+            <a:br>
+              <a:rPr kumimoji="0" lang="en-US" altLang="en-US" sz="1600" b="1" i="0" u="none" strike="noStrike" cap="none" normalizeH="0" baseline="0" dirty="0">
+                <a:ln>
+                  <a:noFill/>
+                </a:ln>
+                <a:effectLst/>
+                <a:latin typeface="JetBrains Mono"/>
+              </a:rPr>
+            </a:br>
+            <a:r>
+              <a:rPr kumimoji="0" lang="en-US" altLang="en-US" sz="1600" b="1" i="0" u="none" strike="noStrike" cap="none" normalizeH="0" baseline="0" dirty="0">
+                <a:ln>
+                  <a:noFill/>
+                </a:ln>
+                <a:effectLst/>
+                <a:latin typeface="JetBrains Mono"/>
+              </a:rPr>
+              <a:t>    var c = </a:t>
+            </a:r>
+            <a:r>
+              <a:rPr kumimoji="0" lang="en-US" altLang="en-US" sz="1600" b="1" i="0" u="none" strike="noStrike" cap="none" normalizeH="0" baseline="0" dirty="0" err="1">
+                <a:ln>
+                  <a:noFill/>
+                </a:ln>
+                <a:effectLst/>
+                <a:latin typeface="JetBrains Mono"/>
+              </a:rPr>
+              <a:t>Case_Class</a:t>
+            </a:r>
+            <a:r>
+              <a:rPr kumimoji="0" lang="en-US" altLang="en-US" sz="1600" b="1" i="0" u="none" strike="noStrike" cap="none" normalizeH="0" baseline="0" dirty="0">
+                <a:ln>
+                  <a:noFill/>
+                </a:ln>
+                <a:effectLst/>
+                <a:latin typeface="JetBrains Mono"/>
+              </a:rPr>
+              <a:t>("</a:t>
+            </a:r>
+            <a:r>
+              <a:rPr kumimoji="0" lang="en-US" altLang="en-US" sz="1600" b="1" i="0" u="none" strike="noStrike" cap="none" normalizeH="0" baseline="0" dirty="0" err="1">
+                <a:ln>
+                  <a:noFill/>
+                </a:ln>
+                <a:effectLst/>
+                <a:latin typeface="JetBrains Mono"/>
+              </a:rPr>
+              <a:t>Xyz</a:t>
+            </a:r>
+            <a:r>
+              <a:rPr kumimoji="0" lang="en-US" altLang="en-US" sz="1600" b="1" i="0" u="none" strike="noStrike" cap="none" normalizeH="0" baseline="0" dirty="0">
+                <a:ln>
+                  <a:noFill/>
+                </a:ln>
+                <a:effectLst/>
+                <a:latin typeface="JetBrains Mono"/>
+              </a:rPr>
+              <a:t>", 23)</a:t>
+            </a:r>
+            <a:br>
+              <a:rPr kumimoji="0" lang="en-US" altLang="en-US" sz="1600" b="1" i="0" u="none" strike="noStrike" cap="none" normalizeH="0" baseline="0" dirty="0">
+                <a:ln>
+                  <a:noFill/>
+                </a:ln>
+                <a:effectLst/>
+                <a:latin typeface="JetBrains Mono"/>
+              </a:rPr>
+            </a:br>
+            <a:r>
+              <a:rPr kumimoji="0" lang="en-US" altLang="en-US" sz="1600" b="1" i="0" u="none" strike="noStrike" cap="none" normalizeH="0" baseline="0" dirty="0">
+                <a:ln>
+                  <a:noFill/>
+                </a:ln>
+                <a:effectLst/>
+                <a:latin typeface="JetBrains Mono"/>
+              </a:rPr>
+              <a:t>    </a:t>
+            </a:r>
+            <a:r>
+              <a:rPr kumimoji="0" lang="en-US" altLang="en-US" sz="1600" b="1" i="1" u="none" strike="noStrike" cap="none" normalizeH="0" baseline="0" dirty="0" err="1">
+                <a:ln>
+                  <a:noFill/>
+                </a:ln>
+                <a:effectLst/>
+                <a:latin typeface="JetBrains Mono"/>
+              </a:rPr>
+              <a:t>println</a:t>
+            </a:r>
+            <a:r>
+              <a:rPr kumimoji="0" lang="en-US" altLang="en-US" sz="1600" b="1" i="0" u="none" strike="noStrike" cap="none" normalizeH="0" baseline="0" dirty="0">
+                <a:ln>
+                  <a:noFill/>
+                </a:ln>
+                <a:effectLst/>
+                <a:latin typeface="JetBrains Mono"/>
+              </a:rPr>
+              <a:t>("Student name:" + c.name);    </a:t>
+            </a:r>
+            <a:r>
+              <a:rPr kumimoji="0" lang="en-US" altLang="en-US" sz="1600" b="1" i="1" u="none" strike="noStrike" cap="none" normalizeH="0" baseline="0" dirty="0" err="1">
+                <a:ln>
+                  <a:noFill/>
+                </a:ln>
+                <a:effectLst/>
+                <a:latin typeface="JetBrains Mono"/>
+              </a:rPr>
+              <a:t>println</a:t>
+            </a:r>
+            <a:r>
+              <a:rPr kumimoji="0" lang="en-US" altLang="en-US" sz="1600" b="1" i="0" u="none" strike="noStrike" cap="none" normalizeH="0" baseline="0" dirty="0">
+                <a:ln>
+                  <a:noFill/>
+                </a:ln>
+                <a:effectLst/>
+                <a:latin typeface="JetBrains Mono"/>
+              </a:rPr>
+              <a:t>("Student age: " + </a:t>
+            </a:r>
+            <a:r>
+              <a:rPr kumimoji="0" lang="en-US" altLang="en-US" sz="1600" b="1" i="0" u="none" strike="noStrike" cap="none" normalizeH="0" baseline="0" dirty="0" err="1">
+                <a:ln>
+                  <a:noFill/>
+                </a:ln>
+                <a:effectLst/>
+                <a:latin typeface="JetBrains Mono"/>
+              </a:rPr>
+              <a:t>c.age</a:t>
+            </a:r>
+            <a:r>
+              <a:rPr kumimoji="0" lang="en-US" altLang="en-US" sz="1600" b="1" i="0" u="none" strike="noStrike" cap="none" normalizeH="0" baseline="0" dirty="0">
+                <a:ln>
+                  <a:noFill/>
+                </a:ln>
+                <a:effectLst/>
+                <a:latin typeface="JetBrains Mono"/>
+              </a:rPr>
+              <a:t>);</a:t>
+            </a:r>
+            <a:br>
+              <a:rPr kumimoji="0" lang="en-US" altLang="en-US" sz="1600" b="1" i="0" u="none" strike="noStrike" cap="none" normalizeH="0" baseline="0" dirty="0">
+                <a:ln>
+                  <a:noFill/>
+                </a:ln>
+                <a:effectLst/>
+                <a:latin typeface="JetBrains Mono"/>
+              </a:rPr>
+            </a:br>
+            <a:r>
+              <a:rPr kumimoji="0" lang="en-US" altLang="en-US" sz="1600" b="1" i="0" u="none" strike="noStrike" cap="none" normalizeH="0" baseline="0" dirty="0">
+                <a:ln>
+                  <a:noFill/>
+                </a:ln>
+                <a:effectLst/>
+                <a:latin typeface="JetBrains Mono"/>
+              </a:rPr>
+              <a:t>  }</a:t>
+            </a:r>
+            <a:br>
+              <a:rPr kumimoji="0" lang="en-US" altLang="en-US" sz="1600" b="1" i="0" u="none" strike="noStrike" cap="none" normalizeH="0" baseline="0" dirty="0">
+                <a:ln>
+                  <a:noFill/>
+                </a:ln>
+                <a:effectLst/>
+                <a:latin typeface="JetBrains Mono"/>
+              </a:rPr>
+            </a:br>
+            <a:r>
+              <a:rPr kumimoji="0" lang="en-US" altLang="en-US" sz="1600" b="1" i="0" u="none" strike="noStrike" cap="none" normalizeH="0" baseline="0" dirty="0">
+                <a:ln>
+                  <a:noFill/>
+                </a:ln>
+                <a:effectLst/>
+                <a:latin typeface="JetBrains Mono"/>
+              </a:rPr>
+              <a:t>}</a:t>
+            </a:r>
+            <a:br>
+              <a:rPr kumimoji="0" lang="en-US" altLang="en-US" sz="1600" b="0" i="0" u="none" strike="noStrike" cap="none" normalizeH="0" baseline="0" dirty="0">
+                <a:ln>
+                  <a:noFill/>
+                </a:ln>
+                <a:effectLst/>
+                <a:latin typeface="JetBrains Mono"/>
+              </a:rPr>
+            </a:br>
+            <a:endParaRPr kumimoji="0" lang="en-US" altLang="en-US" sz="1600" b="0" i="0" u="none" strike="noStrike" cap="none" normalizeH="0" baseline="0" dirty="0">
+              <a:ln>
+                <a:noFill/>
+              </a:ln>
+              <a:effectLst/>
+              <a:latin typeface="Arial" panose="020B0604020202020204" pitchFamily="34" charset="0"/>
+            </a:endParaRPr>
+          </a:p>
+        </p:txBody>
+      </p:sp>
+    </p:spTree>
+    <p:extLst>
+      <p:ext uri="{BB962C8B-B14F-4D97-AF65-F5344CB8AC3E}">
+        <p14:creationId xmlns:p14="http://schemas.microsoft.com/office/powerpoint/2010/main" val="1931756242"/>
+      </p:ext>
+    </p:extLst>
+  </p:cSld>
+  <p:clrMapOvr>
+    <a:masterClrMapping/>
+  </p:clrMapOvr>
+</p:sld>
+</file>
+
+<file path=ppt/slides/slide71.xml><?xml version="1.0" encoding="utf-8"?>
+<p:sld xmlns:a="http://schemas.openxmlformats.org/drawingml/2006/main" xmlns:r="http://schemas.openxmlformats.org/officeDocument/2006/relationships" xmlns:p="http://schemas.openxmlformats.org/presentationml/2006/main">
+  <p:cSld>
+    <p:spTree>
+      <p:nvGrpSpPr>
+        <p:cNvPr id="1" name=""/>
+        <p:cNvGrpSpPr/>
+        <p:nvPr/>
+      </p:nvGrpSpPr>
+      <p:grpSpPr>
+        <a:xfrm>
+          <a:off x="0" y="0"/>
+          <a:ext cx="0" cy="0"/>
+          <a:chOff x="0" y="0"/>
+          <a:chExt cx="0" cy="0"/>
+        </a:xfrm>
+      </p:grpSpPr>
+      <p:sp>
+        <p:nvSpPr>
+          <p:cNvPr id="3" name="TextBox 2">
+            <a:extLst>
+              <a:ext uri="{FF2B5EF4-FFF2-40B4-BE49-F238E27FC236}">
+                <a16:creationId xmlns:a16="http://schemas.microsoft.com/office/drawing/2014/main" id="{12C6E2C6-C711-4C22-A0A7-4D0C94025965}"/>
+              </a:ext>
+            </a:extLst>
+          </p:cNvPr>
+          <p:cNvSpPr txBox="1"/>
+          <p:nvPr/>
+        </p:nvSpPr>
+        <p:spPr>
+          <a:xfrm>
+            <a:off x="350668" y="157123"/>
+            <a:ext cx="4572000" cy="369332"/>
+          </a:xfrm>
+          <a:prstGeom prst="rect">
+            <a:avLst/>
+          </a:prstGeom>
+          <a:noFill/>
+        </p:spPr>
+        <p:txBody>
+          <a:bodyPr wrap="square">
+            <a:spAutoFit/>
+          </a:bodyPr>
+          <a:lstStyle/>
+          <a:p>
+            <a:pPr algn="l"/>
+            <a:r>
+              <a:rPr lang="en-IN" b="1" i="0" dirty="0">
+                <a:solidFill>
+                  <a:srgbClr val="FF0000"/>
+                </a:solidFill>
+                <a:effectLst/>
+                <a:latin typeface="-apple-system"/>
+              </a:rPr>
+              <a:t>Closure in Scala</a:t>
+            </a:r>
+          </a:p>
+        </p:txBody>
+      </p:sp>
+      <p:sp>
+        <p:nvSpPr>
+          <p:cNvPr id="5" name="Rectangle 2">
+            <a:extLst>
+              <a:ext uri="{FF2B5EF4-FFF2-40B4-BE49-F238E27FC236}">
+                <a16:creationId xmlns:a16="http://schemas.microsoft.com/office/drawing/2014/main" id="{DEA4610D-2FCF-4198-8D6A-9254AD0F48D2}"/>
+              </a:ext>
+            </a:extLst>
+          </p:cNvPr>
+          <p:cNvSpPr>
+            <a:spLocks noChangeArrowheads="1"/>
+          </p:cNvSpPr>
+          <p:nvPr/>
+        </p:nvSpPr>
+        <p:spPr bwMode="auto">
+          <a:xfrm>
+            <a:off x="168677" y="993594"/>
+            <a:ext cx="3781886" cy="4031873"/>
+          </a:xfrm>
+          <a:prstGeom prst="rect">
+            <a:avLst/>
+          </a:prstGeom>
+          <a:solidFill>
+            <a:srgbClr val="2B2B2B"/>
+          </a:solidFill>
+          <a:ln>
+            <a:noFill/>
+          </a:ln>
+          <a:effectLst/>
+          <a:extLst>
+            <a:ext uri="{91240B29-F687-4F45-9708-019B960494DF}">
+              <a14:hiddenLine xmlns:a14="http://schemas.microsoft.com/office/drawing/2010/main" w="9525">
+                <a:solidFill>
+                  <a:schemeClr val="tx1"/>
+                </a:solidFill>
+                <a:miter lim="800000"/>
+                <a:headEnd/>
+                <a:tailEnd/>
+              </a14:hiddenLine>
+            </a:ext>
+            <a:ext uri="{AF507438-7753-43E0-B8FC-AC1667EBCBE1}">
+              <a14:hiddenEffects xmlns:a14="http://schemas.microsoft.com/office/drawing/2010/main">
+                <a:effectLst>
+                  <a:outerShdw dist="35921" dir="2700000" algn="ctr" rotWithShape="0">
+                    <a:schemeClr val="bg2"/>
+                  </a:outerShdw>
+                </a:effectLst>
+              </a14:hiddenEffects>
+            </a:ext>
+          </a:extLst>
+        </p:spPr>
+        <p:txBody>
+          <a:bodyPr vert="horz" wrap="square" lIns="91440" tIns="45720" rIns="91440" bIns="45720" numCol="1" anchor="ctr" anchorCtr="0" compatLnSpc="1">
+            <a:prstTxWarp prst="textNoShape">
+              <a:avLst/>
+            </a:prstTxWarp>
+            <a:spAutoFit/>
+          </a:bodyPr>
+          <a:lstStyle/>
+          <a:p>
+            <a:pPr marL="0" marR="0" lvl="0" indent="0" algn="l" defTabSz="914400" rtl="0" eaLnBrk="0" fontAlgn="base" latinLnBrk="0" hangingPunct="0">
+              <a:lnSpc>
+                <a:spcPct val="100000"/>
+              </a:lnSpc>
+              <a:spcBef>
+                <a:spcPct val="0"/>
+              </a:spcBef>
+              <a:spcAft>
+                <a:spcPct val="0"/>
+              </a:spcAft>
+              <a:buClrTx/>
+              <a:buSzTx/>
+              <a:buFontTx/>
+              <a:buNone/>
+              <a:tabLst/>
+            </a:pPr>
+            <a:r>
+              <a:rPr kumimoji="0" lang="en-US" altLang="en-US" sz="1600" b="0" i="0" u="none" strike="noStrike" cap="none" normalizeH="0" baseline="0" dirty="0">
+                <a:ln>
+                  <a:noFill/>
+                </a:ln>
+                <a:solidFill>
+                  <a:srgbClr val="CC7832"/>
+                </a:solidFill>
+                <a:effectLst/>
+                <a:latin typeface="JetBrains Mono"/>
+              </a:rPr>
+              <a:t>class </a:t>
+            </a:r>
+            <a:r>
+              <a:rPr kumimoji="0" lang="en-US" altLang="en-US" sz="1600" b="0" i="0" u="none" strike="noStrike" cap="none" normalizeH="0" baseline="0" dirty="0" err="1">
+                <a:ln>
+                  <a:noFill/>
+                </a:ln>
+                <a:solidFill>
+                  <a:srgbClr val="A9B7C6"/>
+                </a:solidFill>
+                <a:effectLst/>
+                <a:latin typeface="JetBrains Mono"/>
+              </a:rPr>
+              <a:t>Clousre_feature</a:t>
+            </a:r>
+            <a:r>
+              <a:rPr kumimoji="0" lang="en-US" altLang="en-US" sz="1600" b="0" i="0" u="none" strike="noStrike" cap="none" normalizeH="0" baseline="0" dirty="0">
+                <a:ln>
+                  <a:noFill/>
+                </a:ln>
+                <a:solidFill>
+                  <a:srgbClr val="A9B7C6"/>
+                </a:solidFill>
+                <a:effectLst/>
+                <a:latin typeface="JetBrains Mono"/>
+              </a:rPr>
+              <a:t> {</a:t>
+            </a:r>
+            <a:br>
+              <a:rPr kumimoji="0" lang="en-US" altLang="en-US" sz="1600" b="0" i="0" u="none" strike="noStrike" cap="none" normalizeH="0" baseline="0" dirty="0">
+                <a:ln>
+                  <a:noFill/>
+                </a:ln>
+                <a:solidFill>
+                  <a:srgbClr val="A9B7C6"/>
+                </a:solidFill>
+                <a:effectLst/>
+                <a:latin typeface="JetBrains Mono"/>
+              </a:rPr>
+            </a:br>
+            <a:r>
+              <a:rPr kumimoji="0" lang="en-US" altLang="en-US" sz="1600" b="0" i="0" u="none" strike="noStrike" cap="none" normalizeH="0" baseline="0" dirty="0">
+                <a:ln>
+                  <a:noFill/>
+                </a:ln>
+                <a:solidFill>
+                  <a:srgbClr val="A9B7C6"/>
+                </a:solidFill>
+                <a:effectLst/>
+                <a:latin typeface="JetBrains Mono"/>
+              </a:rPr>
+              <a:t>  </a:t>
+            </a:r>
+            <a:r>
+              <a:rPr kumimoji="0" lang="en-US" altLang="en-US" sz="1600" b="0" i="0" u="none" strike="noStrike" cap="none" normalizeH="0" baseline="0" dirty="0">
+                <a:ln>
+                  <a:noFill/>
+                </a:ln>
+                <a:solidFill>
+                  <a:srgbClr val="CC7832"/>
+                </a:solidFill>
+                <a:effectLst/>
+                <a:latin typeface="JetBrains Mono"/>
+              </a:rPr>
+              <a:t>var </a:t>
+            </a:r>
+            <a:r>
+              <a:rPr kumimoji="0" lang="en-US" altLang="en-US" sz="1600" b="0" i="1" u="none" strike="noStrike" cap="none" normalizeH="0" baseline="0" dirty="0">
+                <a:ln>
+                  <a:noFill/>
+                </a:ln>
+                <a:solidFill>
+                  <a:srgbClr val="9876AA"/>
+                </a:solidFill>
+                <a:effectLst/>
+                <a:latin typeface="JetBrains Mono"/>
+              </a:rPr>
+              <a:t>x </a:t>
+            </a:r>
+            <a:r>
+              <a:rPr kumimoji="0" lang="en-US" altLang="en-US" sz="1600" b="0" i="0" u="none" strike="noStrike" cap="none" normalizeH="0" baseline="0" dirty="0">
+                <a:ln>
+                  <a:noFill/>
+                </a:ln>
+                <a:solidFill>
+                  <a:srgbClr val="A9B7C6"/>
+                </a:solidFill>
+                <a:effectLst/>
+                <a:latin typeface="JetBrains Mono"/>
+              </a:rPr>
+              <a:t>= </a:t>
+            </a:r>
+            <a:r>
+              <a:rPr kumimoji="0" lang="en-US" altLang="en-US" sz="1600" b="0" i="0" u="none" strike="noStrike" cap="none" normalizeH="0" baseline="0" dirty="0">
+                <a:ln>
+                  <a:noFill/>
+                </a:ln>
+                <a:solidFill>
+                  <a:srgbClr val="6897BB"/>
+                </a:solidFill>
+                <a:effectLst/>
+                <a:latin typeface="JetBrains Mono"/>
+              </a:rPr>
+              <a:t>20</a:t>
+            </a:r>
+            <a:br>
+              <a:rPr kumimoji="0" lang="en-US" altLang="en-US" sz="1600" b="0" i="0" u="none" strike="noStrike" cap="none" normalizeH="0" baseline="0" dirty="0">
+                <a:ln>
+                  <a:noFill/>
+                </a:ln>
+                <a:solidFill>
+                  <a:srgbClr val="6897BB"/>
+                </a:solidFill>
+                <a:effectLst/>
+                <a:latin typeface="JetBrains Mono"/>
+              </a:rPr>
+            </a:br>
+            <a:r>
+              <a:rPr kumimoji="0" lang="en-US" altLang="en-US" sz="1600" b="0" i="0" u="none" strike="noStrike" cap="none" normalizeH="0" baseline="0" dirty="0">
+                <a:ln>
+                  <a:noFill/>
+                </a:ln>
+                <a:solidFill>
+                  <a:srgbClr val="6897BB"/>
+                </a:solidFill>
+                <a:effectLst/>
+                <a:latin typeface="JetBrains Mono"/>
+              </a:rPr>
+              <a:t>  </a:t>
+            </a:r>
+            <a:r>
+              <a:rPr kumimoji="0" lang="en-US" altLang="en-US" sz="1600" b="0" i="0" u="none" strike="noStrike" cap="none" normalizeH="0" baseline="0" dirty="0">
+                <a:ln>
+                  <a:noFill/>
+                </a:ln>
+                <a:solidFill>
+                  <a:srgbClr val="CC7832"/>
+                </a:solidFill>
+                <a:effectLst/>
+                <a:latin typeface="JetBrains Mono"/>
+              </a:rPr>
+              <a:t>def </a:t>
+            </a:r>
+            <a:r>
+              <a:rPr kumimoji="0" lang="en-US" altLang="en-US" sz="1600" b="0" i="0" u="none" strike="noStrike" cap="none" normalizeH="0" baseline="0" dirty="0" err="1">
+                <a:ln>
+                  <a:noFill/>
+                </a:ln>
+                <a:solidFill>
+                  <a:srgbClr val="FFC66D"/>
+                </a:solidFill>
+                <a:effectLst/>
+                <a:latin typeface="JetBrains Mono"/>
+              </a:rPr>
+              <a:t>function_name</a:t>
+            </a:r>
+            <a:r>
+              <a:rPr kumimoji="0" lang="en-US" altLang="en-US" sz="1600" b="0" i="0" u="none" strike="noStrike" cap="none" normalizeH="0" baseline="0" dirty="0">
+                <a:ln>
+                  <a:noFill/>
+                </a:ln>
+                <a:solidFill>
+                  <a:srgbClr val="A9B7C6"/>
+                </a:solidFill>
+                <a:effectLst/>
+                <a:latin typeface="JetBrains Mono"/>
+              </a:rPr>
+              <a:t>(</a:t>
+            </a:r>
+            <a:r>
+              <a:rPr kumimoji="0" lang="en-US" altLang="en-US" sz="1600" b="0" i="0" u="none" strike="noStrike" cap="none" normalizeH="0" baseline="0" dirty="0" err="1">
+                <a:ln>
+                  <a:noFill/>
+                </a:ln>
+                <a:solidFill>
+                  <a:srgbClr val="A9B7C6"/>
+                </a:solidFill>
+                <a:effectLst/>
+                <a:latin typeface="JetBrains Mono"/>
+              </a:rPr>
+              <a:t>y:</a:t>
+            </a:r>
+            <a:r>
+              <a:rPr kumimoji="0" lang="en-US" altLang="en-US" sz="1600" b="0" i="0" u="none" strike="noStrike" cap="none" normalizeH="0" baseline="0" dirty="0" err="1">
+                <a:ln>
+                  <a:noFill/>
+                </a:ln>
+                <a:solidFill>
+                  <a:srgbClr val="CC7832"/>
+                </a:solidFill>
+                <a:effectLst/>
+                <a:latin typeface="JetBrains Mono"/>
+              </a:rPr>
+              <a:t>Int</a:t>
+            </a:r>
+            <a:r>
+              <a:rPr kumimoji="0" lang="en-US" altLang="en-US" sz="1600" b="0" i="0" u="none" strike="noStrike" cap="none" normalizeH="0" baseline="0" dirty="0">
+                <a:ln>
+                  <a:noFill/>
+                </a:ln>
+                <a:solidFill>
+                  <a:srgbClr val="A9B7C6"/>
+                </a:solidFill>
+                <a:effectLst/>
+                <a:latin typeface="JetBrains Mono"/>
+              </a:rPr>
+              <a:t>)</a:t>
+            </a:r>
+            <a:br>
+              <a:rPr kumimoji="0" lang="en-US" altLang="en-US" sz="1600" b="0" i="0" u="none" strike="noStrike" cap="none" normalizeH="0" baseline="0" dirty="0">
+                <a:ln>
+                  <a:noFill/>
+                </a:ln>
+                <a:solidFill>
+                  <a:srgbClr val="A9B7C6"/>
+                </a:solidFill>
+                <a:effectLst/>
+                <a:latin typeface="JetBrains Mono"/>
+              </a:rPr>
+            </a:br>
+            <a:r>
+              <a:rPr kumimoji="0" lang="en-US" altLang="en-US" sz="1600" b="0" i="0" u="none" strike="noStrike" cap="none" normalizeH="0" baseline="0" dirty="0">
+                <a:ln>
+                  <a:noFill/>
+                </a:ln>
+                <a:solidFill>
+                  <a:srgbClr val="A9B7C6"/>
+                </a:solidFill>
+                <a:effectLst/>
+                <a:latin typeface="JetBrains Mono"/>
+              </a:rPr>
+              <a:t>  {</a:t>
+            </a:r>
+            <a:br>
+              <a:rPr kumimoji="0" lang="en-US" altLang="en-US" sz="1600" b="0" i="0" u="none" strike="noStrike" cap="none" normalizeH="0" baseline="0" dirty="0">
+                <a:ln>
+                  <a:noFill/>
+                </a:ln>
+                <a:solidFill>
+                  <a:srgbClr val="A9B7C6"/>
+                </a:solidFill>
+                <a:effectLst/>
+                <a:latin typeface="JetBrains Mono"/>
+              </a:rPr>
+            </a:br>
+            <a:r>
+              <a:rPr kumimoji="0" lang="en-US" altLang="en-US" sz="1600" b="0" i="0" u="none" strike="noStrike" cap="none" normalizeH="0" baseline="0" dirty="0">
+                <a:ln>
+                  <a:noFill/>
+                </a:ln>
+                <a:solidFill>
+                  <a:srgbClr val="A9B7C6"/>
+                </a:solidFill>
+                <a:effectLst/>
+                <a:latin typeface="JetBrains Mono"/>
+              </a:rPr>
+              <a:t>    </a:t>
+            </a:r>
+            <a:r>
+              <a:rPr kumimoji="0" lang="en-US" altLang="en-US" sz="1600" b="0" i="1" u="none" strike="noStrike" cap="none" normalizeH="0" baseline="0" dirty="0" err="1">
+                <a:ln>
+                  <a:noFill/>
+                </a:ln>
+                <a:solidFill>
+                  <a:srgbClr val="A9B7C6"/>
+                </a:solidFill>
+                <a:effectLst/>
+                <a:latin typeface="JetBrains Mono"/>
+              </a:rPr>
+              <a:t>println</a:t>
+            </a:r>
+            <a:r>
+              <a:rPr kumimoji="0" lang="en-US" altLang="en-US" sz="1600" b="0" i="0" u="none" strike="noStrike" cap="none" normalizeH="0" baseline="0" dirty="0">
+                <a:ln>
+                  <a:noFill/>
+                </a:ln>
+                <a:solidFill>
+                  <a:srgbClr val="A9B7C6"/>
+                </a:solidFill>
+                <a:effectLst/>
+                <a:latin typeface="JetBrains Mono"/>
+              </a:rPr>
+              <a:t>(</a:t>
+            </a:r>
+            <a:r>
+              <a:rPr kumimoji="0" lang="en-US" altLang="en-US" sz="1600" b="0" i="1" u="none" strike="noStrike" cap="none" normalizeH="0" baseline="0" dirty="0" err="1">
+                <a:ln>
+                  <a:noFill/>
+                </a:ln>
+                <a:solidFill>
+                  <a:srgbClr val="9876AA"/>
+                </a:solidFill>
+                <a:effectLst/>
+                <a:latin typeface="JetBrains Mono"/>
+              </a:rPr>
+              <a:t>x</a:t>
+            </a:r>
+            <a:r>
+              <a:rPr kumimoji="0" lang="en-US" altLang="en-US" sz="1600" b="0" i="0" u="none" strike="noStrike" cap="none" normalizeH="0" baseline="0" dirty="0" err="1">
+                <a:ln>
+                  <a:noFill/>
+                </a:ln>
+                <a:solidFill>
+                  <a:srgbClr val="A9B7C6"/>
+                </a:solidFill>
+                <a:effectLst/>
+                <a:latin typeface="JetBrains Mono"/>
+              </a:rPr>
+              <a:t>+y</a:t>
+            </a:r>
+            <a:r>
+              <a:rPr kumimoji="0" lang="en-US" altLang="en-US" sz="1600" b="0" i="0" u="none" strike="noStrike" cap="none" normalizeH="0" baseline="0" dirty="0">
+                <a:ln>
+                  <a:noFill/>
+                </a:ln>
+                <a:solidFill>
+                  <a:srgbClr val="A9B7C6"/>
+                </a:solidFill>
+                <a:effectLst/>
+                <a:latin typeface="JetBrains Mono"/>
+              </a:rPr>
+              <a:t>)</a:t>
+            </a:r>
+            <a:br>
+              <a:rPr kumimoji="0" lang="en-US" altLang="en-US" sz="1600" b="0" i="0" u="none" strike="noStrike" cap="none" normalizeH="0" baseline="0" dirty="0">
+                <a:ln>
+                  <a:noFill/>
+                </a:ln>
+                <a:solidFill>
+                  <a:srgbClr val="A9B7C6"/>
+                </a:solidFill>
+                <a:effectLst/>
+                <a:latin typeface="JetBrains Mono"/>
+              </a:rPr>
+            </a:br>
+            <a:r>
+              <a:rPr kumimoji="0" lang="en-US" altLang="en-US" sz="1600" b="0" i="0" u="none" strike="noStrike" cap="none" normalizeH="0" baseline="0" dirty="0">
+                <a:ln>
+                  <a:noFill/>
+                </a:ln>
+                <a:solidFill>
+                  <a:srgbClr val="A9B7C6"/>
+                </a:solidFill>
+                <a:effectLst/>
+                <a:latin typeface="JetBrains Mono"/>
+              </a:rPr>
+              <a:t>  }</a:t>
+            </a:r>
+            <a:br>
+              <a:rPr kumimoji="0" lang="en-US" altLang="en-US" sz="1600" b="0" i="0" u="none" strike="noStrike" cap="none" normalizeH="0" baseline="0" dirty="0">
+                <a:ln>
+                  <a:noFill/>
+                </a:ln>
+                <a:solidFill>
+                  <a:srgbClr val="A9B7C6"/>
+                </a:solidFill>
+                <a:effectLst/>
+                <a:latin typeface="JetBrains Mono"/>
+              </a:rPr>
+            </a:br>
+            <a:br>
+              <a:rPr kumimoji="0" lang="en-US" altLang="en-US" sz="1600" b="0" i="0" u="none" strike="noStrike" cap="none" normalizeH="0" baseline="0" dirty="0">
+                <a:ln>
+                  <a:noFill/>
+                </a:ln>
+                <a:solidFill>
+                  <a:srgbClr val="A9B7C6"/>
+                </a:solidFill>
+                <a:effectLst/>
+                <a:latin typeface="JetBrains Mono"/>
+              </a:rPr>
+            </a:br>
+            <a:r>
+              <a:rPr kumimoji="0" lang="en-US" altLang="en-US" sz="1600" b="0" i="0" u="none" strike="noStrike" cap="none" normalizeH="0" baseline="0" dirty="0">
+                <a:ln>
+                  <a:noFill/>
+                </a:ln>
+                <a:solidFill>
+                  <a:srgbClr val="A9B7C6"/>
+                </a:solidFill>
+                <a:effectLst/>
+                <a:latin typeface="JetBrains Mono"/>
+              </a:rPr>
+              <a:t>}</a:t>
+            </a:r>
+            <a:br>
+              <a:rPr kumimoji="0" lang="en-US" altLang="en-US" sz="1600" b="0" i="0" u="none" strike="noStrike" cap="none" normalizeH="0" baseline="0" dirty="0">
+                <a:ln>
+                  <a:noFill/>
+                </a:ln>
+                <a:solidFill>
+                  <a:srgbClr val="A9B7C6"/>
+                </a:solidFill>
+                <a:effectLst/>
+                <a:latin typeface="JetBrains Mono"/>
+              </a:rPr>
+            </a:br>
+            <a:r>
+              <a:rPr kumimoji="0" lang="en-US" altLang="en-US" sz="1600" b="0" i="0" u="none" strike="noStrike" cap="none" normalizeH="0" baseline="0" dirty="0">
+                <a:ln>
+                  <a:noFill/>
+                </a:ln>
+                <a:solidFill>
+                  <a:srgbClr val="CC7832"/>
+                </a:solidFill>
+                <a:effectLst/>
+                <a:latin typeface="JetBrains Mono"/>
+              </a:rPr>
+              <a:t>object  </a:t>
+            </a:r>
+            <a:r>
+              <a:rPr kumimoji="0" lang="en-US" altLang="en-US" sz="1600" b="0" i="0" u="none" strike="noStrike" cap="none" normalizeH="0" baseline="0" dirty="0">
+                <a:ln>
+                  <a:noFill/>
+                </a:ln>
+                <a:solidFill>
+                  <a:srgbClr val="A9B7C6"/>
+                </a:solidFill>
+                <a:effectLst/>
+                <a:latin typeface="JetBrains Mono"/>
+              </a:rPr>
+              <a:t>main</a:t>
+            </a:r>
+            <a:br>
+              <a:rPr kumimoji="0" lang="en-US" altLang="en-US" sz="1600" b="0" i="0" u="none" strike="noStrike" cap="none" normalizeH="0" baseline="0" dirty="0">
+                <a:ln>
+                  <a:noFill/>
+                </a:ln>
+                <a:solidFill>
+                  <a:srgbClr val="A9B7C6"/>
+                </a:solidFill>
+                <a:effectLst/>
+                <a:latin typeface="JetBrains Mono"/>
+              </a:rPr>
+            </a:br>
+            <a:r>
+              <a:rPr kumimoji="0" lang="en-US" altLang="en-US" sz="1600" b="0" i="0" u="none" strike="noStrike" cap="none" normalizeH="0" baseline="0" dirty="0">
+                <a:ln>
+                  <a:noFill/>
+                </a:ln>
+                <a:solidFill>
+                  <a:srgbClr val="A9B7C6"/>
+                </a:solidFill>
+                <a:effectLst/>
+                <a:latin typeface="JetBrains Mono"/>
+              </a:rPr>
+              <a:t>{</a:t>
+            </a:r>
+            <a:br>
+              <a:rPr kumimoji="0" lang="en-US" altLang="en-US" sz="1600" b="0" i="0" u="none" strike="noStrike" cap="none" normalizeH="0" baseline="0" dirty="0">
+                <a:ln>
+                  <a:noFill/>
+                </a:ln>
+                <a:solidFill>
+                  <a:srgbClr val="A9B7C6"/>
+                </a:solidFill>
+                <a:effectLst/>
+                <a:latin typeface="JetBrains Mono"/>
+              </a:rPr>
+            </a:br>
+            <a:r>
+              <a:rPr kumimoji="0" lang="en-US" altLang="en-US" sz="1600" b="0" i="0" u="none" strike="noStrike" cap="none" normalizeH="0" baseline="0" dirty="0">
+                <a:ln>
+                  <a:noFill/>
+                </a:ln>
+                <a:solidFill>
+                  <a:srgbClr val="A9B7C6"/>
+                </a:solidFill>
+                <a:effectLst/>
+                <a:latin typeface="JetBrains Mono"/>
+              </a:rPr>
+              <a:t>  </a:t>
+            </a:r>
+            <a:r>
+              <a:rPr kumimoji="0" lang="en-US" altLang="en-US" sz="1600" b="0" i="0" u="none" strike="noStrike" cap="none" normalizeH="0" baseline="0" dirty="0">
+                <a:ln>
+                  <a:noFill/>
+                </a:ln>
+                <a:solidFill>
+                  <a:srgbClr val="CC7832"/>
+                </a:solidFill>
+                <a:effectLst/>
+                <a:latin typeface="JetBrains Mono"/>
+              </a:rPr>
+              <a:t>def </a:t>
+            </a:r>
+            <a:r>
+              <a:rPr kumimoji="0" lang="en-US" altLang="en-US" sz="1600" b="0" i="0" u="none" strike="noStrike" cap="none" normalizeH="0" baseline="0" dirty="0">
+                <a:ln>
+                  <a:noFill/>
+                </a:ln>
+                <a:solidFill>
+                  <a:srgbClr val="FFC66D"/>
+                </a:solidFill>
+                <a:effectLst/>
+                <a:latin typeface="JetBrains Mono"/>
+              </a:rPr>
+              <a:t>main</a:t>
+            </a:r>
+            <a:r>
+              <a:rPr kumimoji="0" lang="en-US" altLang="en-US" sz="1600" b="0" i="0" u="none" strike="noStrike" cap="none" normalizeH="0" baseline="0" dirty="0">
+                <a:ln>
+                  <a:noFill/>
+                </a:ln>
+                <a:solidFill>
+                  <a:srgbClr val="A9B7C6"/>
+                </a:solidFill>
+                <a:effectLst/>
+                <a:latin typeface="JetBrains Mono"/>
+              </a:rPr>
+              <a:t>(</a:t>
+            </a:r>
+            <a:r>
+              <a:rPr kumimoji="0" lang="en-US" altLang="en-US" sz="1600" b="0" i="0" u="none" strike="noStrike" cap="none" normalizeH="0" baseline="0" dirty="0" err="1">
+                <a:ln>
+                  <a:noFill/>
+                </a:ln>
+                <a:solidFill>
+                  <a:srgbClr val="A9B7C6"/>
+                </a:solidFill>
+                <a:effectLst/>
+                <a:latin typeface="JetBrains Mono"/>
+              </a:rPr>
+              <a:t>args</a:t>
+            </a:r>
+            <a:r>
+              <a:rPr kumimoji="0" lang="en-US" altLang="en-US" sz="1600" b="0" i="0" u="none" strike="noStrike" cap="none" normalizeH="0" baseline="0" dirty="0">
+                <a:ln>
+                  <a:noFill/>
+                </a:ln>
+                <a:solidFill>
+                  <a:srgbClr val="A9B7C6"/>
+                </a:solidFill>
+                <a:effectLst/>
+                <a:latin typeface="JetBrains Mono"/>
+              </a:rPr>
+              <a:t>: Array[</a:t>
+            </a:r>
+            <a:r>
+              <a:rPr kumimoji="0" lang="en-US" altLang="en-US" sz="1600" b="0" i="0" u="none" strike="noStrike" cap="none" normalizeH="0" baseline="0" dirty="0">
+                <a:ln>
+                  <a:noFill/>
+                </a:ln>
+                <a:solidFill>
+                  <a:srgbClr val="4E807D"/>
+                </a:solidFill>
+                <a:effectLst/>
+                <a:latin typeface="JetBrains Mono"/>
+              </a:rPr>
+              <a:t>String</a:t>
+            </a:r>
+            <a:r>
+              <a:rPr kumimoji="0" lang="en-US" altLang="en-US" sz="1600" b="0" i="0" u="none" strike="noStrike" cap="none" normalizeH="0" baseline="0" dirty="0">
+                <a:ln>
+                  <a:noFill/>
+                </a:ln>
+                <a:solidFill>
+                  <a:srgbClr val="A9B7C6"/>
+                </a:solidFill>
+                <a:effectLst/>
+                <a:latin typeface="JetBrains Mono"/>
+              </a:rPr>
+              <a:t>]): </a:t>
+            </a:r>
+            <a:r>
+              <a:rPr kumimoji="0" lang="en-US" altLang="en-US" sz="1600" b="0" i="0" u="none" strike="noStrike" cap="none" normalizeH="0" baseline="0" dirty="0">
+                <a:ln>
+                  <a:noFill/>
+                </a:ln>
+                <a:solidFill>
+                  <a:srgbClr val="CC7832"/>
+                </a:solidFill>
+                <a:effectLst/>
+                <a:latin typeface="JetBrains Mono"/>
+              </a:rPr>
+              <a:t>Unit </a:t>
+            </a:r>
+            <a:r>
+              <a:rPr kumimoji="0" lang="en-US" altLang="en-US" sz="1600" b="0" i="0" u="none" strike="noStrike" cap="none" normalizeH="0" baseline="0" dirty="0">
+                <a:ln>
+                  <a:noFill/>
+                </a:ln>
+                <a:solidFill>
+                  <a:srgbClr val="A9B7C6"/>
+                </a:solidFill>
+                <a:effectLst/>
+                <a:latin typeface="JetBrains Mono"/>
+              </a:rPr>
+              <a:t>= {</a:t>
+            </a:r>
+            <a:br>
+              <a:rPr kumimoji="0" lang="en-US" altLang="en-US" sz="1600" b="0" i="0" u="none" strike="noStrike" cap="none" normalizeH="0" baseline="0" dirty="0">
+                <a:ln>
+                  <a:noFill/>
+                </a:ln>
+                <a:solidFill>
+                  <a:srgbClr val="A9B7C6"/>
+                </a:solidFill>
+                <a:effectLst/>
+                <a:latin typeface="JetBrains Mono"/>
+              </a:rPr>
+            </a:br>
+            <a:r>
+              <a:rPr kumimoji="0" lang="en-US" altLang="en-US" sz="1600" b="0" i="0" u="none" strike="noStrike" cap="none" normalizeH="0" baseline="0" dirty="0">
+                <a:ln>
+                  <a:noFill/>
+                </a:ln>
+                <a:solidFill>
+                  <a:srgbClr val="A9B7C6"/>
+                </a:solidFill>
+                <a:effectLst/>
+                <a:latin typeface="JetBrains Mono"/>
+              </a:rPr>
+              <a:t>    </a:t>
+            </a:r>
+            <a:r>
+              <a:rPr kumimoji="0" lang="en-US" altLang="en-US" sz="1600" b="0" i="0" u="none" strike="noStrike" cap="none" normalizeH="0" baseline="0" dirty="0">
+                <a:ln>
+                  <a:noFill/>
+                </a:ln>
+                <a:solidFill>
+                  <a:srgbClr val="CC7832"/>
+                </a:solidFill>
+                <a:effectLst/>
+                <a:latin typeface="JetBrains Mono"/>
+              </a:rPr>
+              <a:t>var </a:t>
+            </a:r>
+            <a:r>
+              <a:rPr kumimoji="0" lang="en-US" altLang="en-US" sz="1600" b="0" i="0" u="none" strike="noStrike" cap="none" normalizeH="0" baseline="0" dirty="0">
+                <a:ln>
+                  <a:noFill/>
+                </a:ln>
+                <a:solidFill>
+                  <a:srgbClr val="A9B7C6"/>
+                </a:solidFill>
+                <a:effectLst/>
+                <a:latin typeface="JetBrains Mono"/>
+              </a:rPr>
+              <a:t>obj = </a:t>
+            </a:r>
+            <a:r>
+              <a:rPr kumimoji="0" lang="en-US" altLang="en-US" sz="1600" b="0" i="0" u="none" strike="noStrike" cap="none" normalizeH="0" baseline="0" dirty="0">
+                <a:ln>
+                  <a:noFill/>
+                </a:ln>
+                <a:solidFill>
+                  <a:srgbClr val="CC7832"/>
+                </a:solidFill>
+                <a:effectLst/>
+                <a:latin typeface="JetBrains Mono"/>
+              </a:rPr>
+              <a:t>new </a:t>
+            </a:r>
+            <a:r>
+              <a:rPr kumimoji="0" lang="en-US" altLang="en-US" sz="1600" b="0" i="0" u="none" strike="noStrike" cap="none" normalizeH="0" baseline="0" dirty="0" err="1">
+                <a:ln>
+                  <a:noFill/>
+                </a:ln>
+                <a:solidFill>
+                  <a:srgbClr val="A9B7C6"/>
+                </a:solidFill>
+                <a:effectLst/>
+                <a:latin typeface="JetBrains Mono"/>
+              </a:rPr>
+              <a:t>Clousre_feature</a:t>
+            </a:r>
+            <a:r>
+              <a:rPr kumimoji="0" lang="en-US" altLang="en-US" sz="1600" b="0" i="0" u="none" strike="noStrike" cap="none" normalizeH="0" baseline="0" dirty="0">
+                <a:ln>
+                  <a:noFill/>
+                </a:ln>
+                <a:solidFill>
+                  <a:srgbClr val="A9B7C6"/>
+                </a:solidFill>
+                <a:effectLst/>
+                <a:latin typeface="JetBrains Mono"/>
+              </a:rPr>
+              <a:t>()</a:t>
+            </a:r>
+            <a:br>
+              <a:rPr kumimoji="0" lang="en-US" altLang="en-US" sz="1600" b="0" i="0" u="none" strike="noStrike" cap="none" normalizeH="0" baseline="0" dirty="0">
+                <a:ln>
+                  <a:noFill/>
+                </a:ln>
+                <a:solidFill>
+                  <a:srgbClr val="A9B7C6"/>
+                </a:solidFill>
+                <a:effectLst/>
+                <a:latin typeface="JetBrains Mono"/>
+              </a:rPr>
+            </a:br>
+            <a:r>
+              <a:rPr kumimoji="0" lang="en-US" altLang="en-US" sz="1600" b="0" i="0" u="none" strike="noStrike" cap="none" normalizeH="0" baseline="0" dirty="0">
+                <a:ln>
+                  <a:noFill/>
+                </a:ln>
+                <a:solidFill>
+                  <a:srgbClr val="A9B7C6"/>
+                </a:solidFill>
+                <a:effectLst/>
+                <a:latin typeface="JetBrains Mono"/>
+              </a:rPr>
+              <a:t>    </a:t>
+            </a:r>
+            <a:r>
+              <a:rPr kumimoji="0" lang="en-US" altLang="en-US" sz="1600" b="0" i="0" u="none" strike="noStrike" cap="none" normalizeH="0" baseline="0" dirty="0" err="1">
+                <a:ln>
+                  <a:noFill/>
+                </a:ln>
+                <a:solidFill>
+                  <a:srgbClr val="A9B7C6"/>
+                </a:solidFill>
+                <a:effectLst/>
+                <a:latin typeface="JetBrains Mono"/>
+              </a:rPr>
+              <a:t>obj.function_name</a:t>
+            </a:r>
+            <a:r>
+              <a:rPr kumimoji="0" lang="en-US" altLang="en-US" sz="1600" b="0" i="0" u="none" strike="noStrike" cap="none" normalizeH="0" baseline="0" dirty="0">
+                <a:ln>
+                  <a:noFill/>
+                </a:ln>
+                <a:solidFill>
+                  <a:srgbClr val="A9B7C6"/>
+                </a:solidFill>
+                <a:effectLst/>
+                <a:latin typeface="JetBrains Mono"/>
+              </a:rPr>
+              <a:t>(</a:t>
+            </a:r>
+            <a:r>
+              <a:rPr kumimoji="0" lang="en-US" altLang="en-US" sz="1600" b="0" i="0" u="none" strike="noStrike" cap="none" normalizeH="0" baseline="0" dirty="0">
+                <a:ln>
+                  <a:noFill/>
+                </a:ln>
+                <a:solidFill>
+                  <a:srgbClr val="6897BB"/>
+                </a:solidFill>
+                <a:effectLst/>
+                <a:latin typeface="JetBrains Mono"/>
+              </a:rPr>
+              <a:t>3</a:t>
+            </a:r>
+            <a:r>
+              <a:rPr kumimoji="0" lang="en-US" altLang="en-US" sz="1600" b="0" i="0" u="none" strike="noStrike" cap="none" normalizeH="0" baseline="0" dirty="0">
+                <a:ln>
+                  <a:noFill/>
+                </a:ln>
+                <a:solidFill>
+                  <a:srgbClr val="A9B7C6"/>
+                </a:solidFill>
+                <a:effectLst/>
+                <a:latin typeface="JetBrains Mono"/>
+              </a:rPr>
+              <a:t>)</a:t>
+            </a:r>
+            <a:br>
+              <a:rPr kumimoji="0" lang="en-US" altLang="en-US" sz="1600" b="0" i="0" u="none" strike="noStrike" cap="none" normalizeH="0" baseline="0" dirty="0">
+                <a:ln>
+                  <a:noFill/>
+                </a:ln>
+                <a:solidFill>
+                  <a:srgbClr val="A9B7C6"/>
+                </a:solidFill>
+                <a:effectLst/>
+                <a:latin typeface="JetBrains Mono"/>
+              </a:rPr>
+            </a:br>
+            <a:r>
+              <a:rPr kumimoji="0" lang="en-US" altLang="en-US" sz="1600" b="0" i="0" u="none" strike="noStrike" cap="none" normalizeH="0" baseline="0" dirty="0">
+                <a:ln>
+                  <a:noFill/>
+                </a:ln>
+                <a:solidFill>
+                  <a:srgbClr val="A9B7C6"/>
+                </a:solidFill>
+                <a:effectLst/>
+                <a:latin typeface="JetBrains Mono"/>
+              </a:rPr>
+              <a:t>  }</a:t>
+            </a:r>
+            <a:br>
+              <a:rPr kumimoji="0" lang="en-US" altLang="en-US" sz="1600" b="0" i="0" u="none" strike="noStrike" cap="none" normalizeH="0" baseline="0" dirty="0">
+                <a:ln>
+                  <a:noFill/>
+                </a:ln>
+                <a:solidFill>
+                  <a:srgbClr val="A9B7C6"/>
+                </a:solidFill>
+                <a:effectLst/>
+                <a:latin typeface="JetBrains Mono"/>
+              </a:rPr>
+            </a:br>
+            <a:br>
+              <a:rPr kumimoji="0" lang="en-US" altLang="en-US" sz="1600" b="0" i="0" u="none" strike="noStrike" cap="none" normalizeH="0" baseline="0" dirty="0">
+                <a:ln>
+                  <a:noFill/>
+                </a:ln>
+                <a:solidFill>
+                  <a:srgbClr val="A9B7C6"/>
+                </a:solidFill>
+                <a:effectLst/>
+                <a:latin typeface="JetBrains Mono"/>
+              </a:rPr>
+            </a:br>
+            <a:r>
+              <a:rPr kumimoji="0" lang="en-US" altLang="en-US" sz="1600" b="0" i="0" u="none" strike="noStrike" cap="none" normalizeH="0" baseline="0" dirty="0">
+                <a:ln>
+                  <a:noFill/>
+                </a:ln>
+                <a:solidFill>
+                  <a:srgbClr val="A9B7C6"/>
+                </a:solidFill>
+                <a:effectLst/>
+                <a:latin typeface="JetBrains Mono"/>
+              </a:rPr>
+              <a:t>}</a:t>
+            </a:r>
+            <a:endParaRPr kumimoji="0" lang="en-US" altLang="en-US" sz="1600" b="0" i="0" u="none" strike="noStrike" cap="none" normalizeH="0" baseline="0" dirty="0">
+              <a:ln>
+                <a:noFill/>
+              </a:ln>
+              <a:solidFill>
+                <a:schemeClr val="tx1"/>
+              </a:solidFill>
+              <a:effectLst/>
+              <a:latin typeface="Arial" panose="020B0604020202020204" pitchFamily="34" charset="0"/>
+            </a:endParaRPr>
+          </a:p>
+        </p:txBody>
+      </p:sp>
+      <p:sp>
+        <p:nvSpPr>
+          <p:cNvPr id="7" name="TextBox 6">
+            <a:extLst>
+              <a:ext uri="{FF2B5EF4-FFF2-40B4-BE49-F238E27FC236}">
+                <a16:creationId xmlns:a16="http://schemas.microsoft.com/office/drawing/2014/main" id="{BC324EF2-0CEF-4313-8FAB-F41CA2F3CB3A}"/>
+              </a:ext>
+            </a:extLst>
+          </p:cNvPr>
+          <p:cNvSpPr txBox="1"/>
+          <p:nvPr/>
+        </p:nvSpPr>
+        <p:spPr>
+          <a:xfrm>
+            <a:off x="4012708" y="1090993"/>
+            <a:ext cx="4962616" cy="2031325"/>
+          </a:xfrm>
+          <a:prstGeom prst="rect">
+            <a:avLst/>
+          </a:prstGeom>
+          <a:noFill/>
+        </p:spPr>
+        <p:txBody>
+          <a:bodyPr wrap="square">
+            <a:spAutoFit/>
+          </a:bodyPr>
+          <a:lstStyle/>
+          <a:p>
+            <a:r>
+              <a:rPr lang="en-US" b="0" i="0" dirty="0">
+                <a:solidFill>
+                  <a:srgbClr val="373E3F"/>
+                </a:solidFill>
+                <a:effectLst/>
+                <a:latin typeface="-apple-system"/>
+              </a:rPr>
+              <a:t>Scala closures are functions whose return value is dependent on one or more free variables declared outside the closure function. Neither of these free variables is defined in the function nor is it used as a parameter, nor is it bound to a function with valid values. Based on the values of the most recent free variables, the closing function is evaluated. </a:t>
+            </a:r>
+            <a:endParaRPr lang="en-IN" dirty="0"/>
+          </a:p>
+        </p:txBody>
+      </p:sp>
+    </p:spTree>
+    <p:extLst>
+      <p:ext uri="{BB962C8B-B14F-4D97-AF65-F5344CB8AC3E}">
+        <p14:creationId xmlns:p14="http://schemas.microsoft.com/office/powerpoint/2010/main" val="3597410506"/>
+      </p:ext>
+    </p:extLst>
+  </p:cSld>
+  <p:clrMapOvr>
+    <a:masterClrMapping/>
+  </p:clrMapOvr>
+</p:sld>
+</file>
+
+<file path=ppt/slides/slide72.xml><?xml version="1.0" encoding="utf-8"?>
+<p:sld xmlns:a="http://schemas.openxmlformats.org/drawingml/2006/main" xmlns:r="http://schemas.openxmlformats.org/officeDocument/2006/relationships" xmlns:p="http://schemas.openxmlformats.org/presentationml/2006/main">
+  <p:cSld>
+    <p:spTree>
+      <p:nvGrpSpPr>
+        <p:cNvPr id="1" name=""/>
+        <p:cNvGrpSpPr/>
+        <p:nvPr/>
+      </p:nvGrpSpPr>
+      <p:grpSpPr>
+        <a:xfrm>
+          <a:off x="0" y="0"/>
+          <a:ext cx="0" cy="0"/>
+          <a:chOff x="0" y="0"/>
+          <a:chExt cx="0" cy="0"/>
+        </a:xfrm>
+      </p:grpSpPr>
+      <p:sp>
+        <p:nvSpPr>
           <p:cNvPr id="3" name="TextBox 2">
             <a:extLst>
               <a:ext uri="{FF2B5EF4-FFF2-40B4-BE49-F238E27FC236}">
@@ -31421,7 +32181,7 @@
 </p:sld>
 </file>
 
-<file path=ppt/slides/slide71.xml><?xml version="1.0" encoding="utf-8"?>
+<file path=ppt/slides/slide73.xml><?xml version="1.0" encoding="utf-8"?>
 <p:sld xmlns:a="http://schemas.openxmlformats.org/drawingml/2006/main" xmlns:r="http://schemas.openxmlformats.org/officeDocument/2006/relationships" xmlns:p="http://schemas.openxmlformats.org/presentationml/2006/main">
   <p:cSld>
     <p:spTree>
@@ -32496,7 +33256,7 @@
 </p:sld>
 </file>
 
-<file path=ppt/slides/slide72.xml><?xml version="1.0" encoding="utf-8"?>
+<file path=ppt/slides/slide74.xml><?xml version="1.0" encoding="utf-8"?>
 <p:sld xmlns:a="http://schemas.openxmlformats.org/drawingml/2006/main" xmlns:r="http://schemas.openxmlformats.org/officeDocument/2006/relationships" xmlns:p="http://schemas.openxmlformats.org/presentationml/2006/main">
   <p:cSld>
     <p:spTree>
@@ -32662,7 +33422,7 @@
 </p:sld>
 </file>
 
-<file path=ppt/slides/slide73.xml><?xml version="1.0" encoding="utf-8"?>
+<file path=ppt/slides/slide75.xml><?xml version="1.0" encoding="utf-8"?>
 <p:sld xmlns:a="http://schemas.openxmlformats.org/drawingml/2006/main" xmlns:r="http://schemas.openxmlformats.org/officeDocument/2006/relationships" xmlns:p="http://schemas.openxmlformats.org/presentationml/2006/main">
   <p:cSld>
     <p:spTree>
@@ -32679,10 +33439,2612 @@
           <a:chExt cx="0" cy="0"/>
         </a:xfrm>
       </p:grpSpPr>
+      <p:sp>
+        <p:nvSpPr>
+          <p:cNvPr id="3" name="TextBox 2">
+            <a:extLst>
+              <a:ext uri="{FF2B5EF4-FFF2-40B4-BE49-F238E27FC236}">
+                <a16:creationId xmlns:a16="http://schemas.microsoft.com/office/drawing/2014/main" id="{A2B20E96-8859-4254-9A9C-40E00A467C75}"/>
+              </a:ext>
+            </a:extLst>
+          </p:cNvPr>
+          <p:cNvSpPr txBox="1"/>
+          <p:nvPr/>
+        </p:nvSpPr>
+        <p:spPr>
+          <a:xfrm>
+            <a:off x="93215" y="210389"/>
+            <a:ext cx="4572000" cy="369332"/>
+          </a:xfrm>
+          <a:prstGeom prst="rect">
+            <a:avLst/>
+          </a:prstGeom>
+          <a:noFill/>
+        </p:spPr>
+        <p:txBody>
+          <a:bodyPr wrap="square">
+            <a:spAutoFit/>
+          </a:bodyPr>
+          <a:lstStyle/>
+          <a:p>
+            <a:r>
+              <a:rPr lang="en-IN" dirty="0"/>
+              <a:t>Inheritance in Scala</a:t>
+            </a:r>
+          </a:p>
+        </p:txBody>
+      </p:sp>
+      <p:sp>
+        <p:nvSpPr>
+          <p:cNvPr id="5" name="TextBox 4">
+            <a:extLst>
+              <a:ext uri="{FF2B5EF4-FFF2-40B4-BE49-F238E27FC236}">
+                <a16:creationId xmlns:a16="http://schemas.microsoft.com/office/drawing/2014/main" id="{C39C6B4C-228B-41CE-A5A1-F8B597F6DDFA}"/>
+              </a:ext>
+            </a:extLst>
+          </p:cNvPr>
+          <p:cNvSpPr txBox="1"/>
+          <p:nvPr/>
+        </p:nvSpPr>
+        <p:spPr>
+          <a:xfrm>
+            <a:off x="2614473" y="181081"/>
+            <a:ext cx="6436311" cy="3416320"/>
+          </a:xfrm>
+          <a:prstGeom prst="rect">
+            <a:avLst/>
+          </a:prstGeom>
+          <a:noFill/>
+        </p:spPr>
+        <p:txBody>
+          <a:bodyPr wrap="square">
+            <a:spAutoFit/>
+          </a:bodyPr>
+          <a:lstStyle/>
+          <a:p>
+            <a:r>
+              <a:rPr lang="en-US" dirty="0"/>
+              <a:t>Inheritance is an important pillar of OOP(Object Oriented Programming). It is the mechanism in Scala by which one class is allowed to inherit the features(fields and methods) of another class. </a:t>
+            </a:r>
+          </a:p>
+          <a:p>
+            <a:r>
+              <a:rPr lang="en-US" dirty="0"/>
+              <a:t>Important terminology: </a:t>
+            </a:r>
+          </a:p>
+          <a:p>
+            <a:r>
+              <a:rPr lang="en-US" dirty="0"/>
+              <a:t> </a:t>
+            </a:r>
+          </a:p>
+          <a:p>
+            <a:r>
+              <a:rPr lang="en-US" dirty="0"/>
+              <a:t>Super Class: The class whose features are inherited is known as superclass(or a base class or a parent class).</a:t>
+            </a:r>
+          </a:p>
+          <a:p>
+            <a:r>
+              <a:rPr lang="en-US" dirty="0"/>
+              <a:t>Sub Class: The class that inherits the other class is known as subclass(or a derived class, extended class, or child class). The subclass can add its own fields and methods in addition to the superclass fields and methods.</a:t>
+            </a:r>
+            <a:endParaRPr lang="en-IN" dirty="0"/>
+          </a:p>
+        </p:txBody>
+      </p:sp>
+      <p:sp>
+        <p:nvSpPr>
+          <p:cNvPr id="7" name="TextBox 6">
+            <a:extLst>
+              <a:ext uri="{FF2B5EF4-FFF2-40B4-BE49-F238E27FC236}">
+                <a16:creationId xmlns:a16="http://schemas.microsoft.com/office/drawing/2014/main" id="{F71CC590-AFBE-407E-B8B0-67CBC253D0F2}"/>
+              </a:ext>
+            </a:extLst>
+          </p:cNvPr>
+          <p:cNvSpPr txBox="1"/>
+          <p:nvPr/>
+        </p:nvSpPr>
+        <p:spPr>
+          <a:xfrm>
+            <a:off x="2614473" y="4155580"/>
+            <a:ext cx="6343096" cy="1477328"/>
+          </a:xfrm>
+          <a:prstGeom prst="rect">
+            <a:avLst/>
+          </a:prstGeom>
+          <a:noFill/>
+        </p:spPr>
+        <p:txBody>
+          <a:bodyPr wrap="square">
+            <a:spAutoFit/>
+          </a:bodyPr>
+          <a:lstStyle/>
+          <a:p>
+            <a:r>
+              <a:rPr lang="en-US" dirty="0"/>
+              <a:t>Reusability: Inheritance supports the concept of “reusability”, i.e. when we want to create a new class and there is already a class that includes some of the code that we want, we can derive our new class from the existing class. By doing this, we are reusing the fields and methods of the existing class.</a:t>
+            </a:r>
+            <a:endParaRPr lang="en-IN" dirty="0"/>
+          </a:p>
+        </p:txBody>
+      </p:sp>
     </p:spTree>
     <p:extLst>
       <p:ext uri="{BB962C8B-B14F-4D97-AF65-F5344CB8AC3E}">
         <p14:creationId xmlns:p14="http://schemas.microsoft.com/office/powerpoint/2010/main" val="3757444142"/>
+      </p:ext>
+    </p:extLst>
+  </p:cSld>
+  <p:clrMapOvr>
+    <a:masterClrMapping/>
+  </p:clrMapOvr>
+</p:sld>
+</file>
+
+<file path=ppt/slides/slide76.xml><?xml version="1.0" encoding="utf-8"?>
+<p:sld xmlns:a="http://schemas.openxmlformats.org/drawingml/2006/main" xmlns:r="http://schemas.openxmlformats.org/officeDocument/2006/relationships" xmlns:p="http://schemas.openxmlformats.org/presentationml/2006/main">
+  <p:cSld>
+    <p:spTree>
+      <p:nvGrpSpPr>
+        <p:cNvPr id="1" name=""/>
+        <p:cNvGrpSpPr/>
+        <p:nvPr/>
+      </p:nvGrpSpPr>
+      <p:grpSpPr>
+        <a:xfrm>
+          <a:off x="0" y="0"/>
+          <a:ext cx="0" cy="0"/>
+          <a:chOff x="0" y="0"/>
+          <a:chExt cx="0" cy="0"/>
+        </a:xfrm>
+      </p:grpSpPr>
+      <p:sp>
+        <p:nvSpPr>
+          <p:cNvPr id="3" name="TextBox 2">
+            <a:extLst>
+              <a:ext uri="{FF2B5EF4-FFF2-40B4-BE49-F238E27FC236}">
+                <a16:creationId xmlns:a16="http://schemas.microsoft.com/office/drawing/2014/main" id="{702AF210-210C-4489-8677-9246BD7F3739}"/>
+              </a:ext>
+            </a:extLst>
+          </p:cNvPr>
+          <p:cNvSpPr txBox="1"/>
+          <p:nvPr/>
+        </p:nvSpPr>
+        <p:spPr>
+          <a:xfrm>
+            <a:off x="306280" y="316511"/>
+            <a:ext cx="4572000" cy="2585323"/>
+          </a:xfrm>
+          <a:prstGeom prst="rect">
+            <a:avLst/>
+          </a:prstGeom>
+          <a:noFill/>
+        </p:spPr>
+        <p:txBody>
+          <a:bodyPr wrap="square">
+            <a:spAutoFit/>
+          </a:bodyPr>
+          <a:lstStyle/>
+          <a:p>
+            <a:r>
+              <a:rPr lang="en-US" dirty="0"/>
+              <a:t>How to use inheritance in Scala</a:t>
+            </a:r>
+          </a:p>
+          <a:p>
+            <a:r>
+              <a:rPr lang="en-US" dirty="0"/>
+              <a:t>The keyword used for inheritance is extends. </a:t>
+            </a:r>
+          </a:p>
+          <a:p>
+            <a:r>
+              <a:rPr lang="en-US" dirty="0"/>
+              <a:t>Syntax: </a:t>
+            </a:r>
+          </a:p>
+          <a:p>
+            <a:r>
+              <a:rPr lang="en-US" dirty="0"/>
+              <a:t> </a:t>
+            </a:r>
+          </a:p>
+          <a:p>
+            <a:endParaRPr lang="en-US" dirty="0"/>
+          </a:p>
+          <a:p>
+            <a:r>
+              <a:rPr lang="en-US" dirty="0"/>
+              <a:t>class </a:t>
+            </a:r>
+            <a:r>
+              <a:rPr lang="en-US" dirty="0" err="1"/>
+              <a:t>child_class_name</a:t>
+            </a:r>
+            <a:r>
+              <a:rPr lang="en-US" dirty="0"/>
+              <a:t> extends </a:t>
+            </a:r>
+            <a:r>
+              <a:rPr lang="en-US" dirty="0" err="1"/>
+              <a:t>parent_class_name</a:t>
+            </a:r>
+            <a:r>
+              <a:rPr lang="en-US" dirty="0"/>
+              <a:t> {</a:t>
+            </a:r>
+          </a:p>
+          <a:p>
+            <a:r>
+              <a:rPr lang="en-US" dirty="0"/>
+              <a:t>// Methods and fields</a:t>
+            </a:r>
+          </a:p>
+          <a:p>
+            <a:r>
+              <a:rPr lang="en-US" dirty="0"/>
+              <a:t>}</a:t>
+            </a:r>
+            <a:endParaRPr lang="en-IN" dirty="0"/>
+          </a:p>
+        </p:txBody>
+      </p:sp>
+      <p:sp>
+        <p:nvSpPr>
+          <p:cNvPr id="5" name="TextBox 4">
+            <a:extLst>
+              <a:ext uri="{FF2B5EF4-FFF2-40B4-BE49-F238E27FC236}">
+                <a16:creationId xmlns:a16="http://schemas.microsoft.com/office/drawing/2014/main" id="{A8BE376D-3789-486E-BF51-B9C04CA39B05}"/>
+              </a:ext>
+            </a:extLst>
+          </p:cNvPr>
+          <p:cNvSpPr txBox="1"/>
+          <p:nvPr/>
+        </p:nvSpPr>
+        <p:spPr>
+          <a:xfrm>
+            <a:off x="4722921" y="316511"/>
+            <a:ext cx="4572000" cy="6340197"/>
+          </a:xfrm>
+          <a:prstGeom prst="rect">
+            <a:avLst/>
+          </a:prstGeom>
+          <a:noFill/>
+        </p:spPr>
+        <p:txBody>
+          <a:bodyPr wrap="square">
+            <a:spAutoFit/>
+          </a:bodyPr>
+          <a:lstStyle/>
+          <a:p>
+            <a:r>
+              <a:rPr lang="en-IN" sz="1400" dirty="0">
+                <a:solidFill>
+                  <a:srgbClr val="FF0000"/>
+                </a:solidFill>
+              </a:rPr>
+              <a:t>class </a:t>
+            </a:r>
+            <a:r>
+              <a:rPr lang="en-IN" sz="1400" dirty="0" err="1">
+                <a:solidFill>
+                  <a:srgbClr val="FF0000"/>
+                </a:solidFill>
+              </a:rPr>
+              <a:t>Data_Science</a:t>
+            </a:r>
+            <a:r>
+              <a:rPr lang="en-IN" sz="1400" dirty="0">
+                <a:solidFill>
+                  <a:srgbClr val="FF0000"/>
+                </a:solidFill>
+              </a:rPr>
+              <a:t> {</a:t>
+            </a:r>
+          </a:p>
+          <a:p>
+            <a:r>
+              <a:rPr lang="en-IN" sz="1400" dirty="0">
+                <a:solidFill>
+                  <a:srgbClr val="FF0000"/>
+                </a:solidFill>
+              </a:rPr>
+              <a:t>  var Name: String = "</a:t>
+            </a:r>
+            <a:r>
+              <a:rPr lang="en-IN" sz="1400" dirty="0" err="1">
+                <a:solidFill>
+                  <a:srgbClr val="FF0000"/>
+                </a:solidFill>
+              </a:rPr>
+              <a:t>Mtech</a:t>
+            </a:r>
+            <a:r>
+              <a:rPr lang="en-IN" sz="1400" dirty="0">
+                <a:solidFill>
+                  <a:srgbClr val="FF0000"/>
+                </a:solidFill>
+              </a:rPr>
+              <a:t>"</a:t>
+            </a:r>
+          </a:p>
+          <a:p>
+            <a:endParaRPr lang="en-IN" sz="1400" dirty="0">
+              <a:solidFill>
+                <a:srgbClr val="FF0000"/>
+              </a:solidFill>
+            </a:endParaRPr>
+          </a:p>
+          <a:p>
+            <a:r>
+              <a:rPr lang="en-IN" sz="1400" dirty="0">
+                <a:solidFill>
+                  <a:srgbClr val="FF0000"/>
+                </a:solidFill>
+              </a:rPr>
+              <a:t>}</a:t>
+            </a:r>
+          </a:p>
+          <a:p>
+            <a:r>
+              <a:rPr lang="en-IN" sz="1400" b="1" dirty="0"/>
+              <a:t>class </a:t>
+            </a:r>
+            <a:r>
+              <a:rPr lang="en-IN" sz="1400" b="1" dirty="0" err="1"/>
+              <a:t>mtech</a:t>
+            </a:r>
+            <a:r>
+              <a:rPr lang="en-IN" sz="1400" b="1" dirty="0"/>
+              <a:t> extends </a:t>
+            </a:r>
+            <a:r>
+              <a:rPr lang="en-IN" sz="1400" b="1" dirty="0" err="1"/>
+              <a:t>Data_Science</a:t>
+            </a:r>
+            <a:endParaRPr lang="en-IN" sz="1400" b="1" dirty="0"/>
+          </a:p>
+          <a:p>
+            <a:r>
+              <a:rPr lang="en-IN" sz="1400" b="1" dirty="0"/>
+              <a:t>{</a:t>
+            </a:r>
+          </a:p>
+          <a:p>
+            <a:endParaRPr lang="en-IN" sz="1400" b="1" dirty="0"/>
+          </a:p>
+          <a:p>
+            <a:r>
+              <a:rPr lang="en-IN" sz="1400" b="1" dirty="0"/>
+              <a:t>  var </a:t>
+            </a:r>
+            <a:r>
+              <a:rPr lang="en-IN" sz="1400" b="1" dirty="0" err="1"/>
+              <a:t>Roll_No</a:t>
+            </a:r>
+            <a:r>
+              <a:rPr lang="en-IN" sz="1400" b="1" dirty="0"/>
+              <a:t>: Int = 130</a:t>
+            </a:r>
+          </a:p>
+          <a:p>
+            <a:r>
+              <a:rPr lang="en-IN" sz="1400" b="1" dirty="0"/>
+              <a:t>  // Method// Method</a:t>
+            </a:r>
+          </a:p>
+          <a:p>
+            <a:endParaRPr lang="en-IN" sz="1400" b="1" dirty="0"/>
+          </a:p>
+          <a:p>
+            <a:r>
+              <a:rPr lang="en-IN" sz="1400" b="1" dirty="0"/>
+              <a:t>  def details()</a:t>
+            </a:r>
+          </a:p>
+          <a:p>
+            <a:r>
+              <a:rPr lang="en-IN" sz="1400" b="1" dirty="0"/>
+              <a:t>  {</a:t>
+            </a:r>
+          </a:p>
+          <a:p>
+            <a:r>
+              <a:rPr lang="en-IN" sz="1400" b="1" dirty="0"/>
+              <a:t>    </a:t>
+            </a:r>
+            <a:r>
+              <a:rPr lang="en-IN" sz="1400" b="1" dirty="0" err="1"/>
+              <a:t>println</a:t>
+            </a:r>
+            <a:r>
+              <a:rPr lang="en-IN" sz="1400" b="1" dirty="0"/>
+              <a:t>("Stream name: " +Name);</a:t>
+            </a:r>
+          </a:p>
+          <a:p>
+            <a:r>
+              <a:rPr lang="en-IN" sz="1400" b="1" dirty="0"/>
+              <a:t>    </a:t>
+            </a:r>
+            <a:r>
+              <a:rPr lang="en-IN" sz="1400" b="1" dirty="0" err="1"/>
+              <a:t>println</a:t>
+            </a:r>
+            <a:r>
+              <a:rPr lang="en-IN" sz="1400" b="1" dirty="0"/>
+              <a:t>("Roll number of student: " +</a:t>
+            </a:r>
+            <a:r>
+              <a:rPr lang="en-IN" sz="1400" b="1" dirty="0" err="1"/>
+              <a:t>Roll_No</a:t>
+            </a:r>
+            <a:r>
+              <a:rPr lang="en-IN" sz="1400" b="1" dirty="0"/>
+              <a:t>);</a:t>
+            </a:r>
+          </a:p>
+          <a:p>
+            <a:r>
+              <a:rPr lang="en-IN" sz="1400" b="1" dirty="0"/>
+              <a:t>  }</a:t>
+            </a:r>
+          </a:p>
+          <a:p>
+            <a:r>
+              <a:rPr lang="en-IN" sz="1400" b="1" dirty="0"/>
+              <a:t>}</a:t>
+            </a:r>
+          </a:p>
+          <a:p>
+            <a:endParaRPr lang="en-IN" sz="1400" dirty="0"/>
+          </a:p>
+          <a:p>
+            <a:r>
+              <a:rPr lang="en-IN" sz="1400" dirty="0"/>
+              <a:t>object </a:t>
+            </a:r>
+            <a:r>
+              <a:rPr lang="en-IN" sz="1400" dirty="0" err="1"/>
+              <a:t>Main_Inheritance</a:t>
+            </a:r>
+            <a:endParaRPr lang="en-IN" sz="1400" dirty="0"/>
+          </a:p>
+          <a:p>
+            <a:r>
+              <a:rPr lang="en-IN" sz="1400" dirty="0"/>
+              <a:t>{</a:t>
+            </a:r>
+          </a:p>
+          <a:p>
+            <a:endParaRPr lang="en-IN" sz="1400" dirty="0"/>
+          </a:p>
+          <a:p>
+            <a:r>
+              <a:rPr lang="en-IN" sz="1400" dirty="0"/>
+              <a:t>  // Driver code</a:t>
+            </a:r>
+          </a:p>
+          <a:p>
+            <a:r>
+              <a:rPr lang="en-IN" sz="1400" dirty="0"/>
+              <a:t>  def main(</a:t>
+            </a:r>
+            <a:r>
+              <a:rPr lang="en-IN" sz="1400" dirty="0" err="1"/>
+              <a:t>args</a:t>
+            </a:r>
+            <a:r>
+              <a:rPr lang="en-IN" sz="1400" dirty="0"/>
+              <a:t>: Array[String])</a:t>
+            </a:r>
+          </a:p>
+          <a:p>
+            <a:r>
+              <a:rPr lang="en-IN" sz="1400" dirty="0"/>
+              <a:t>  {</a:t>
+            </a:r>
+          </a:p>
+          <a:p>
+            <a:endParaRPr lang="en-IN" sz="1400" dirty="0"/>
+          </a:p>
+          <a:p>
+            <a:r>
+              <a:rPr lang="en-IN" sz="1400" dirty="0"/>
+              <a:t>    // Creating object of derived class</a:t>
+            </a:r>
+          </a:p>
+          <a:p>
+            <a:r>
+              <a:rPr lang="en-IN" sz="1400" dirty="0"/>
+              <a:t>    </a:t>
+            </a:r>
+            <a:r>
+              <a:rPr lang="en-IN" sz="1400" dirty="0" err="1"/>
+              <a:t>val</a:t>
+            </a:r>
+            <a:r>
+              <a:rPr lang="en-IN" sz="1400" dirty="0"/>
+              <a:t> </a:t>
+            </a:r>
+            <a:r>
+              <a:rPr lang="en-IN" sz="1400" dirty="0" err="1"/>
+              <a:t>ob</a:t>
+            </a:r>
+            <a:r>
+              <a:rPr lang="en-IN" sz="1400" dirty="0"/>
+              <a:t> = new </a:t>
+            </a:r>
+            <a:r>
+              <a:rPr lang="en-IN" sz="1400" dirty="0" err="1"/>
+              <a:t>mtech</a:t>
+            </a:r>
+            <a:r>
+              <a:rPr lang="en-IN" sz="1400" dirty="0"/>
+              <a:t>();</a:t>
+            </a:r>
+          </a:p>
+          <a:p>
+            <a:r>
+              <a:rPr lang="en-IN" sz="1400" dirty="0"/>
+              <a:t>    </a:t>
+            </a:r>
+            <a:r>
+              <a:rPr lang="en-IN" sz="1400" dirty="0" err="1"/>
+              <a:t>ob.details</a:t>
+            </a:r>
+            <a:r>
+              <a:rPr lang="en-IN" sz="1400" dirty="0"/>
+              <a:t>();</a:t>
+            </a:r>
+          </a:p>
+          <a:p>
+            <a:r>
+              <a:rPr lang="en-IN" sz="1400" dirty="0"/>
+              <a:t>  }</a:t>
+            </a:r>
+          </a:p>
+          <a:p>
+            <a:r>
+              <a:rPr lang="en-IN" sz="1400" dirty="0"/>
+              <a:t>}</a:t>
+            </a:r>
+          </a:p>
+        </p:txBody>
+      </p:sp>
+    </p:spTree>
+    <p:extLst>
+      <p:ext uri="{BB962C8B-B14F-4D97-AF65-F5344CB8AC3E}">
+        <p14:creationId xmlns:p14="http://schemas.microsoft.com/office/powerpoint/2010/main" val="2879454179"/>
+      </p:ext>
+    </p:extLst>
+  </p:cSld>
+  <p:clrMapOvr>
+    <a:masterClrMapping/>
+  </p:clrMapOvr>
+</p:sld>
+</file>
+
+<file path=ppt/slides/slide77.xml><?xml version="1.0" encoding="utf-8"?>
+<p:sld xmlns:a="http://schemas.openxmlformats.org/drawingml/2006/main" xmlns:r="http://schemas.openxmlformats.org/officeDocument/2006/relationships" xmlns:p="http://schemas.openxmlformats.org/presentationml/2006/main">
+  <p:cSld>
+    <p:spTree>
+      <p:nvGrpSpPr>
+        <p:cNvPr id="1" name=""/>
+        <p:cNvGrpSpPr/>
+        <p:nvPr/>
+      </p:nvGrpSpPr>
+      <p:grpSpPr>
+        <a:xfrm>
+          <a:off x="0" y="0"/>
+          <a:ext cx="0" cy="0"/>
+          <a:chOff x="0" y="0"/>
+          <a:chExt cx="0" cy="0"/>
+        </a:xfrm>
+      </p:grpSpPr>
+      <p:sp>
+        <p:nvSpPr>
+          <p:cNvPr id="5" name="TextBox 4">
+            <a:extLst>
+              <a:ext uri="{FF2B5EF4-FFF2-40B4-BE49-F238E27FC236}">
+                <a16:creationId xmlns:a16="http://schemas.microsoft.com/office/drawing/2014/main" id="{10F7203A-4558-459E-92A9-71C3E96B4DEA}"/>
+              </a:ext>
+            </a:extLst>
+          </p:cNvPr>
+          <p:cNvSpPr txBox="1"/>
+          <p:nvPr/>
+        </p:nvSpPr>
+        <p:spPr>
+          <a:xfrm>
+            <a:off x="137603" y="-17574"/>
+            <a:ext cx="8527003" cy="1754326"/>
+          </a:xfrm>
+          <a:prstGeom prst="rect">
+            <a:avLst/>
+          </a:prstGeom>
+          <a:noFill/>
+        </p:spPr>
+        <p:txBody>
+          <a:bodyPr wrap="square">
+            <a:spAutoFit/>
+          </a:bodyPr>
+          <a:lstStyle/>
+          <a:p>
+            <a:r>
+              <a:rPr lang="en-US" dirty="0"/>
+              <a:t>Type of inheritance</a:t>
+            </a:r>
+          </a:p>
+          <a:p>
+            <a:r>
+              <a:rPr lang="en-US" dirty="0"/>
+              <a:t>Below are the different types of inheritance which are supported by Scala. </a:t>
+            </a:r>
+          </a:p>
+          <a:p>
+            <a:r>
+              <a:rPr lang="en-US" dirty="0"/>
+              <a:t> </a:t>
+            </a:r>
+          </a:p>
+          <a:p>
+            <a:r>
+              <a:rPr lang="en-US" dirty="0"/>
+              <a:t>Single Inheritance: In single inheritance, derived class inherits the features of one base class. In the image below, class </a:t>
+            </a:r>
+            <a:r>
+              <a:rPr lang="en-US" dirty="0">
+                <a:solidFill>
+                  <a:schemeClr val="tx1"/>
+                </a:solidFill>
+              </a:rPr>
+              <a:t>Data Science </a:t>
+            </a:r>
+            <a:r>
+              <a:rPr lang="en-US" dirty="0"/>
+              <a:t>serves as a base class for the derived class </a:t>
+            </a:r>
+            <a:r>
+              <a:rPr lang="en-US" dirty="0" err="1">
+                <a:solidFill>
+                  <a:schemeClr val="tx1"/>
+                </a:solidFill>
+              </a:rPr>
+              <a:t>metch</a:t>
+            </a:r>
+            <a:r>
+              <a:rPr lang="en-US" dirty="0"/>
+              <a:t>. </a:t>
+            </a:r>
+            <a:endParaRPr lang="en-IN" dirty="0"/>
+          </a:p>
+        </p:txBody>
+      </p:sp>
+      <p:grpSp>
+        <p:nvGrpSpPr>
+          <p:cNvPr id="12" name="Group 11">
+            <a:extLst>
+              <a:ext uri="{FF2B5EF4-FFF2-40B4-BE49-F238E27FC236}">
+                <a16:creationId xmlns:a16="http://schemas.microsoft.com/office/drawing/2014/main" id="{916D89AE-FD05-4F00-81E8-C05EDD198978}"/>
+              </a:ext>
+            </a:extLst>
+          </p:cNvPr>
+          <p:cNvGrpSpPr/>
+          <p:nvPr/>
+        </p:nvGrpSpPr>
+        <p:grpSpPr>
+          <a:xfrm>
+            <a:off x="2583401" y="2432481"/>
+            <a:ext cx="1988599" cy="2087732"/>
+            <a:chOff x="2583401" y="2432481"/>
+            <a:chExt cx="1988599" cy="2087732"/>
+          </a:xfrm>
+        </p:grpSpPr>
+        <p:sp>
+          <p:nvSpPr>
+            <p:cNvPr id="6" name="Rectangle 5">
+              <a:extLst>
+                <a:ext uri="{FF2B5EF4-FFF2-40B4-BE49-F238E27FC236}">
+                  <a16:creationId xmlns:a16="http://schemas.microsoft.com/office/drawing/2014/main" id="{3471AC8E-3A28-4DA0-8E2C-A3133FC5D686}"/>
+                </a:ext>
+              </a:extLst>
+            </p:cNvPr>
+            <p:cNvSpPr/>
+            <p:nvPr/>
+          </p:nvSpPr>
+          <p:spPr>
+            <a:xfrm>
+              <a:off x="2583401" y="2432481"/>
+              <a:ext cx="1988599" cy="834501"/>
+            </a:xfrm>
+            <a:prstGeom prst="rect">
+              <a:avLst/>
+            </a:prstGeom>
+            <a:noFill/>
+          </p:spPr>
+          <p:style>
+            <a:lnRef idx="2">
+              <a:schemeClr val="accent1">
+                <a:shade val="50000"/>
+              </a:schemeClr>
+            </a:lnRef>
+            <a:fillRef idx="1">
+              <a:schemeClr val="accent1"/>
+            </a:fillRef>
+            <a:effectRef idx="0">
+              <a:schemeClr val="accent1"/>
+            </a:effectRef>
+            <a:fontRef idx="minor">
+              <a:schemeClr val="lt1"/>
+            </a:fontRef>
+          </p:style>
+          <p:txBody>
+            <a:bodyPr rtlCol="0" anchor="ctr"/>
+            <a:lstStyle/>
+            <a:p>
+              <a:pPr algn="ctr"/>
+              <a:r>
+                <a:rPr lang="en-US" dirty="0">
+                  <a:solidFill>
+                    <a:schemeClr val="tx1"/>
+                  </a:solidFill>
+                </a:rPr>
+                <a:t>Data Science</a:t>
+              </a:r>
+            </a:p>
+            <a:p>
+              <a:pPr algn="ctr"/>
+              <a:r>
+                <a:rPr lang="en-US" dirty="0">
+                  <a:solidFill>
+                    <a:schemeClr val="tx1"/>
+                  </a:solidFill>
+                </a:rPr>
+                <a:t>(Base Class)</a:t>
+              </a:r>
+              <a:endParaRPr lang="en-IN" dirty="0">
+                <a:solidFill>
+                  <a:schemeClr val="tx1"/>
+                </a:solidFill>
+              </a:endParaRPr>
+            </a:p>
+          </p:txBody>
+        </p:sp>
+        <p:sp>
+          <p:nvSpPr>
+            <p:cNvPr id="7" name="Rectangle 6">
+              <a:extLst>
+                <a:ext uri="{FF2B5EF4-FFF2-40B4-BE49-F238E27FC236}">
+                  <a16:creationId xmlns:a16="http://schemas.microsoft.com/office/drawing/2014/main" id="{570B8404-E636-408F-9A9A-BEC15C63C489}"/>
+                </a:ext>
+              </a:extLst>
+            </p:cNvPr>
+            <p:cNvSpPr/>
+            <p:nvPr/>
+          </p:nvSpPr>
+          <p:spPr>
+            <a:xfrm>
+              <a:off x="2583401" y="3685712"/>
+              <a:ext cx="1988599" cy="834501"/>
+            </a:xfrm>
+            <a:prstGeom prst="rect">
+              <a:avLst/>
+            </a:prstGeom>
+            <a:noFill/>
+          </p:spPr>
+          <p:style>
+            <a:lnRef idx="2">
+              <a:schemeClr val="accent1">
+                <a:shade val="50000"/>
+              </a:schemeClr>
+            </a:lnRef>
+            <a:fillRef idx="1">
+              <a:schemeClr val="accent1"/>
+            </a:fillRef>
+            <a:effectRef idx="0">
+              <a:schemeClr val="accent1"/>
+            </a:effectRef>
+            <a:fontRef idx="minor">
+              <a:schemeClr val="lt1"/>
+            </a:fontRef>
+          </p:style>
+          <p:txBody>
+            <a:bodyPr rtlCol="0" anchor="ctr"/>
+            <a:lstStyle/>
+            <a:p>
+              <a:pPr algn="ctr"/>
+              <a:r>
+                <a:rPr lang="en-US" dirty="0" err="1">
+                  <a:solidFill>
+                    <a:schemeClr val="tx1"/>
+                  </a:solidFill>
+                </a:rPr>
+                <a:t>metch</a:t>
+              </a:r>
+              <a:endParaRPr lang="en-US" dirty="0">
+                <a:solidFill>
+                  <a:schemeClr val="tx1"/>
+                </a:solidFill>
+              </a:endParaRPr>
+            </a:p>
+            <a:p>
+              <a:pPr algn="ctr"/>
+              <a:r>
+                <a:rPr lang="en-US" dirty="0">
+                  <a:solidFill>
+                    <a:schemeClr val="tx1"/>
+                  </a:solidFill>
+                </a:rPr>
+                <a:t>(Derive Class)</a:t>
+              </a:r>
+              <a:endParaRPr lang="en-IN" dirty="0">
+                <a:solidFill>
+                  <a:schemeClr val="tx1"/>
+                </a:solidFill>
+              </a:endParaRPr>
+            </a:p>
+          </p:txBody>
+        </p:sp>
+        <p:cxnSp>
+          <p:nvCxnSpPr>
+            <p:cNvPr id="10" name="Straight Arrow Connector 9">
+              <a:extLst>
+                <a:ext uri="{FF2B5EF4-FFF2-40B4-BE49-F238E27FC236}">
+                  <a16:creationId xmlns:a16="http://schemas.microsoft.com/office/drawing/2014/main" id="{95E009BE-C7C4-423C-B0A0-798C931DD889}"/>
+                </a:ext>
+              </a:extLst>
+            </p:cNvPr>
+            <p:cNvCxnSpPr/>
+            <p:nvPr/>
+          </p:nvCxnSpPr>
+          <p:spPr>
+            <a:xfrm>
+              <a:off x="3364637" y="3293616"/>
+              <a:ext cx="0" cy="392096"/>
+            </a:xfrm>
+            <a:prstGeom prst="straightConnector1">
+              <a:avLst/>
+            </a:prstGeom>
+            <a:ln>
+              <a:tailEnd type="triangle"/>
+            </a:ln>
+          </p:spPr>
+          <p:style>
+            <a:lnRef idx="1">
+              <a:schemeClr val="accent1"/>
+            </a:lnRef>
+            <a:fillRef idx="0">
+              <a:schemeClr val="accent1"/>
+            </a:fillRef>
+            <a:effectRef idx="0">
+              <a:schemeClr val="accent1"/>
+            </a:effectRef>
+            <a:fontRef idx="minor">
+              <a:schemeClr val="tx1"/>
+            </a:fontRef>
+          </p:style>
+        </p:cxnSp>
+      </p:grpSp>
+      <p:sp>
+        <p:nvSpPr>
+          <p:cNvPr id="11" name="TextBox 10">
+            <a:extLst>
+              <a:ext uri="{FF2B5EF4-FFF2-40B4-BE49-F238E27FC236}">
+                <a16:creationId xmlns:a16="http://schemas.microsoft.com/office/drawing/2014/main" id="{36CAC7AA-5005-4E28-B014-7A13EFED4C24}"/>
+              </a:ext>
+            </a:extLst>
+          </p:cNvPr>
+          <p:cNvSpPr txBox="1"/>
+          <p:nvPr/>
+        </p:nvSpPr>
+        <p:spPr>
+          <a:xfrm>
+            <a:off x="4922670" y="1459754"/>
+            <a:ext cx="3941685" cy="5001369"/>
+          </a:xfrm>
+          <a:prstGeom prst="rect">
+            <a:avLst/>
+          </a:prstGeom>
+          <a:noFill/>
+        </p:spPr>
+        <p:txBody>
+          <a:bodyPr wrap="square">
+            <a:spAutoFit/>
+          </a:bodyPr>
+          <a:lstStyle/>
+          <a:p>
+            <a:r>
+              <a:rPr lang="en-IN" sz="1100" dirty="0"/>
+              <a:t>class </a:t>
+            </a:r>
+            <a:r>
+              <a:rPr lang="en-IN" sz="1100" dirty="0" err="1"/>
+              <a:t>Data_Science</a:t>
+            </a:r>
+            <a:r>
+              <a:rPr lang="en-IN" sz="1100" dirty="0"/>
+              <a:t> {</a:t>
+            </a:r>
+          </a:p>
+          <a:p>
+            <a:r>
+              <a:rPr lang="en-IN" sz="1100" dirty="0"/>
+              <a:t>  var Name: String = "</a:t>
+            </a:r>
+            <a:r>
+              <a:rPr lang="en-IN" sz="1100" dirty="0" err="1"/>
+              <a:t>Mtech</a:t>
+            </a:r>
+            <a:r>
+              <a:rPr lang="en-IN" sz="1100" dirty="0"/>
+              <a:t>"</a:t>
+            </a:r>
+          </a:p>
+          <a:p>
+            <a:endParaRPr lang="en-IN" sz="1100" dirty="0"/>
+          </a:p>
+          <a:p>
+            <a:r>
+              <a:rPr lang="en-IN" sz="1100" dirty="0"/>
+              <a:t>}</a:t>
+            </a:r>
+          </a:p>
+          <a:p>
+            <a:r>
+              <a:rPr lang="en-IN" sz="1100" dirty="0"/>
+              <a:t>class </a:t>
+            </a:r>
+            <a:r>
+              <a:rPr lang="en-IN" sz="1100" dirty="0" err="1"/>
+              <a:t>mtech</a:t>
+            </a:r>
+            <a:r>
+              <a:rPr lang="en-IN" sz="1100" dirty="0"/>
+              <a:t> extends </a:t>
+            </a:r>
+            <a:r>
+              <a:rPr lang="en-IN" sz="1100" dirty="0" err="1"/>
+              <a:t>Data_Science</a:t>
+            </a:r>
+            <a:endParaRPr lang="en-IN" sz="1100" dirty="0"/>
+          </a:p>
+          <a:p>
+            <a:r>
+              <a:rPr lang="en-IN" sz="1100" dirty="0"/>
+              <a:t>{</a:t>
+            </a:r>
+          </a:p>
+          <a:p>
+            <a:endParaRPr lang="en-IN" sz="1100" dirty="0"/>
+          </a:p>
+          <a:p>
+            <a:r>
+              <a:rPr lang="en-IN" sz="1100" dirty="0"/>
+              <a:t>  var </a:t>
+            </a:r>
+            <a:r>
+              <a:rPr lang="en-IN" sz="1100" dirty="0" err="1"/>
+              <a:t>Roll_No</a:t>
+            </a:r>
+            <a:r>
+              <a:rPr lang="en-IN" sz="1100" dirty="0"/>
+              <a:t>: Int = 130</a:t>
+            </a:r>
+          </a:p>
+          <a:p>
+            <a:r>
+              <a:rPr lang="en-IN" sz="1100" dirty="0"/>
+              <a:t>  // Method// Method</a:t>
+            </a:r>
+          </a:p>
+          <a:p>
+            <a:endParaRPr lang="en-IN" sz="1100" dirty="0"/>
+          </a:p>
+          <a:p>
+            <a:r>
+              <a:rPr lang="en-IN" sz="1100" dirty="0"/>
+              <a:t>  def details()</a:t>
+            </a:r>
+          </a:p>
+          <a:p>
+            <a:r>
+              <a:rPr lang="en-IN" sz="1100" dirty="0"/>
+              <a:t>  {</a:t>
+            </a:r>
+          </a:p>
+          <a:p>
+            <a:r>
+              <a:rPr lang="en-IN" sz="1100" dirty="0"/>
+              <a:t>    </a:t>
+            </a:r>
+            <a:r>
+              <a:rPr lang="en-IN" sz="1100" dirty="0" err="1"/>
+              <a:t>println</a:t>
+            </a:r>
+            <a:r>
+              <a:rPr lang="en-IN" sz="1100" dirty="0"/>
+              <a:t>("Stream name: " +Name);</a:t>
+            </a:r>
+          </a:p>
+          <a:p>
+            <a:r>
+              <a:rPr lang="en-IN" sz="1100" dirty="0"/>
+              <a:t>    </a:t>
+            </a:r>
+            <a:r>
+              <a:rPr lang="en-IN" sz="1100" dirty="0" err="1"/>
+              <a:t>println</a:t>
+            </a:r>
+            <a:r>
+              <a:rPr lang="en-IN" sz="1100" dirty="0"/>
+              <a:t>("Roll number of student: " +</a:t>
+            </a:r>
+            <a:r>
+              <a:rPr lang="en-IN" sz="1100" dirty="0" err="1"/>
+              <a:t>Roll_No</a:t>
+            </a:r>
+            <a:r>
+              <a:rPr lang="en-IN" sz="1100" dirty="0"/>
+              <a:t>);</a:t>
+            </a:r>
+          </a:p>
+          <a:p>
+            <a:r>
+              <a:rPr lang="en-IN" sz="1100" dirty="0"/>
+              <a:t>  }</a:t>
+            </a:r>
+          </a:p>
+          <a:p>
+            <a:r>
+              <a:rPr lang="en-IN" sz="1100" dirty="0"/>
+              <a:t>}</a:t>
+            </a:r>
+          </a:p>
+          <a:p>
+            <a:endParaRPr lang="en-IN" sz="1100" dirty="0"/>
+          </a:p>
+          <a:p>
+            <a:r>
+              <a:rPr lang="en-IN" sz="1100" dirty="0"/>
+              <a:t>object </a:t>
+            </a:r>
+            <a:r>
+              <a:rPr lang="en-IN" sz="1100" dirty="0" err="1"/>
+              <a:t>Main_Inheritance</a:t>
+            </a:r>
+            <a:endParaRPr lang="en-IN" sz="1100" dirty="0"/>
+          </a:p>
+          <a:p>
+            <a:r>
+              <a:rPr lang="en-IN" sz="1100" dirty="0"/>
+              <a:t>{</a:t>
+            </a:r>
+          </a:p>
+          <a:p>
+            <a:endParaRPr lang="en-IN" sz="1100" dirty="0"/>
+          </a:p>
+          <a:p>
+            <a:r>
+              <a:rPr lang="en-IN" sz="1100" dirty="0"/>
+              <a:t>  // Driver code</a:t>
+            </a:r>
+          </a:p>
+          <a:p>
+            <a:r>
+              <a:rPr lang="en-IN" sz="1100" dirty="0"/>
+              <a:t>  def main(</a:t>
+            </a:r>
+            <a:r>
+              <a:rPr lang="en-IN" sz="1100" dirty="0" err="1"/>
+              <a:t>args</a:t>
+            </a:r>
+            <a:r>
+              <a:rPr lang="en-IN" sz="1100" dirty="0"/>
+              <a:t>: Array[String])</a:t>
+            </a:r>
+          </a:p>
+          <a:p>
+            <a:r>
+              <a:rPr lang="en-IN" sz="1100" dirty="0"/>
+              <a:t>  {</a:t>
+            </a:r>
+          </a:p>
+          <a:p>
+            <a:endParaRPr lang="en-IN" sz="1100" dirty="0"/>
+          </a:p>
+          <a:p>
+            <a:r>
+              <a:rPr lang="en-IN" sz="1100" dirty="0"/>
+              <a:t>    // Creating object of derived class</a:t>
+            </a:r>
+          </a:p>
+          <a:p>
+            <a:r>
+              <a:rPr lang="en-IN" sz="1100" dirty="0"/>
+              <a:t>    </a:t>
+            </a:r>
+            <a:r>
+              <a:rPr lang="en-IN" sz="1100" dirty="0" err="1"/>
+              <a:t>val</a:t>
+            </a:r>
+            <a:r>
+              <a:rPr lang="en-IN" sz="1100" dirty="0"/>
+              <a:t> </a:t>
+            </a:r>
+            <a:r>
+              <a:rPr lang="en-IN" sz="1100" dirty="0" err="1"/>
+              <a:t>ob</a:t>
+            </a:r>
+            <a:r>
+              <a:rPr lang="en-IN" sz="1100" dirty="0"/>
+              <a:t> = new </a:t>
+            </a:r>
+            <a:r>
+              <a:rPr lang="en-IN" sz="1100" dirty="0" err="1"/>
+              <a:t>mtech</a:t>
+            </a:r>
+            <a:r>
+              <a:rPr lang="en-IN" sz="1100" dirty="0"/>
+              <a:t>();</a:t>
+            </a:r>
+          </a:p>
+          <a:p>
+            <a:r>
+              <a:rPr lang="en-IN" sz="1100" dirty="0"/>
+              <a:t>    </a:t>
+            </a:r>
+            <a:r>
+              <a:rPr lang="en-IN" sz="1100" dirty="0" err="1"/>
+              <a:t>ob.details</a:t>
+            </a:r>
+            <a:r>
+              <a:rPr lang="en-IN" sz="1100" dirty="0"/>
+              <a:t>();</a:t>
+            </a:r>
+          </a:p>
+          <a:p>
+            <a:r>
+              <a:rPr lang="en-IN" sz="1100" dirty="0"/>
+              <a:t>  }</a:t>
+            </a:r>
+          </a:p>
+          <a:p>
+            <a:r>
+              <a:rPr lang="en-IN" sz="1100" dirty="0"/>
+              <a:t>}</a:t>
+            </a:r>
+          </a:p>
+        </p:txBody>
+      </p:sp>
+    </p:spTree>
+    <p:extLst>
+      <p:ext uri="{BB962C8B-B14F-4D97-AF65-F5344CB8AC3E}">
+        <p14:creationId xmlns:p14="http://schemas.microsoft.com/office/powerpoint/2010/main" val="1207096426"/>
+      </p:ext>
+    </p:extLst>
+  </p:cSld>
+  <p:clrMapOvr>
+    <a:masterClrMapping/>
+  </p:clrMapOvr>
+</p:sld>
+</file>
+
+<file path=ppt/slides/slide78.xml><?xml version="1.0" encoding="utf-8"?>
+<p:sld xmlns:a="http://schemas.openxmlformats.org/drawingml/2006/main" xmlns:r="http://schemas.openxmlformats.org/officeDocument/2006/relationships" xmlns:p="http://schemas.openxmlformats.org/presentationml/2006/main">
+  <p:cSld>
+    <p:spTree>
+      <p:nvGrpSpPr>
+        <p:cNvPr id="1" name=""/>
+        <p:cNvGrpSpPr/>
+        <p:nvPr/>
+      </p:nvGrpSpPr>
+      <p:grpSpPr>
+        <a:xfrm>
+          <a:off x="0" y="0"/>
+          <a:ext cx="0" cy="0"/>
+          <a:chOff x="0" y="0"/>
+          <a:chExt cx="0" cy="0"/>
+        </a:xfrm>
+      </p:grpSpPr>
+      <p:sp>
+        <p:nvSpPr>
+          <p:cNvPr id="3" name="TextBox 2">
+            <a:extLst>
+              <a:ext uri="{FF2B5EF4-FFF2-40B4-BE49-F238E27FC236}">
+                <a16:creationId xmlns:a16="http://schemas.microsoft.com/office/drawing/2014/main" id="{57998526-28EB-4571-A4B9-99376A4B5903}"/>
+              </a:ext>
+            </a:extLst>
+          </p:cNvPr>
+          <p:cNvSpPr txBox="1"/>
+          <p:nvPr/>
+        </p:nvSpPr>
+        <p:spPr>
+          <a:xfrm>
+            <a:off x="492711" y="316922"/>
+            <a:ext cx="2419165" cy="369332"/>
+          </a:xfrm>
+          <a:prstGeom prst="rect">
+            <a:avLst/>
+          </a:prstGeom>
+          <a:noFill/>
+        </p:spPr>
+        <p:txBody>
+          <a:bodyPr wrap="square">
+            <a:spAutoFit/>
+          </a:bodyPr>
+          <a:lstStyle/>
+          <a:p>
+            <a:r>
+              <a:rPr lang="en-IN" dirty="0"/>
+              <a:t>Multilevel Inheritance:</a:t>
+            </a:r>
+          </a:p>
+        </p:txBody>
+      </p:sp>
+      <p:sp>
+        <p:nvSpPr>
+          <p:cNvPr id="5" name="TextBox 4">
+            <a:extLst>
+              <a:ext uri="{FF2B5EF4-FFF2-40B4-BE49-F238E27FC236}">
+                <a16:creationId xmlns:a16="http://schemas.microsoft.com/office/drawing/2014/main" id="{39EC36C4-6F09-4466-BE5D-F18FCFC9F3B5}"/>
+              </a:ext>
+            </a:extLst>
+          </p:cNvPr>
+          <p:cNvSpPr txBox="1"/>
+          <p:nvPr/>
+        </p:nvSpPr>
+        <p:spPr>
+          <a:xfrm>
+            <a:off x="2831977" y="0"/>
+            <a:ext cx="6072326" cy="1477328"/>
+          </a:xfrm>
+          <a:prstGeom prst="rect">
+            <a:avLst/>
+          </a:prstGeom>
+          <a:noFill/>
+        </p:spPr>
+        <p:txBody>
+          <a:bodyPr wrap="square">
+            <a:spAutoFit/>
+          </a:bodyPr>
+          <a:lstStyle/>
+          <a:p>
+            <a:r>
+              <a:rPr lang="en-US" dirty="0"/>
+              <a:t>In Multilevel Inheritance, a derived class will be inheriting a base class and as well as the derived class also act as the base class to another class. In the below image, the class </a:t>
+            </a:r>
+            <a:r>
+              <a:rPr lang="en-US" dirty="0">
+                <a:solidFill>
+                  <a:schemeClr val="tx1"/>
+                </a:solidFill>
+              </a:rPr>
+              <a:t>Data Science </a:t>
+            </a:r>
+            <a:r>
+              <a:rPr lang="en-US" dirty="0"/>
+              <a:t> serves as a base class for the derived class </a:t>
+            </a:r>
+            <a:r>
+              <a:rPr lang="en-US" dirty="0">
+                <a:solidFill>
+                  <a:schemeClr val="tx1"/>
+                </a:solidFill>
+              </a:rPr>
+              <a:t>metch1</a:t>
+            </a:r>
+          </a:p>
+          <a:p>
+            <a:r>
+              <a:rPr lang="en-US" dirty="0"/>
+              <a:t>, which in turn serves as a base class for the derived class Info. </a:t>
+            </a:r>
+            <a:endParaRPr lang="en-IN" dirty="0"/>
+          </a:p>
+        </p:txBody>
+      </p:sp>
+      <p:grpSp>
+        <p:nvGrpSpPr>
+          <p:cNvPr id="18" name="Group 17">
+            <a:extLst>
+              <a:ext uri="{FF2B5EF4-FFF2-40B4-BE49-F238E27FC236}">
+                <a16:creationId xmlns:a16="http://schemas.microsoft.com/office/drawing/2014/main" id="{7A1D2E15-A6D5-4B83-A2BA-32D9C15EC70A}"/>
+              </a:ext>
+            </a:extLst>
+          </p:cNvPr>
+          <p:cNvGrpSpPr/>
+          <p:nvPr/>
+        </p:nvGrpSpPr>
+        <p:grpSpPr>
+          <a:xfrm>
+            <a:off x="399495" y="1491089"/>
+            <a:ext cx="2175029" cy="3490376"/>
+            <a:chOff x="399495" y="1491089"/>
+            <a:chExt cx="2175029" cy="3490376"/>
+          </a:xfrm>
+        </p:grpSpPr>
+        <p:grpSp>
+          <p:nvGrpSpPr>
+            <p:cNvPr id="6" name="Group 5">
+              <a:extLst>
+                <a:ext uri="{FF2B5EF4-FFF2-40B4-BE49-F238E27FC236}">
+                  <a16:creationId xmlns:a16="http://schemas.microsoft.com/office/drawing/2014/main" id="{A3702A41-0E68-4FD3-AAF4-0E7952C63BD4}"/>
+                </a:ext>
+              </a:extLst>
+            </p:cNvPr>
+            <p:cNvGrpSpPr/>
+            <p:nvPr/>
+          </p:nvGrpSpPr>
+          <p:grpSpPr>
+            <a:xfrm>
+              <a:off x="492711" y="1491089"/>
+              <a:ext cx="1988599" cy="2087732"/>
+              <a:chOff x="2583401" y="2432481"/>
+              <a:chExt cx="1988599" cy="2087732"/>
+            </a:xfrm>
+          </p:grpSpPr>
+          <p:sp>
+            <p:nvSpPr>
+              <p:cNvPr id="7" name="Rectangle 6">
+                <a:extLst>
+                  <a:ext uri="{FF2B5EF4-FFF2-40B4-BE49-F238E27FC236}">
+                    <a16:creationId xmlns:a16="http://schemas.microsoft.com/office/drawing/2014/main" id="{C30E36B6-60D8-4EB1-88C0-C6224633B3C3}"/>
+                  </a:ext>
+                </a:extLst>
+              </p:cNvPr>
+              <p:cNvSpPr/>
+              <p:nvPr/>
+            </p:nvSpPr>
+            <p:spPr>
+              <a:xfrm>
+                <a:off x="2583401" y="2432481"/>
+                <a:ext cx="1988599" cy="834501"/>
+              </a:xfrm>
+              <a:prstGeom prst="rect">
+                <a:avLst/>
+              </a:prstGeom>
+              <a:noFill/>
+            </p:spPr>
+            <p:style>
+              <a:lnRef idx="2">
+                <a:schemeClr val="accent1">
+                  <a:shade val="50000"/>
+                </a:schemeClr>
+              </a:lnRef>
+              <a:fillRef idx="1">
+                <a:schemeClr val="accent1"/>
+              </a:fillRef>
+              <a:effectRef idx="0">
+                <a:schemeClr val="accent1"/>
+              </a:effectRef>
+              <a:fontRef idx="minor">
+                <a:schemeClr val="lt1"/>
+              </a:fontRef>
+            </p:style>
+            <p:txBody>
+              <a:bodyPr rtlCol="0" anchor="ctr"/>
+              <a:lstStyle/>
+              <a:p>
+                <a:pPr algn="ctr"/>
+                <a:r>
+                  <a:rPr lang="en-US" dirty="0">
+                    <a:solidFill>
+                      <a:schemeClr val="tx1"/>
+                    </a:solidFill>
+                  </a:rPr>
+                  <a:t>Data Science</a:t>
+                </a:r>
+              </a:p>
+              <a:p>
+                <a:pPr algn="ctr"/>
+                <a:r>
+                  <a:rPr lang="en-US" dirty="0">
+                    <a:solidFill>
+                      <a:schemeClr val="tx1"/>
+                    </a:solidFill>
+                  </a:rPr>
+                  <a:t>(Base Class)</a:t>
+                </a:r>
+                <a:endParaRPr lang="en-IN" dirty="0">
+                  <a:solidFill>
+                    <a:schemeClr val="tx1"/>
+                  </a:solidFill>
+                </a:endParaRPr>
+              </a:p>
+            </p:txBody>
+          </p:sp>
+          <p:sp>
+            <p:nvSpPr>
+              <p:cNvPr id="8" name="Rectangle 7">
+                <a:extLst>
+                  <a:ext uri="{FF2B5EF4-FFF2-40B4-BE49-F238E27FC236}">
+                    <a16:creationId xmlns:a16="http://schemas.microsoft.com/office/drawing/2014/main" id="{B5FA23A7-FD64-48B4-AF31-6116F8BDA529}"/>
+                  </a:ext>
+                </a:extLst>
+              </p:cNvPr>
+              <p:cNvSpPr/>
+              <p:nvPr/>
+            </p:nvSpPr>
+            <p:spPr>
+              <a:xfrm>
+                <a:off x="2583401" y="3685712"/>
+                <a:ext cx="1988599" cy="834501"/>
+              </a:xfrm>
+              <a:prstGeom prst="rect">
+                <a:avLst/>
+              </a:prstGeom>
+              <a:noFill/>
+            </p:spPr>
+            <p:style>
+              <a:lnRef idx="2">
+                <a:schemeClr val="accent1">
+                  <a:shade val="50000"/>
+                </a:schemeClr>
+              </a:lnRef>
+              <a:fillRef idx="1">
+                <a:schemeClr val="accent1"/>
+              </a:fillRef>
+              <a:effectRef idx="0">
+                <a:schemeClr val="accent1"/>
+              </a:effectRef>
+              <a:fontRef idx="minor">
+                <a:schemeClr val="lt1"/>
+              </a:fontRef>
+            </p:style>
+            <p:txBody>
+              <a:bodyPr rtlCol="0" anchor="ctr"/>
+              <a:lstStyle/>
+              <a:p>
+                <a:pPr algn="ctr"/>
+                <a:r>
+                  <a:rPr lang="en-US" dirty="0">
+                    <a:solidFill>
+                      <a:schemeClr val="tx1"/>
+                    </a:solidFill>
+                  </a:rPr>
+                  <a:t>metch1</a:t>
+                </a:r>
+              </a:p>
+              <a:p>
+                <a:pPr algn="ctr"/>
+                <a:r>
+                  <a:rPr lang="en-US" dirty="0">
+                    <a:solidFill>
+                      <a:schemeClr val="tx1"/>
+                    </a:solidFill>
+                  </a:rPr>
+                  <a:t>(Derive Class)</a:t>
+                </a:r>
+                <a:endParaRPr lang="en-IN" dirty="0">
+                  <a:solidFill>
+                    <a:schemeClr val="tx1"/>
+                  </a:solidFill>
+                </a:endParaRPr>
+              </a:p>
+            </p:txBody>
+          </p:sp>
+          <p:cxnSp>
+            <p:nvCxnSpPr>
+              <p:cNvPr id="9" name="Straight Arrow Connector 8">
+                <a:extLst>
+                  <a:ext uri="{FF2B5EF4-FFF2-40B4-BE49-F238E27FC236}">
+                    <a16:creationId xmlns:a16="http://schemas.microsoft.com/office/drawing/2014/main" id="{A6907F18-640E-4D4D-B15C-00EF545DC182}"/>
+                  </a:ext>
+                </a:extLst>
+              </p:cNvPr>
+              <p:cNvCxnSpPr/>
+              <p:nvPr/>
+            </p:nvCxnSpPr>
+            <p:spPr>
+              <a:xfrm>
+                <a:off x="3364637" y="3293616"/>
+                <a:ext cx="0" cy="392096"/>
+              </a:xfrm>
+              <a:prstGeom prst="straightConnector1">
+                <a:avLst/>
+              </a:prstGeom>
+              <a:ln>
+                <a:tailEnd type="triangle"/>
+              </a:ln>
+            </p:spPr>
+            <p:style>
+              <a:lnRef idx="1">
+                <a:schemeClr val="accent1"/>
+              </a:lnRef>
+              <a:fillRef idx="0">
+                <a:schemeClr val="accent1"/>
+              </a:fillRef>
+              <a:effectRef idx="0">
+                <a:schemeClr val="accent1"/>
+              </a:effectRef>
+              <a:fontRef idx="minor">
+                <a:schemeClr val="tx1"/>
+              </a:fontRef>
+            </p:style>
+          </p:cxnSp>
+        </p:grpSp>
+        <p:sp>
+          <p:nvSpPr>
+            <p:cNvPr id="10" name="Rectangle 9">
+              <a:extLst>
+                <a:ext uri="{FF2B5EF4-FFF2-40B4-BE49-F238E27FC236}">
+                  <a16:creationId xmlns:a16="http://schemas.microsoft.com/office/drawing/2014/main" id="{BE49EE70-4AD8-4EB6-AE94-585C3206A77A}"/>
+                </a:ext>
+              </a:extLst>
+            </p:cNvPr>
+            <p:cNvSpPr/>
+            <p:nvPr/>
+          </p:nvSpPr>
+          <p:spPr>
+            <a:xfrm>
+              <a:off x="399495" y="4209108"/>
+              <a:ext cx="2175029" cy="772357"/>
+            </a:xfrm>
+            <a:prstGeom prst="rect">
+              <a:avLst/>
+            </a:prstGeom>
+            <a:noFill/>
+          </p:spPr>
+          <p:style>
+            <a:lnRef idx="2">
+              <a:schemeClr val="accent1">
+                <a:shade val="50000"/>
+              </a:schemeClr>
+            </a:lnRef>
+            <a:fillRef idx="1">
+              <a:schemeClr val="accent1"/>
+            </a:fillRef>
+            <a:effectRef idx="0">
+              <a:schemeClr val="accent1"/>
+            </a:effectRef>
+            <a:fontRef idx="minor">
+              <a:schemeClr val="lt1"/>
+            </a:fontRef>
+          </p:style>
+          <p:txBody>
+            <a:bodyPr rtlCol="0" anchor="ctr"/>
+            <a:lstStyle/>
+            <a:p>
+              <a:pPr algn="ctr"/>
+              <a:endParaRPr lang="en-IN" dirty="0"/>
+            </a:p>
+          </p:txBody>
+        </p:sp>
+        <p:sp>
+          <p:nvSpPr>
+            <p:cNvPr id="13" name="TextBox 12">
+              <a:extLst>
+                <a:ext uri="{FF2B5EF4-FFF2-40B4-BE49-F238E27FC236}">
+                  <a16:creationId xmlns:a16="http://schemas.microsoft.com/office/drawing/2014/main" id="{6A7DAEF9-8FFD-4E82-BE33-ABD9EDB02682}"/>
+                </a:ext>
+              </a:extLst>
+            </p:cNvPr>
+            <p:cNvSpPr txBox="1"/>
+            <p:nvPr/>
+          </p:nvSpPr>
+          <p:spPr>
+            <a:xfrm>
+              <a:off x="1110984" y="4277354"/>
+              <a:ext cx="822555" cy="369332"/>
+            </a:xfrm>
+            <a:prstGeom prst="rect">
+              <a:avLst/>
+            </a:prstGeom>
+            <a:noFill/>
+          </p:spPr>
+          <p:txBody>
+            <a:bodyPr wrap="square" rtlCol="0">
+              <a:spAutoFit/>
+            </a:bodyPr>
+            <a:lstStyle/>
+            <a:p>
+              <a:r>
+                <a:rPr lang="en-US" dirty="0"/>
+                <a:t>Info</a:t>
+              </a:r>
+              <a:endParaRPr lang="en-IN" dirty="0"/>
+            </a:p>
+          </p:txBody>
+        </p:sp>
+        <p:cxnSp>
+          <p:nvCxnSpPr>
+            <p:cNvPr id="15" name="Straight Arrow Connector 14">
+              <a:extLst>
+                <a:ext uri="{FF2B5EF4-FFF2-40B4-BE49-F238E27FC236}">
+                  <a16:creationId xmlns:a16="http://schemas.microsoft.com/office/drawing/2014/main" id="{30448A0B-95E3-4F55-91AF-821D4128EBDE}"/>
+                </a:ext>
+              </a:extLst>
+            </p:cNvPr>
+            <p:cNvCxnSpPr/>
+            <p:nvPr/>
+          </p:nvCxnSpPr>
+          <p:spPr>
+            <a:xfrm>
+              <a:off x="1356064" y="3578821"/>
+              <a:ext cx="0" cy="568143"/>
+            </a:xfrm>
+            <a:prstGeom prst="straightConnector1">
+              <a:avLst/>
+            </a:prstGeom>
+            <a:ln>
+              <a:tailEnd type="triangle"/>
+            </a:ln>
+          </p:spPr>
+          <p:style>
+            <a:lnRef idx="1">
+              <a:schemeClr val="accent1"/>
+            </a:lnRef>
+            <a:fillRef idx="0">
+              <a:schemeClr val="accent1"/>
+            </a:fillRef>
+            <a:effectRef idx="0">
+              <a:schemeClr val="accent1"/>
+            </a:effectRef>
+            <a:fontRef idx="minor">
+              <a:schemeClr val="tx1"/>
+            </a:fontRef>
+          </p:style>
+        </p:cxnSp>
+      </p:grpSp>
+      <p:sp>
+        <p:nvSpPr>
+          <p:cNvPr id="17" name="TextBox 16">
+            <a:extLst>
+              <a:ext uri="{FF2B5EF4-FFF2-40B4-BE49-F238E27FC236}">
+                <a16:creationId xmlns:a16="http://schemas.microsoft.com/office/drawing/2014/main" id="{1958F8D9-7C64-4658-B7AD-215539A4A6EA}"/>
+              </a:ext>
+            </a:extLst>
+          </p:cNvPr>
+          <p:cNvSpPr txBox="1"/>
+          <p:nvPr/>
+        </p:nvSpPr>
+        <p:spPr>
+          <a:xfrm>
+            <a:off x="2831977" y="1491089"/>
+            <a:ext cx="5912526" cy="4524315"/>
+          </a:xfrm>
+          <a:prstGeom prst="rect">
+            <a:avLst/>
+          </a:prstGeom>
+          <a:noFill/>
+        </p:spPr>
+        <p:txBody>
+          <a:bodyPr wrap="square">
+            <a:spAutoFit/>
+          </a:bodyPr>
+          <a:lstStyle/>
+          <a:p>
+            <a:r>
+              <a:rPr lang="en-IN" sz="1200" dirty="0"/>
+              <a:t>class Multilevel {</a:t>
+            </a:r>
+          </a:p>
+          <a:p>
+            <a:r>
+              <a:rPr lang="en-IN" sz="1200" dirty="0"/>
+              <a:t>  var Name: String = "</a:t>
+            </a:r>
+            <a:r>
+              <a:rPr lang="en-IN" sz="1200" dirty="0" err="1"/>
+              <a:t>Mtech</a:t>
+            </a:r>
+            <a:r>
+              <a:rPr lang="en-IN" sz="1200" dirty="0"/>
+              <a:t>"</a:t>
+            </a:r>
+          </a:p>
+          <a:p>
+            <a:r>
+              <a:rPr lang="en-IN" sz="1200" dirty="0"/>
+              <a:t>}</a:t>
+            </a:r>
+          </a:p>
+          <a:p>
+            <a:r>
+              <a:rPr lang="en-IN" sz="1200" dirty="0"/>
+              <a:t>class mtech1 extends Multilevel {</a:t>
+            </a:r>
+          </a:p>
+          <a:p>
+            <a:endParaRPr lang="en-IN" sz="1200" dirty="0"/>
+          </a:p>
+          <a:p>
+            <a:r>
+              <a:rPr lang="en-IN" sz="1200" dirty="0"/>
+              <a:t>  var </a:t>
+            </a:r>
+            <a:r>
+              <a:rPr lang="en-IN" sz="1200" dirty="0" err="1"/>
+              <a:t>Roll_No</a:t>
+            </a:r>
+            <a:r>
+              <a:rPr lang="en-IN" sz="1200" dirty="0"/>
+              <a:t>: Int = 130</a:t>
+            </a:r>
+          </a:p>
+          <a:p>
+            <a:r>
+              <a:rPr lang="en-IN" sz="1200" dirty="0"/>
+              <a:t>}</a:t>
+            </a:r>
+          </a:p>
+          <a:p>
+            <a:r>
+              <a:rPr lang="en-IN" sz="1200" dirty="0"/>
+              <a:t>class info extends mtech1</a:t>
+            </a:r>
+          </a:p>
+          <a:p>
+            <a:r>
+              <a:rPr lang="en-IN" sz="1200" dirty="0"/>
+              <a:t>{</a:t>
+            </a:r>
+          </a:p>
+          <a:p>
+            <a:r>
+              <a:rPr lang="en-IN" sz="1200" dirty="0"/>
+              <a:t>  // Method</a:t>
+            </a:r>
+          </a:p>
+          <a:p>
+            <a:r>
+              <a:rPr lang="en-IN" sz="1200" dirty="0"/>
+              <a:t>  def details()</a:t>
+            </a:r>
+          </a:p>
+          <a:p>
+            <a:r>
+              <a:rPr lang="en-IN" sz="1200" dirty="0"/>
+              <a:t>{</a:t>
+            </a:r>
+          </a:p>
+          <a:p>
+            <a:r>
+              <a:rPr lang="en-IN" sz="1200" dirty="0"/>
+              <a:t>    </a:t>
+            </a:r>
+            <a:r>
+              <a:rPr lang="en-IN" sz="1200" dirty="0" err="1"/>
+              <a:t>println</a:t>
+            </a:r>
+            <a:r>
+              <a:rPr lang="en-IN" sz="1200" dirty="0"/>
+              <a:t>("Name: " +Name);</a:t>
+            </a:r>
+          </a:p>
+          <a:p>
+            <a:r>
+              <a:rPr lang="en-IN" sz="1200" dirty="0"/>
+              <a:t>    </a:t>
+            </a:r>
+            <a:r>
+              <a:rPr lang="en-IN" sz="1200" dirty="0" err="1"/>
+              <a:t>println</a:t>
+            </a:r>
+            <a:r>
+              <a:rPr lang="en-IN" sz="1200" dirty="0"/>
+              <a:t>("</a:t>
+            </a:r>
+            <a:r>
+              <a:rPr lang="en-IN" sz="1200" dirty="0" err="1"/>
+              <a:t>Roll_number</a:t>
+            </a:r>
+            <a:r>
+              <a:rPr lang="en-IN" sz="1200" dirty="0"/>
+              <a:t>: " +</a:t>
+            </a:r>
+            <a:r>
+              <a:rPr lang="en-IN" sz="1200" dirty="0" err="1"/>
+              <a:t>Roll_No</a:t>
+            </a:r>
+            <a:r>
+              <a:rPr lang="en-IN" sz="1200" dirty="0"/>
+              <a:t>);</a:t>
+            </a:r>
+          </a:p>
+          <a:p>
+            <a:r>
+              <a:rPr lang="en-IN" sz="1200" dirty="0"/>
+              <a:t>  }</a:t>
+            </a:r>
+          </a:p>
+          <a:p>
+            <a:endParaRPr lang="en-IN" sz="1200" dirty="0"/>
+          </a:p>
+          <a:p>
+            <a:r>
+              <a:rPr lang="en-IN" sz="1200" dirty="0"/>
+              <a:t>}</a:t>
+            </a:r>
+          </a:p>
+          <a:p>
+            <a:r>
+              <a:rPr lang="en-IN" sz="1200" dirty="0"/>
+              <a:t>object </a:t>
+            </a:r>
+            <a:r>
+              <a:rPr lang="en-IN" sz="1200" dirty="0" err="1"/>
+              <a:t>Multilevel_Inheritance</a:t>
+            </a:r>
+            <a:endParaRPr lang="en-IN" sz="1200" dirty="0"/>
+          </a:p>
+          <a:p>
+            <a:r>
+              <a:rPr lang="en-IN" sz="1200" dirty="0"/>
+              <a:t>{</a:t>
+            </a:r>
+          </a:p>
+          <a:p>
+            <a:r>
+              <a:rPr lang="en-IN" sz="1200" dirty="0"/>
+              <a:t>  def main(</a:t>
+            </a:r>
+            <a:r>
+              <a:rPr lang="en-IN" sz="1200" dirty="0" err="1"/>
+              <a:t>args</a:t>
+            </a:r>
+            <a:r>
+              <a:rPr lang="en-IN" sz="1200" dirty="0"/>
+              <a:t>: Array[String]): Unit = {</a:t>
+            </a:r>
+          </a:p>
+          <a:p>
+            <a:r>
+              <a:rPr lang="en-IN" sz="1200" dirty="0"/>
+              <a:t>    </a:t>
+            </a:r>
+            <a:r>
+              <a:rPr lang="en-IN" sz="1200" dirty="0" err="1"/>
+              <a:t>val</a:t>
+            </a:r>
+            <a:r>
+              <a:rPr lang="en-IN" sz="1200" dirty="0"/>
+              <a:t> </a:t>
+            </a:r>
+            <a:r>
+              <a:rPr lang="en-IN" sz="1200" dirty="0" err="1"/>
+              <a:t>ob</a:t>
+            </a:r>
+            <a:r>
+              <a:rPr lang="en-IN" sz="1200" dirty="0"/>
+              <a:t> = new info();</a:t>
+            </a:r>
+          </a:p>
+          <a:p>
+            <a:r>
+              <a:rPr lang="en-IN" sz="1200" dirty="0"/>
+              <a:t>    </a:t>
+            </a:r>
+            <a:r>
+              <a:rPr lang="en-IN" sz="1200" dirty="0" err="1"/>
+              <a:t>ob.details</a:t>
+            </a:r>
+            <a:r>
+              <a:rPr lang="en-IN" sz="1200" dirty="0"/>
+              <a:t>();</a:t>
+            </a:r>
+          </a:p>
+          <a:p>
+            <a:r>
+              <a:rPr lang="en-IN" sz="1200" dirty="0"/>
+              <a:t>  }</a:t>
+            </a:r>
+          </a:p>
+          <a:p>
+            <a:r>
+              <a:rPr lang="en-IN" sz="1200" dirty="0"/>
+              <a:t>}</a:t>
+            </a:r>
+          </a:p>
+        </p:txBody>
+      </p:sp>
+    </p:spTree>
+    <p:extLst>
+      <p:ext uri="{BB962C8B-B14F-4D97-AF65-F5344CB8AC3E}">
+        <p14:creationId xmlns:p14="http://schemas.microsoft.com/office/powerpoint/2010/main" val="886130779"/>
+      </p:ext>
+    </p:extLst>
+  </p:cSld>
+  <p:clrMapOvr>
+    <a:masterClrMapping/>
+  </p:clrMapOvr>
+</p:sld>
+</file>
+
+<file path=ppt/slides/slide79.xml><?xml version="1.0" encoding="utf-8"?>
+<p:sld xmlns:a="http://schemas.openxmlformats.org/drawingml/2006/main" xmlns:r="http://schemas.openxmlformats.org/officeDocument/2006/relationships" xmlns:p="http://schemas.openxmlformats.org/presentationml/2006/main">
+  <p:cSld>
+    <p:spTree>
+      <p:nvGrpSpPr>
+        <p:cNvPr id="1" name=""/>
+        <p:cNvGrpSpPr/>
+        <p:nvPr/>
+      </p:nvGrpSpPr>
+      <p:grpSpPr>
+        <a:xfrm>
+          <a:off x="0" y="0"/>
+          <a:ext cx="0" cy="0"/>
+          <a:chOff x="0" y="0"/>
+          <a:chExt cx="0" cy="0"/>
+        </a:xfrm>
+      </p:grpSpPr>
+      <p:sp>
+        <p:nvSpPr>
+          <p:cNvPr id="3" name="TextBox 2">
+            <a:extLst>
+              <a:ext uri="{FF2B5EF4-FFF2-40B4-BE49-F238E27FC236}">
+                <a16:creationId xmlns:a16="http://schemas.microsoft.com/office/drawing/2014/main" id="{8D823E92-8597-4C9D-9ABB-FEFF78ED3630}"/>
+              </a:ext>
+            </a:extLst>
+          </p:cNvPr>
+          <p:cNvSpPr txBox="1"/>
+          <p:nvPr/>
+        </p:nvSpPr>
+        <p:spPr>
+          <a:xfrm>
+            <a:off x="0" y="-25971"/>
+            <a:ext cx="8127507" cy="923330"/>
+          </a:xfrm>
+          <a:prstGeom prst="rect">
+            <a:avLst/>
+          </a:prstGeom>
+          <a:noFill/>
+        </p:spPr>
+        <p:txBody>
+          <a:bodyPr wrap="square">
+            <a:spAutoFit/>
+          </a:bodyPr>
+          <a:lstStyle/>
+          <a:p>
+            <a:r>
+              <a:rPr lang="en-US" dirty="0"/>
+              <a:t>Hierarchical Inheritance: In Hierarchical Inheritance, one class serves as a superclass (base class) for more than one </a:t>
+            </a:r>
+            <a:r>
+              <a:rPr lang="en-US" dirty="0" err="1"/>
+              <a:t>subclass.In</a:t>
+            </a:r>
+            <a:r>
+              <a:rPr lang="en-US" dirty="0"/>
+              <a:t> below image, class </a:t>
+            </a:r>
+            <a:r>
+              <a:rPr lang="en-IN" dirty="0"/>
+              <a:t>Hierarchical</a:t>
+            </a:r>
+          </a:p>
+          <a:p>
+            <a:r>
+              <a:rPr lang="en-US" dirty="0"/>
+              <a:t> serves as a base class for the derived class </a:t>
+            </a:r>
+            <a:r>
+              <a:rPr lang="en-IN" dirty="0"/>
+              <a:t>child1 </a:t>
+            </a:r>
+            <a:r>
+              <a:rPr lang="en-US" dirty="0"/>
+              <a:t>, </a:t>
+            </a:r>
+            <a:r>
+              <a:rPr lang="en-IN" dirty="0"/>
+              <a:t>child2</a:t>
+            </a:r>
+            <a:r>
+              <a:rPr lang="en-US" dirty="0"/>
+              <a:t>. </a:t>
+            </a:r>
+            <a:endParaRPr lang="en-IN" dirty="0"/>
+          </a:p>
+        </p:txBody>
+      </p:sp>
+      <p:grpSp>
+        <p:nvGrpSpPr>
+          <p:cNvPr id="15" name="Group 14">
+            <a:extLst>
+              <a:ext uri="{FF2B5EF4-FFF2-40B4-BE49-F238E27FC236}">
+                <a16:creationId xmlns:a16="http://schemas.microsoft.com/office/drawing/2014/main" id="{B2A51844-5D5C-436B-ADF8-815C6349FCCC}"/>
+              </a:ext>
+            </a:extLst>
+          </p:cNvPr>
+          <p:cNvGrpSpPr/>
+          <p:nvPr/>
+        </p:nvGrpSpPr>
+        <p:grpSpPr>
+          <a:xfrm>
+            <a:off x="186432" y="1410953"/>
+            <a:ext cx="4494318" cy="1631130"/>
+            <a:chOff x="186432" y="1410953"/>
+            <a:chExt cx="4494318" cy="1631130"/>
+          </a:xfrm>
+        </p:grpSpPr>
+        <p:sp>
+          <p:nvSpPr>
+            <p:cNvPr id="6" name="Rectangle 5">
+              <a:extLst>
+                <a:ext uri="{FF2B5EF4-FFF2-40B4-BE49-F238E27FC236}">
+                  <a16:creationId xmlns:a16="http://schemas.microsoft.com/office/drawing/2014/main" id="{0618B18B-0357-4A06-8C77-284963089E46}"/>
+                </a:ext>
+              </a:extLst>
+            </p:cNvPr>
+            <p:cNvSpPr/>
+            <p:nvPr/>
+          </p:nvSpPr>
+          <p:spPr>
+            <a:xfrm>
+              <a:off x="1043127" y="1410953"/>
+              <a:ext cx="1713390" cy="577048"/>
+            </a:xfrm>
+            <a:prstGeom prst="rect">
+              <a:avLst/>
+            </a:prstGeom>
+            <a:noFill/>
+          </p:spPr>
+          <p:style>
+            <a:lnRef idx="2">
+              <a:schemeClr val="accent1">
+                <a:shade val="50000"/>
+              </a:schemeClr>
+            </a:lnRef>
+            <a:fillRef idx="1">
+              <a:schemeClr val="accent1"/>
+            </a:fillRef>
+            <a:effectRef idx="0">
+              <a:schemeClr val="accent1"/>
+            </a:effectRef>
+            <a:fontRef idx="minor">
+              <a:schemeClr val="lt1"/>
+            </a:fontRef>
+          </p:style>
+          <p:txBody>
+            <a:bodyPr rtlCol="0" anchor="ctr"/>
+            <a:lstStyle/>
+            <a:p>
+              <a:pPr algn="ctr"/>
+              <a:endParaRPr lang="en-IN" dirty="0"/>
+            </a:p>
+          </p:txBody>
+        </p:sp>
+        <p:sp>
+          <p:nvSpPr>
+            <p:cNvPr id="8" name="TextBox 7">
+              <a:extLst>
+                <a:ext uri="{FF2B5EF4-FFF2-40B4-BE49-F238E27FC236}">
+                  <a16:creationId xmlns:a16="http://schemas.microsoft.com/office/drawing/2014/main" id="{482BCACF-B2E6-487C-AD07-134C15505D80}"/>
+                </a:ext>
+              </a:extLst>
+            </p:cNvPr>
+            <p:cNvSpPr txBox="1"/>
+            <p:nvPr/>
+          </p:nvSpPr>
+          <p:spPr>
+            <a:xfrm>
+              <a:off x="1185170" y="1514811"/>
+              <a:ext cx="1429304" cy="369332"/>
+            </a:xfrm>
+            <a:prstGeom prst="rect">
+              <a:avLst/>
+            </a:prstGeom>
+            <a:noFill/>
+          </p:spPr>
+          <p:txBody>
+            <a:bodyPr wrap="square">
+              <a:spAutoFit/>
+            </a:bodyPr>
+            <a:lstStyle/>
+            <a:p>
+              <a:r>
+                <a:rPr lang="en-IN" dirty="0"/>
+                <a:t>Hierarchical</a:t>
+              </a:r>
+            </a:p>
+          </p:txBody>
+        </p:sp>
+        <p:sp>
+          <p:nvSpPr>
+            <p:cNvPr id="9" name="Rectangle 8">
+              <a:extLst>
+                <a:ext uri="{FF2B5EF4-FFF2-40B4-BE49-F238E27FC236}">
+                  <a16:creationId xmlns:a16="http://schemas.microsoft.com/office/drawing/2014/main" id="{FB685A2A-9F4F-42BB-AF53-AE886910D468}"/>
+                </a:ext>
+              </a:extLst>
+            </p:cNvPr>
+            <p:cNvSpPr/>
+            <p:nvPr/>
+          </p:nvSpPr>
+          <p:spPr>
+            <a:xfrm>
+              <a:off x="186432" y="2462075"/>
+              <a:ext cx="1713390" cy="577048"/>
+            </a:xfrm>
+            <a:prstGeom prst="rect">
+              <a:avLst/>
+            </a:prstGeom>
+            <a:noFill/>
+          </p:spPr>
+          <p:style>
+            <a:lnRef idx="2">
+              <a:schemeClr val="accent1">
+                <a:shade val="50000"/>
+              </a:schemeClr>
+            </a:lnRef>
+            <a:fillRef idx="1">
+              <a:schemeClr val="accent1"/>
+            </a:fillRef>
+            <a:effectRef idx="0">
+              <a:schemeClr val="accent1"/>
+            </a:effectRef>
+            <a:fontRef idx="minor">
+              <a:schemeClr val="lt1"/>
+            </a:fontRef>
+          </p:style>
+          <p:txBody>
+            <a:bodyPr rtlCol="0" anchor="ctr"/>
+            <a:lstStyle/>
+            <a:p>
+              <a:pPr algn="ctr"/>
+              <a:endParaRPr lang="en-IN" dirty="0"/>
+            </a:p>
+          </p:txBody>
+        </p:sp>
+        <p:sp>
+          <p:nvSpPr>
+            <p:cNvPr id="10" name="Rectangle 9">
+              <a:extLst>
+                <a:ext uri="{FF2B5EF4-FFF2-40B4-BE49-F238E27FC236}">
+                  <a16:creationId xmlns:a16="http://schemas.microsoft.com/office/drawing/2014/main" id="{1ECE1182-BABE-4304-8F0A-45CB7EA6452A}"/>
+                </a:ext>
+              </a:extLst>
+            </p:cNvPr>
+            <p:cNvSpPr/>
+            <p:nvPr/>
+          </p:nvSpPr>
+          <p:spPr>
+            <a:xfrm>
+              <a:off x="2258627" y="2465035"/>
+              <a:ext cx="2422123" cy="577048"/>
+            </a:xfrm>
+            <a:prstGeom prst="rect">
+              <a:avLst/>
+            </a:prstGeom>
+            <a:noFill/>
+          </p:spPr>
+          <p:style>
+            <a:lnRef idx="2">
+              <a:schemeClr val="accent1">
+                <a:shade val="50000"/>
+              </a:schemeClr>
+            </a:lnRef>
+            <a:fillRef idx="1">
+              <a:schemeClr val="accent1"/>
+            </a:fillRef>
+            <a:effectRef idx="0">
+              <a:schemeClr val="accent1"/>
+            </a:effectRef>
+            <a:fontRef idx="minor">
+              <a:schemeClr val="lt1"/>
+            </a:fontRef>
+          </p:style>
+          <p:txBody>
+            <a:bodyPr rtlCol="0" anchor="ctr"/>
+            <a:lstStyle/>
+            <a:p>
+              <a:pPr algn="ctr"/>
+              <a:endParaRPr lang="en-IN" dirty="0"/>
+            </a:p>
+          </p:txBody>
+        </p:sp>
+        <p:sp>
+          <p:nvSpPr>
+            <p:cNvPr id="11" name="TextBox 10">
+              <a:extLst>
+                <a:ext uri="{FF2B5EF4-FFF2-40B4-BE49-F238E27FC236}">
+                  <a16:creationId xmlns:a16="http://schemas.microsoft.com/office/drawing/2014/main" id="{A77620F3-F4BD-47E9-AEAB-653E8B3CB6D8}"/>
+                </a:ext>
+              </a:extLst>
+            </p:cNvPr>
+            <p:cNvSpPr txBox="1"/>
+            <p:nvPr/>
+          </p:nvSpPr>
+          <p:spPr>
+            <a:xfrm>
+              <a:off x="470518" y="2565933"/>
+              <a:ext cx="1429304" cy="369332"/>
+            </a:xfrm>
+            <a:prstGeom prst="rect">
+              <a:avLst/>
+            </a:prstGeom>
+            <a:noFill/>
+          </p:spPr>
+          <p:txBody>
+            <a:bodyPr wrap="square">
+              <a:spAutoFit/>
+            </a:bodyPr>
+            <a:lstStyle/>
+            <a:p>
+              <a:r>
+                <a:rPr lang="en-IN" dirty="0"/>
+                <a:t>child1</a:t>
+              </a:r>
+            </a:p>
+          </p:txBody>
+        </p:sp>
+        <p:sp>
+          <p:nvSpPr>
+            <p:cNvPr id="12" name="TextBox 11">
+              <a:extLst>
+                <a:ext uri="{FF2B5EF4-FFF2-40B4-BE49-F238E27FC236}">
+                  <a16:creationId xmlns:a16="http://schemas.microsoft.com/office/drawing/2014/main" id="{7C37B196-D03E-4DD1-836E-5357FE748029}"/>
+                </a:ext>
+              </a:extLst>
+            </p:cNvPr>
+            <p:cNvSpPr txBox="1"/>
+            <p:nvPr/>
+          </p:nvSpPr>
+          <p:spPr>
+            <a:xfrm>
+              <a:off x="2614474" y="2565933"/>
+              <a:ext cx="1429304" cy="369332"/>
+            </a:xfrm>
+            <a:prstGeom prst="rect">
+              <a:avLst/>
+            </a:prstGeom>
+            <a:noFill/>
+          </p:spPr>
+          <p:txBody>
+            <a:bodyPr wrap="square">
+              <a:spAutoFit/>
+            </a:bodyPr>
+            <a:lstStyle/>
+            <a:p>
+              <a:r>
+                <a:rPr lang="en-IN" dirty="0"/>
+                <a:t>Child2</a:t>
+              </a:r>
+            </a:p>
+          </p:txBody>
+        </p:sp>
+      </p:grpSp>
+      <p:sp>
+        <p:nvSpPr>
+          <p:cNvPr id="14" name="TextBox 13">
+            <a:extLst>
+              <a:ext uri="{FF2B5EF4-FFF2-40B4-BE49-F238E27FC236}">
+                <a16:creationId xmlns:a16="http://schemas.microsoft.com/office/drawing/2014/main" id="{74FB72B6-42C9-4E82-981D-D02D4506CEBA}"/>
+              </a:ext>
+            </a:extLst>
+          </p:cNvPr>
+          <p:cNvSpPr txBox="1"/>
+          <p:nvPr/>
+        </p:nvSpPr>
+        <p:spPr>
+          <a:xfrm>
+            <a:off x="5727947" y="610136"/>
+            <a:ext cx="3069823" cy="6247864"/>
+          </a:xfrm>
+          <a:prstGeom prst="rect">
+            <a:avLst/>
+          </a:prstGeom>
+          <a:noFill/>
+        </p:spPr>
+        <p:txBody>
+          <a:bodyPr wrap="square">
+            <a:spAutoFit/>
+          </a:bodyPr>
+          <a:lstStyle/>
+          <a:p>
+            <a:r>
+              <a:rPr lang="en-IN" sz="1000" dirty="0"/>
+              <a:t>class Hierarchical {</a:t>
+            </a:r>
+          </a:p>
+          <a:p>
+            <a:r>
+              <a:rPr lang="en-IN" sz="1000" dirty="0"/>
+              <a:t>  var Name1: String = "</a:t>
+            </a:r>
+            <a:r>
+              <a:rPr lang="en-IN" sz="1000" dirty="0" err="1"/>
+              <a:t>Siya</a:t>
+            </a:r>
+            <a:r>
+              <a:rPr lang="en-IN" sz="1000" dirty="0"/>
+              <a:t>"</a:t>
+            </a:r>
+          </a:p>
+          <a:p>
+            <a:r>
+              <a:rPr lang="en-IN" sz="1000" dirty="0"/>
+              <a:t>  var Name2: String = "</a:t>
+            </a:r>
+            <a:r>
+              <a:rPr lang="en-IN" sz="1000" dirty="0" err="1"/>
+              <a:t>Soniya</a:t>
+            </a:r>
+            <a:r>
+              <a:rPr lang="en-IN" sz="1000" dirty="0"/>
+              <a:t>"</a:t>
+            </a:r>
+          </a:p>
+          <a:p>
+            <a:r>
+              <a:rPr lang="en-IN" sz="1000" dirty="0"/>
+              <a:t>}</a:t>
+            </a:r>
+          </a:p>
+          <a:p>
+            <a:r>
+              <a:rPr lang="en-IN" sz="1000" dirty="0"/>
+              <a:t>class Child1 extends Hierarchical</a:t>
+            </a:r>
+          </a:p>
+          <a:p>
+            <a:r>
+              <a:rPr lang="en-IN" sz="1000" dirty="0"/>
+              <a:t>{</a:t>
+            </a:r>
+          </a:p>
+          <a:p>
+            <a:r>
+              <a:rPr lang="en-IN" sz="1000" dirty="0"/>
+              <a:t>  var Age: Int = 32</a:t>
+            </a:r>
+          </a:p>
+          <a:p>
+            <a:r>
+              <a:rPr lang="en-IN" sz="1000" dirty="0"/>
+              <a:t>  def details1()</a:t>
+            </a:r>
+          </a:p>
+          <a:p>
+            <a:r>
+              <a:rPr lang="en-IN" sz="1000" dirty="0"/>
+              <a:t>  {</a:t>
+            </a:r>
+          </a:p>
+          <a:p>
+            <a:r>
+              <a:rPr lang="en-IN" sz="1000" dirty="0"/>
+              <a:t>    </a:t>
+            </a:r>
+            <a:r>
+              <a:rPr lang="en-IN" sz="1000" dirty="0" err="1"/>
+              <a:t>println</a:t>
+            </a:r>
+            <a:r>
+              <a:rPr lang="en-IN" sz="1000" dirty="0"/>
+              <a:t>(" Name: " +Name1);</a:t>
+            </a:r>
+          </a:p>
+          <a:p>
+            <a:r>
+              <a:rPr lang="en-IN" sz="1000" dirty="0"/>
+              <a:t>    </a:t>
+            </a:r>
+            <a:r>
+              <a:rPr lang="en-IN" sz="1000" dirty="0" err="1"/>
+              <a:t>println</a:t>
+            </a:r>
+            <a:r>
+              <a:rPr lang="en-IN" sz="1000" dirty="0"/>
+              <a:t>(" Age: " +Age);</a:t>
+            </a:r>
+          </a:p>
+          <a:p>
+            <a:r>
+              <a:rPr lang="en-IN" sz="1000" dirty="0"/>
+              <a:t>  }</a:t>
+            </a:r>
+          </a:p>
+          <a:p>
+            <a:r>
+              <a:rPr lang="en-IN" sz="1000" dirty="0"/>
+              <a:t>}</a:t>
+            </a:r>
+          </a:p>
+          <a:p>
+            <a:r>
+              <a:rPr lang="en-IN" sz="1000" dirty="0"/>
+              <a:t>// Derived from Parent class</a:t>
+            </a:r>
+          </a:p>
+          <a:p>
+            <a:r>
+              <a:rPr lang="en-IN" sz="1000" dirty="0"/>
+              <a:t>class Child2 extends Hierarchical</a:t>
+            </a:r>
+          </a:p>
+          <a:p>
+            <a:r>
+              <a:rPr lang="en-IN" sz="1000" dirty="0"/>
+              <a:t>{</a:t>
+            </a:r>
+          </a:p>
+          <a:p>
+            <a:r>
+              <a:rPr lang="en-IN" sz="1000" dirty="0"/>
+              <a:t>  var Height: Int = 164</a:t>
+            </a:r>
+          </a:p>
+          <a:p>
+            <a:endParaRPr lang="en-IN" sz="1000" dirty="0"/>
+          </a:p>
+          <a:p>
+            <a:r>
+              <a:rPr lang="en-IN" sz="1000" dirty="0"/>
+              <a:t>  // Method</a:t>
+            </a:r>
+          </a:p>
+          <a:p>
+            <a:r>
+              <a:rPr lang="en-IN" sz="1000" dirty="0"/>
+              <a:t>  def details2()</a:t>
+            </a:r>
+          </a:p>
+          <a:p>
+            <a:r>
+              <a:rPr lang="en-IN" sz="1000" dirty="0"/>
+              <a:t>  {</a:t>
+            </a:r>
+          </a:p>
+          <a:p>
+            <a:r>
+              <a:rPr lang="en-IN" sz="1000" dirty="0"/>
+              <a:t>    </a:t>
+            </a:r>
+            <a:r>
+              <a:rPr lang="en-IN" sz="1000" dirty="0" err="1"/>
+              <a:t>println</a:t>
+            </a:r>
+            <a:r>
+              <a:rPr lang="en-IN" sz="1000" dirty="0"/>
+              <a:t>(" Name: " +Name2);</a:t>
+            </a:r>
+          </a:p>
+          <a:p>
+            <a:r>
+              <a:rPr lang="en-IN" sz="1000" dirty="0"/>
+              <a:t>    </a:t>
+            </a:r>
+            <a:r>
+              <a:rPr lang="en-IN" sz="1000" dirty="0" err="1"/>
+              <a:t>println</a:t>
+            </a:r>
+            <a:r>
+              <a:rPr lang="en-IN" sz="1000" dirty="0"/>
+              <a:t>(" Height: " +Height);</a:t>
+            </a:r>
+          </a:p>
+          <a:p>
+            <a:r>
+              <a:rPr lang="en-IN" sz="1000" dirty="0"/>
+              <a:t>  }</a:t>
+            </a:r>
+          </a:p>
+          <a:p>
+            <a:r>
+              <a:rPr lang="en-IN" sz="1000" dirty="0"/>
+              <a:t>}</a:t>
+            </a:r>
+          </a:p>
+          <a:p>
+            <a:endParaRPr lang="en-IN" sz="1000" dirty="0"/>
+          </a:p>
+          <a:p>
+            <a:r>
+              <a:rPr lang="en-IN" sz="1000" dirty="0"/>
+              <a:t>object </a:t>
+            </a:r>
+            <a:r>
+              <a:rPr lang="en-IN" sz="1000" dirty="0" err="1"/>
+              <a:t>Main_Hierarchical</a:t>
+            </a:r>
+            <a:endParaRPr lang="en-IN" sz="1000" dirty="0"/>
+          </a:p>
+          <a:p>
+            <a:r>
+              <a:rPr lang="en-IN" sz="1000" dirty="0"/>
+              <a:t>{</a:t>
+            </a:r>
+          </a:p>
+          <a:p>
+            <a:endParaRPr lang="en-IN" sz="1000" dirty="0"/>
+          </a:p>
+          <a:p>
+            <a:r>
+              <a:rPr lang="en-IN" sz="1000" dirty="0"/>
+              <a:t>  // Driver code</a:t>
+            </a:r>
+          </a:p>
+          <a:p>
+            <a:r>
+              <a:rPr lang="en-IN" sz="1000" dirty="0"/>
+              <a:t>  def main(</a:t>
+            </a:r>
+            <a:r>
+              <a:rPr lang="en-IN" sz="1000" dirty="0" err="1"/>
+              <a:t>args</a:t>
+            </a:r>
+            <a:r>
+              <a:rPr lang="en-IN" sz="1000" dirty="0"/>
+              <a:t>: Array[String])</a:t>
+            </a:r>
+          </a:p>
+          <a:p>
+            <a:r>
+              <a:rPr lang="en-IN" sz="1000" dirty="0"/>
+              <a:t>  {</a:t>
+            </a:r>
+          </a:p>
+          <a:p>
+            <a:endParaRPr lang="en-IN" sz="1000" dirty="0"/>
+          </a:p>
+          <a:p>
+            <a:r>
+              <a:rPr lang="en-IN" sz="1000" dirty="0"/>
+              <a:t>    // Creating objects of both derived classes</a:t>
+            </a:r>
+          </a:p>
+          <a:p>
+            <a:r>
+              <a:rPr lang="en-IN" sz="1000" dirty="0"/>
+              <a:t>    </a:t>
+            </a:r>
+            <a:r>
+              <a:rPr lang="en-IN" sz="1000" dirty="0" err="1"/>
+              <a:t>val</a:t>
+            </a:r>
+            <a:r>
+              <a:rPr lang="en-IN" sz="1000" dirty="0"/>
+              <a:t> ob1 = new Child1();</a:t>
+            </a:r>
+          </a:p>
+          <a:p>
+            <a:r>
+              <a:rPr lang="en-IN" sz="1000" dirty="0"/>
+              <a:t>    </a:t>
+            </a:r>
+            <a:r>
+              <a:rPr lang="en-IN" sz="1000" dirty="0" err="1"/>
+              <a:t>val</a:t>
+            </a:r>
+            <a:r>
+              <a:rPr lang="en-IN" sz="1000" dirty="0"/>
+              <a:t> ob2 = new Child2();</a:t>
+            </a:r>
+          </a:p>
+          <a:p>
+            <a:r>
+              <a:rPr lang="en-IN" sz="1000" dirty="0"/>
+              <a:t>    ob1.details1();</a:t>
+            </a:r>
+          </a:p>
+          <a:p>
+            <a:r>
+              <a:rPr lang="en-IN" sz="1000" dirty="0"/>
+              <a:t>    ob2.details2();</a:t>
+            </a:r>
+          </a:p>
+          <a:p>
+            <a:r>
+              <a:rPr lang="en-IN" sz="1000" dirty="0"/>
+              <a:t>  }</a:t>
+            </a:r>
+          </a:p>
+          <a:p>
+            <a:r>
+              <a:rPr lang="en-IN" sz="1000" dirty="0"/>
+              <a:t>}</a:t>
+            </a:r>
+          </a:p>
+        </p:txBody>
+      </p:sp>
+    </p:spTree>
+    <p:extLst>
+      <p:ext uri="{BB962C8B-B14F-4D97-AF65-F5344CB8AC3E}">
+        <p14:creationId xmlns:p14="http://schemas.microsoft.com/office/powerpoint/2010/main" val="4031567669"/>
       </p:ext>
     </p:extLst>
   </p:cSld>
@@ -32749,6 +36111,584 @@
     <p:extLst>
       <p:ext uri="{BB962C8B-B14F-4D97-AF65-F5344CB8AC3E}">
         <p14:creationId xmlns:p14="http://schemas.microsoft.com/office/powerpoint/2010/main" val="1402397698"/>
+      </p:ext>
+    </p:extLst>
+  </p:cSld>
+  <p:clrMapOvr>
+    <a:masterClrMapping/>
+  </p:clrMapOvr>
+</p:sld>
+</file>
+
+<file path=ppt/slides/slide80.xml><?xml version="1.0" encoding="utf-8"?>
+<p:sld xmlns:a="http://schemas.openxmlformats.org/drawingml/2006/main" xmlns:r="http://schemas.openxmlformats.org/officeDocument/2006/relationships" xmlns:p="http://schemas.openxmlformats.org/presentationml/2006/main">
+  <p:cSld>
+    <p:spTree>
+      <p:nvGrpSpPr>
+        <p:cNvPr id="1" name=""/>
+        <p:cNvGrpSpPr/>
+        <p:nvPr/>
+      </p:nvGrpSpPr>
+      <p:grpSpPr>
+        <a:xfrm>
+          <a:off x="0" y="0"/>
+          <a:ext cx="0" cy="0"/>
+          <a:chOff x="0" y="0"/>
+          <a:chExt cx="0" cy="0"/>
+        </a:xfrm>
+      </p:grpSpPr>
+      <p:sp>
+        <p:nvSpPr>
+          <p:cNvPr id="3" name="TextBox 2">
+            <a:extLst>
+              <a:ext uri="{FF2B5EF4-FFF2-40B4-BE49-F238E27FC236}">
+                <a16:creationId xmlns:a16="http://schemas.microsoft.com/office/drawing/2014/main" id="{0480CDEC-0D2D-4F47-BFCA-165CF697E79C}"/>
+              </a:ext>
+            </a:extLst>
+          </p:cNvPr>
+          <p:cNvSpPr txBox="1"/>
+          <p:nvPr/>
+        </p:nvSpPr>
+        <p:spPr>
+          <a:xfrm>
+            <a:off x="128727" y="157085"/>
+            <a:ext cx="8624656" cy="1200329"/>
+          </a:xfrm>
+          <a:prstGeom prst="rect">
+            <a:avLst/>
+          </a:prstGeom>
+          <a:noFill/>
+        </p:spPr>
+        <p:txBody>
+          <a:bodyPr wrap="square">
+            <a:spAutoFit/>
+          </a:bodyPr>
+          <a:lstStyle/>
+          <a:p>
+            <a:pPr algn="l" fontAlgn="base">
+              <a:buFont typeface="Arial" panose="020B0604020202020204" pitchFamily="34" charset="0"/>
+              <a:buChar char="•"/>
+            </a:pPr>
+            <a:r>
+              <a:rPr lang="en-US" b="1" i="0" dirty="0">
+                <a:solidFill>
+                  <a:srgbClr val="273239"/>
+                </a:solidFill>
+                <a:effectLst/>
+                <a:latin typeface="urw-din"/>
+              </a:rPr>
+              <a:t>Multiple Inheritance: </a:t>
+            </a:r>
+            <a:r>
+              <a:rPr lang="en-US" b="0" i="0" dirty="0">
+                <a:solidFill>
+                  <a:srgbClr val="273239"/>
+                </a:solidFill>
+                <a:effectLst/>
+                <a:latin typeface="urw-din"/>
+              </a:rPr>
+              <a:t>In Multiple inheritance ,one class can have more than one superclass and inherit features from all parent classes. Scala does not support multiple inheritance with classes, but it can be achieved by traits. </a:t>
+            </a:r>
+            <a:br>
+              <a:rPr lang="en-US" b="0" i="0" dirty="0">
+                <a:solidFill>
+                  <a:srgbClr val="273239"/>
+                </a:solidFill>
+                <a:effectLst/>
+                <a:latin typeface="urw-din"/>
+              </a:rPr>
+            </a:br>
+            <a:r>
+              <a:rPr lang="en-US" b="0" i="0" dirty="0">
+                <a:solidFill>
+                  <a:srgbClr val="273239"/>
+                </a:solidFill>
+                <a:effectLst/>
+                <a:latin typeface="urw-din"/>
+              </a:rPr>
+              <a:t> </a:t>
+            </a:r>
+          </a:p>
+        </p:txBody>
+      </p:sp>
+      <p:sp>
+        <p:nvSpPr>
+          <p:cNvPr id="5" name="Rectangle 4">
+            <a:extLst>
+              <a:ext uri="{FF2B5EF4-FFF2-40B4-BE49-F238E27FC236}">
+                <a16:creationId xmlns:a16="http://schemas.microsoft.com/office/drawing/2014/main" id="{CB93C695-C92D-4B94-8EB9-279699C30DCE}"/>
+              </a:ext>
+            </a:extLst>
+          </p:cNvPr>
+          <p:cNvSpPr/>
+          <p:nvPr/>
+        </p:nvSpPr>
+        <p:spPr>
+          <a:xfrm>
+            <a:off x="1114892" y="2460439"/>
+            <a:ext cx="1713390" cy="577048"/>
+          </a:xfrm>
+          <a:prstGeom prst="rect">
+            <a:avLst/>
+          </a:prstGeom>
+          <a:noFill/>
+        </p:spPr>
+        <p:style>
+          <a:lnRef idx="2">
+            <a:schemeClr val="accent1">
+              <a:shade val="50000"/>
+            </a:schemeClr>
+          </a:lnRef>
+          <a:fillRef idx="1">
+            <a:schemeClr val="accent1"/>
+          </a:fillRef>
+          <a:effectRef idx="0">
+            <a:schemeClr val="accent1"/>
+          </a:effectRef>
+          <a:fontRef idx="minor">
+            <a:schemeClr val="lt1"/>
+          </a:fontRef>
+        </p:style>
+        <p:txBody>
+          <a:bodyPr rtlCol="0" anchor="ctr"/>
+          <a:lstStyle/>
+          <a:p>
+            <a:pPr algn="ctr"/>
+            <a:endParaRPr lang="en-IN" dirty="0"/>
+          </a:p>
+        </p:txBody>
+      </p:sp>
+      <p:sp>
+        <p:nvSpPr>
+          <p:cNvPr id="6" name="TextBox 5">
+            <a:extLst>
+              <a:ext uri="{FF2B5EF4-FFF2-40B4-BE49-F238E27FC236}">
+                <a16:creationId xmlns:a16="http://schemas.microsoft.com/office/drawing/2014/main" id="{D5683BC6-C2B1-4DAF-8416-4A5D3E6A2CD1}"/>
+              </a:ext>
+            </a:extLst>
+          </p:cNvPr>
+          <p:cNvSpPr txBox="1"/>
+          <p:nvPr/>
+        </p:nvSpPr>
+        <p:spPr>
+          <a:xfrm>
+            <a:off x="1256935" y="2594448"/>
+            <a:ext cx="1429304" cy="369332"/>
+          </a:xfrm>
+          <a:prstGeom prst="rect">
+            <a:avLst/>
+          </a:prstGeom>
+          <a:noFill/>
+        </p:spPr>
+        <p:txBody>
+          <a:bodyPr wrap="square">
+            <a:spAutoFit/>
+          </a:bodyPr>
+          <a:lstStyle/>
+          <a:p>
+            <a:r>
+              <a:rPr lang="en-IN" dirty="0"/>
+              <a:t>Hierarchical</a:t>
+            </a:r>
+          </a:p>
+        </p:txBody>
+      </p:sp>
+      <p:sp>
+        <p:nvSpPr>
+          <p:cNvPr id="7" name="Rectangle 6">
+            <a:extLst>
+              <a:ext uri="{FF2B5EF4-FFF2-40B4-BE49-F238E27FC236}">
+                <a16:creationId xmlns:a16="http://schemas.microsoft.com/office/drawing/2014/main" id="{2D455530-5B09-452F-8E88-C4817B73873D}"/>
+              </a:ext>
+            </a:extLst>
+          </p:cNvPr>
+          <p:cNvSpPr/>
+          <p:nvPr/>
+        </p:nvSpPr>
+        <p:spPr>
+          <a:xfrm>
+            <a:off x="244138" y="1497966"/>
+            <a:ext cx="1713390" cy="577048"/>
+          </a:xfrm>
+          <a:prstGeom prst="rect">
+            <a:avLst/>
+          </a:prstGeom>
+          <a:noFill/>
+        </p:spPr>
+        <p:style>
+          <a:lnRef idx="2">
+            <a:schemeClr val="accent1">
+              <a:shade val="50000"/>
+            </a:schemeClr>
+          </a:lnRef>
+          <a:fillRef idx="1">
+            <a:schemeClr val="accent1"/>
+          </a:fillRef>
+          <a:effectRef idx="0">
+            <a:schemeClr val="accent1"/>
+          </a:effectRef>
+          <a:fontRef idx="minor">
+            <a:schemeClr val="lt1"/>
+          </a:fontRef>
+        </p:style>
+        <p:txBody>
+          <a:bodyPr rtlCol="0" anchor="ctr"/>
+          <a:lstStyle/>
+          <a:p>
+            <a:pPr algn="ctr"/>
+            <a:endParaRPr lang="en-IN" dirty="0"/>
+          </a:p>
+        </p:txBody>
+      </p:sp>
+      <p:sp>
+        <p:nvSpPr>
+          <p:cNvPr id="8" name="Rectangle 7">
+            <a:extLst>
+              <a:ext uri="{FF2B5EF4-FFF2-40B4-BE49-F238E27FC236}">
+                <a16:creationId xmlns:a16="http://schemas.microsoft.com/office/drawing/2014/main" id="{0B572A59-9BC9-41DD-BCC3-62A65676470D}"/>
+              </a:ext>
+            </a:extLst>
+          </p:cNvPr>
+          <p:cNvSpPr/>
+          <p:nvPr/>
+        </p:nvSpPr>
+        <p:spPr>
+          <a:xfrm>
+            <a:off x="2374036" y="1497966"/>
+            <a:ext cx="2422123" cy="577048"/>
+          </a:xfrm>
+          <a:prstGeom prst="rect">
+            <a:avLst/>
+          </a:prstGeom>
+          <a:noFill/>
+        </p:spPr>
+        <p:style>
+          <a:lnRef idx="2">
+            <a:schemeClr val="accent1">
+              <a:shade val="50000"/>
+            </a:schemeClr>
+          </a:lnRef>
+          <a:fillRef idx="1">
+            <a:schemeClr val="accent1"/>
+          </a:fillRef>
+          <a:effectRef idx="0">
+            <a:schemeClr val="accent1"/>
+          </a:effectRef>
+          <a:fontRef idx="minor">
+            <a:schemeClr val="lt1"/>
+          </a:fontRef>
+        </p:style>
+        <p:txBody>
+          <a:bodyPr rtlCol="0" anchor="ctr"/>
+          <a:lstStyle/>
+          <a:p>
+            <a:pPr algn="ctr"/>
+            <a:endParaRPr lang="en-IN" dirty="0"/>
+          </a:p>
+        </p:txBody>
+      </p:sp>
+      <p:sp>
+        <p:nvSpPr>
+          <p:cNvPr id="9" name="TextBox 8">
+            <a:extLst>
+              <a:ext uri="{FF2B5EF4-FFF2-40B4-BE49-F238E27FC236}">
+                <a16:creationId xmlns:a16="http://schemas.microsoft.com/office/drawing/2014/main" id="{1A13125B-C44D-42CC-AB5A-BEBBFA181990}"/>
+              </a:ext>
+            </a:extLst>
+          </p:cNvPr>
+          <p:cNvSpPr txBox="1"/>
+          <p:nvPr/>
+        </p:nvSpPr>
+        <p:spPr>
+          <a:xfrm>
+            <a:off x="612561" y="1601824"/>
+            <a:ext cx="1429304" cy="369332"/>
+          </a:xfrm>
+          <a:prstGeom prst="rect">
+            <a:avLst/>
+          </a:prstGeom>
+          <a:noFill/>
+        </p:spPr>
+        <p:txBody>
+          <a:bodyPr wrap="square">
+            <a:spAutoFit/>
+          </a:bodyPr>
+          <a:lstStyle/>
+          <a:p>
+            <a:r>
+              <a:rPr lang="en-IN" dirty="0"/>
+              <a:t>child1</a:t>
+            </a:r>
+          </a:p>
+        </p:txBody>
+      </p:sp>
+      <p:sp>
+        <p:nvSpPr>
+          <p:cNvPr id="10" name="TextBox 9">
+            <a:extLst>
+              <a:ext uri="{FF2B5EF4-FFF2-40B4-BE49-F238E27FC236}">
+                <a16:creationId xmlns:a16="http://schemas.microsoft.com/office/drawing/2014/main" id="{B5094E76-FB92-4D50-A526-75DA425BE1B2}"/>
+              </a:ext>
+            </a:extLst>
+          </p:cNvPr>
+          <p:cNvSpPr txBox="1"/>
+          <p:nvPr/>
+        </p:nvSpPr>
+        <p:spPr>
+          <a:xfrm>
+            <a:off x="2756517" y="1592341"/>
+            <a:ext cx="1429304" cy="369332"/>
+          </a:xfrm>
+          <a:prstGeom prst="rect">
+            <a:avLst/>
+          </a:prstGeom>
+          <a:noFill/>
+        </p:spPr>
+        <p:txBody>
+          <a:bodyPr wrap="square">
+            <a:spAutoFit/>
+          </a:bodyPr>
+          <a:lstStyle/>
+          <a:p>
+            <a:r>
+              <a:rPr lang="en-IN" dirty="0"/>
+              <a:t>Child2</a:t>
+            </a:r>
+          </a:p>
+        </p:txBody>
+      </p:sp>
+      <p:cxnSp>
+        <p:nvCxnSpPr>
+          <p:cNvPr id="12" name="Straight Arrow Connector 11">
+            <a:extLst>
+              <a:ext uri="{FF2B5EF4-FFF2-40B4-BE49-F238E27FC236}">
+                <a16:creationId xmlns:a16="http://schemas.microsoft.com/office/drawing/2014/main" id="{2499E2E2-81A9-476C-9D15-1DCDB2AFC7DC}"/>
+              </a:ext>
+            </a:extLst>
+          </p:cNvPr>
+          <p:cNvCxnSpPr/>
+          <p:nvPr/>
+        </p:nvCxnSpPr>
+        <p:spPr>
+          <a:xfrm>
+            <a:off x="1562470" y="2075014"/>
+            <a:ext cx="0" cy="385425"/>
+          </a:xfrm>
+          <a:prstGeom prst="straightConnector1">
+            <a:avLst/>
+          </a:prstGeom>
+          <a:ln>
+            <a:tailEnd type="triangle"/>
+          </a:ln>
+        </p:spPr>
+        <p:style>
+          <a:lnRef idx="1">
+            <a:schemeClr val="accent1"/>
+          </a:lnRef>
+          <a:fillRef idx="0">
+            <a:schemeClr val="accent1"/>
+          </a:fillRef>
+          <a:effectRef idx="0">
+            <a:schemeClr val="accent1"/>
+          </a:effectRef>
+          <a:fontRef idx="minor">
+            <a:schemeClr val="tx1"/>
+          </a:fontRef>
+        </p:style>
+      </p:cxnSp>
+      <p:cxnSp>
+        <p:nvCxnSpPr>
+          <p:cNvPr id="13" name="Straight Arrow Connector 12">
+            <a:extLst>
+              <a:ext uri="{FF2B5EF4-FFF2-40B4-BE49-F238E27FC236}">
+                <a16:creationId xmlns:a16="http://schemas.microsoft.com/office/drawing/2014/main" id="{51E7D25F-C7DE-4C4B-AA8F-6CCF4FD82C6B}"/>
+              </a:ext>
+            </a:extLst>
+          </p:cNvPr>
+          <p:cNvCxnSpPr/>
+          <p:nvPr/>
+        </p:nvCxnSpPr>
+        <p:spPr>
+          <a:xfrm>
+            <a:off x="2718048" y="2075014"/>
+            <a:ext cx="0" cy="385425"/>
+          </a:xfrm>
+          <a:prstGeom prst="straightConnector1">
+            <a:avLst/>
+          </a:prstGeom>
+          <a:ln>
+            <a:tailEnd type="triangle"/>
+          </a:ln>
+        </p:spPr>
+        <p:style>
+          <a:lnRef idx="1">
+            <a:schemeClr val="accent1"/>
+          </a:lnRef>
+          <a:fillRef idx="0">
+            <a:schemeClr val="accent1"/>
+          </a:fillRef>
+          <a:effectRef idx="0">
+            <a:schemeClr val="accent1"/>
+          </a:effectRef>
+          <a:fontRef idx="minor">
+            <a:schemeClr val="tx1"/>
+          </a:fontRef>
+        </p:style>
+      </p:cxnSp>
+    </p:spTree>
+    <p:extLst>
+      <p:ext uri="{BB962C8B-B14F-4D97-AF65-F5344CB8AC3E}">
+        <p14:creationId xmlns:p14="http://schemas.microsoft.com/office/powerpoint/2010/main" val="4142687440"/>
+      </p:ext>
+    </p:extLst>
+  </p:cSld>
+  <p:clrMapOvr>
+    <a:masterClrMapping/>
+  </p:clrMapOvr>
+</p:sld>
+</file>
+
+<file path=ppt/slides/slide81.xml><?xml version="1.0" encoding="utf-8"?>
+<p:sld xmlns:a="http://schemas.openxmlformats.org/drawingml/2006/main" xmlns:r="http://schemas.openxmlformats.org/officeDocument/2006/relationships" xmlns:p="http://schemas.openxmlformats.org/presentationml/2006/main">
+  <p:cSld>
+    <p:spTree>
+      <p:nvGrpSpPr>
+        <p:cNvPr id="1" name=""/>
+        <p:cNvGrpSpPr/>
+        <p:nvPr/>
+      </p:nvGrpSpPr>
+      <p:grpSpPr>
+        <a:xfrm>
+          <a:off x="0" y="0"/>
+          <a:ext cx="0" cy="0"/>
+          <a:chOff x="0" y="0"/>
+          <a:chExt cx="0" cy="0"/>
+        </a:xfrm>
+      </p:grpSpPr>
+    </p:spTree>
+    <p:extLst>
+      <p:ext uri="{BB962C8B-B14F-4D97-AF65-F5344CB8AC3E}">
+        <p14:creationId xmlns:p14="http://schemas.microsoft.com/office/powerpoint/2010/main" val="3991522665"/>
+      </p:ext>
+    </p:extLst>
+  </p:cSld>
+  <p:clrMapOvr>
+    <a:masterClrMapping/>
+  </p:clrMapOvr>
+</p:sld>
+</file>
+
+<file path=ppt/slides/slide82.xml><?xml version="1.0" encoding="utf-8"?>
+<p:sld xmlns:a="http://schemas.openxmlformats.org/drawingml/2006/main" xmlns:r="http://schemas.openxmlformats.org/officeDocument/2006/relationships" xmlns:p="http://schemas.openxmlformats.org/presentationml/2006/main">
+  <p:cSld>
+    <p:spTree>
+      <p:nvGrpSpPr>
+        <p:cNvPr id="1" name=""/>
+        <p:cNvGrpSpPr/>
+        <p:nvPr/>
+      </p:nvGrpSpPr>
+      <p:grpSpPr>
+        <a:xfrm>
+          <a:off x="0" y="0"/>
+          <a:ext cx="0" cy="0"/>
+          <a:chOff x="0" y="0"/>
+          <a:chExt cx="0" cy="0"/>
+        </a:xfrm>
+      </p:grpSpPr>
+    </p:spTree>
+    <p:extLst>
+      <p:ext uri="{BB962C8B-B14F-4D97-AF65-F5344CB8AC3E}">
+        <p14:creationId xmlns:p14="http://schemas.microsoft.com/office/powerpoint/2010/main" val="4244349125"/>
+      </p:ext>
+    </p:extLst>
+  </p:cSld>
+  <p:clrMapOvr>
+    <a:masterClrMapping/>
+  </p:clrMapOvr>
+</p:sld>
+</file>
+
+<file path=ppt/slides/slide83.xml><?xml version="1.0" encoding="utf-8"?>
+<p:sld xmlns:a="http://schemas.openxmlformats.org/drawingml/2006/main" xmlns:r="http://schemas.openxmlformats.org/officeDocument/2006/relationships" xmlns:p="http://schemas.openxmlformats.org/presentationml/2006/main">
+  <p:cSld>
+    <p:spTree>
+      <p:nvGrpSpPr>
+        <p:cNvPr id="1" name=""/>
+        <p:cNvGrpSpPr/>
+        <p:nvPr/>
+      </p:nvGrpSpPr>
+      <p:grpSpPr>
+        <a:xfrm>
+          <a:off x="0" y="0"/>
+          <a:ext cx="0" cy="0"/>
+          <a:chOff x="0" y="0"/>
+          <a:chExt cx="0" cy="0"/>
+        </a:xfrm>
+      </p:grpSpPr>
+    </p:spTree>
+    <p:extLst>
+      <p:ext uri="{BB962C8B-B14F-4D97-AF65-F5344CB8AC3E}">
+        <p14:creationId xmlns:p14="http://schemas.microsoft.com/office/powerpoint/2010/main" val="1700842848"/>
+      </p:ext>
+    </p:extLst>
+  </p:cSld>
+  <p:clrMapOvr>
+    <a:masterClrMapping/>
+  </p:clrMapOvr>
+</p:sld>
+</file>
+
+<file path=ppt/slides/slide84.xml><?xml version="1.0" encoding="utf-8"?>
+<p:sld xmlns:a="http://schemas.openxmlformats.org/drawingml/2006/main" xmlns:r="http://schemas.openxmlformats.org/officeDocument/2006/relationships" xmlns:p="http://schemas.openxmlformats.org/presentationml/2006/main">
+  <p:cSld>
+    <p:spTree>
+      <p:nvGrpSpPr>
+        <p:cNvPr id="1" name=""/>
+        <p:cNvGrpSpPr/>
+        <p:nvPr/>
+      </p:nvGrpSpPr>
+      <p:grpSpPr>
+        <a:xfrm>
+          <a:off x="0" y="0"/>
+          <a:ext cx="0" cy="0"/>
+          <a:chOff x="0" y="0"/>
+          <a:chExt cx="0" cy="0"/>
+        </a:xfrm>
+      </p:grpSpPr>
+    </p:spTree>
+    <p:extLst>
+      <p:ext uri="{BB962C8B-B14F-4D97-AF65-F5344CB8AC3E}">
+        <p14:creationId xmlns:p14="http://schemas.microsoft.com/office/powerpoint/2010/main" val="3591392476"/>
+      </p:ext>
+    </p:extLst>
+  </p:cSld>
+  <p:clrMapOvr>
+    <a:masterClrMapping/>
+  </p:clrMapOvr>
+</p:sld>
+</file>
+
+<file path=ppt/slides/slide85.xml><?xml version="1.0" encoding="utf-8"?>
+<p:sld xmlns:a="http://schemas.openxmlformats.org/drawingml/2006/main" xmlns:r="http://schemas.openxmlformats.org/officeDocument/2006/relationships" xmlns:p="http://schemas.openxmlformats.org/presentationml/2006/main">
+  <p:cSld>
+    <p:spTree>
+      <p:nvGrpSpPr>
+        <p:cNvPr id="1" name=""/>
+        <p:cNvGrpSpPr/>
+        <p:nvPr/>
+      </p:nvGrpSpPr>
+      <p:grpSpPr>
+        <a:xfrm>
+          <a:off x="0" y="0"/>
+          <a:ext cx="0" cy="0"/>
+          <a:chOff x="0" y="0"/>
+          <a:chExt cx="0" cy="0"/>
+        </a:xfrm>
+      </p:grpSpPr>
+    </p:spTree>
+    <p:extLst>
+      <p:ext uri="{BB962C8B-B14F-4D97-AF65-F5344CB8AC3E}">
+        <p14:creationId xmlns:p14="http://schemas.microsoft.com/office/powerpoint/2010/main" val="3489670075"/>
       </p:ext>
     </p:extLst>
   </p:cSld>
